--- a/2022-11-24 ABP Community Talks 2022.9/ABP-7-News.pptx
+++ b/2022-11-24 ABP Community Talks 2022.9/ABP-7-News.pptx
@@ -12,10 +12,11 @@
     <p:sldId id="268" r:id="rId6"/>
     <p:sldId id="263" r:id="rId7"/>
     <p:sldId id="267" r:id="rId8"/>
-    <p:sldId id="259" r:id="rId9"/>
-    <p:sldId id="260" r:id="rId10"/>
-    <p:sldId id="261" r:id="rId11"/>
-    <p:sldId id="269" r:id="rId12"/>
+    <p:sldId id="269" r:id="rId9"/>
+    <p:sldId id="259" r:id="rId10"/>
+    <p:sldId id="260" r:id="rId11"/>
+    <p:sldId id="261" r:id="rId12"/>
+    <p:sldId id="270" r:id="rId13"/>
   </p:sldIdLst>
   <p:sldSz cx="12192000" cy="6858000"/>
   <p:notesSz cx="6858000" cy="9144000"/>
@@ -3381,7 +3382,7 @@
                 <a:latin typeface="Euclid Circular B" panose="020B0504000000000000" pitchFamily="34" charset="0"/>
                 <a:ea typeface="Euclid Circular B" panose="020B0504000000000000" pitchFamily="34" charset="0"/>
               </a:rPr>
-              <a:t>What’s coming with ABP 7.0?</a:t>
+              <a:t>What’s new with ABP 7.0 RC?</a:t>
             </a:r>
           </a:p>
         </p:txBody>
@@ -3433,6 +3434,595 @@
 </file>
 
 <file path=ppt/slides/slide10.xml><?xml version="1.0" encoding="utf-8"?>
+<p:sld xmlns:a="http://schemas.openxmlformats.org/drawingml/2006/main" xmlns:r="http://schemas.openxmlformats.org/officeDocument/2006/relationships" xmlns:p="http://schemas.openxmlformats.org/presentationml/2006/main">
+  <p:cSld>
+    <p:bg>
+      <p:bgPr>
+        <a:blipFill dpi="0" rotWithShape="1">
+          <a:blip r:embed="rId2">
+            <a:lum/>
+          </a:blip>
+          <a:srcRect/>
+          <a:stretch>
+            <a:fillRect/>
+          </a:stretch>
+        </a:blipFill>
+        <a:effectLst/>
+      </p:bgPr>
+    </p:bg>
+    <p:spTree>
+      <p:nvGrpSpPr>
+        <p:cNvPr id="1" name=""/>
+        <p:cNvGrpSpPr/>
+        <p:nvPr/>
+      </p:nvGrpSpPr>
+      <p:grpSpPr>
+        <a:xfrm>
+          <a:off x="0" y="0"/>
+          <a:ext cx="0" cy="0"/>
+          <a:chOff x="0" y="0"/>
+          <a:chExt cx="0" cy="0"/>
+        </a:xfrm>
+      </p:grpSpPr>
+      <p:sp>
+        <p:nvSpPr>
+          <p:cNvPr id="2" name="Title 1">
+            <a:extLst>
+              <a:ext uri="{FF2B5EF4-FFF2-40B4-BE49-F238E27FC236}">
+                <a16:creationId xmlns:a16="http://schemas.microsoft.com/office/drawing/2014/main" id="{55E11F08-6CA0-48F1-AD67-97430DDA07F0}"/>
+              </a:ext>
+            </a:extLst>
+          </p:cNvPr>
+          <p:cNvSpPr>
+            <a:spLocks noGrp="1"/>
+          </p:cNvSpPr>
+          <p:nvPr>
+            <p:ph type="title"/>
+          </p:nvPr>
+        </p:nvSpPr>
+        <p:spPr/>
+        <p:txBody>
+          <a:bodyPr/>
+          <a:lstStyle/>
+          <a:p>
+            <a:r>
+              <a:rPr lang="en-US" b="1" dirty="0">
+                <a:solidFill>
+                  <a:srgbClr val="292D33"/>
+                </a:solidFill>
+                <a:latin typeface="Euclid Circular B" panose="020B0504000000000000" pitchFamily="34" charset="0"/>
+                <a:ea typeface="Euclid Circular B" panose="020B0504000000000000" pitchFamily="34" charset="0"/>
+              </a:rPr>
+              <a:t>Dynamic Permissions &amp; Features</a:t>
+            </a:r>
+          </a:p>
+        </p:txBody>
+      </p:sp>
+      <p:pic>
+        <p:nvPicPr>
+          <p:cNvPr id="9" name="Picture 8">
+            <a:extLst>
+              <a:ext uri="{FF2B5EF4-FFF2-40B4-BE49-F238E27FC236}">
+                <a16:creationId xmlns:a16="http://schemas.microsoft.com/office/drawing/2014/main" id="{3FE7C372-A611-9139-7432-7936D204116A}"/>
+              </a:ext>
+            </a:extLst>
+          </p:cNvPr>
+          <p:cNvPicPr>
+            <a:picLocks noChangeAspect="1"/>
+          </p:cNvPicPr>
+          <p:nvPr/>
+        </p:nvPicPr>
+        <p:blipFill>
+          <a:blip r:embed="rId3"/>
+          <a:stretch>
+            <a:fillRect/>
+          </a:stretch>
+        </p:blipFill>
+        <p:spPr>
+          <a:xfrm>
+            <a:off x="602797" y="1770200"/>
+            <a:ext cx="5586454" cy="1763745"/>
+          </a:xfrm>
+          <a:prstGeom prst="rect">
+            <a:avLst/>
+          </a:prstGeom>
+        </p:spPr>
+      </p:pic>
+      <p:pic>
+        <p:nvPicPr>
+          <p:cNvPr id="11" name="Picture 10">
+            <a:extLst>
+              <a:ext uri="{FF2B5EF4-FFF2-40B4-BE49-F238E27FC236}">
+                <a16:creationId xmlns:a16="http://schemas.microsoft.com/office/drawing/2014/main" id="{98F9FB28-0D5F-DF9D-A355-8962A14BF765}"/>
+              </a:ext>
+            </a:extLst>
+          </p:cNvPr>
+          <p:cNvPicPr>
+            <a:picLocks noChangeAspect="1"/>
+          </p:cNvPicPr>
+          <p:nvPr/>
+        </p:nvPicPr>
+        <p:blipFill>
+          <a:blip r:embed="rId4"/>
+          <a:stretch>
+            <a:fillRect/>
+          </a:stretch>
+        </p:blipFill>
+        <p:spPr>
+          <a:xfrm>
+            <a:off x="6411520" y="1770200"/>
+            <a:ext cx="5366538" cy="4225083"/>
+          </a:xfrm>
+          <a:prstGeom prst="rect">
+            <a:avLst/>
+          </a:prstGeom>
+        </p:spPr>
+      </p:pic>
+      <p:sp>
+        <p:nvSpPr>
+          <p:cNvPr id="12" name="TextBox 11">
+            <a:extLst>
+              <a:ext uri="{FF2B5EF4-FFF2-40B4-BE49-F238E27FC236}">
+                <a16:creationId xmlns:a16="http://schemas.microsoft.com/office/drawing/2014/main" id="{34F007B4-4241-275E-E09E-77BAE98062FC}"/>
+              </a:ext>
+            </a:extLst>
+          </p:cNvPr>
+          <p:cNvSpPr txBox="1"/>
+          <p:nvPr/>
+        </p:nvSpPr>
+        <p:spPr>
+          <a:xfrm>
+            <a:off x="2257058" y="1400868"/>
+            <a:ext cx="2277931" cy="369332"/>
+          </a:xfrm>
+          <a:prstGeom prst="rect">
+            <a:avLst/>
+          </a:prstGeom>
+          <a:noFill/>
+        </p:spPr>
+        <p:txBody>
+          <a:bodyPr wrap="none" rtlCol="0">
+            <a:spAutoFit/>
+          </a:bodyPr>
+          <a:lstStyle/>
+          <a:p>
+            <a:r>
+              <a:rPr lang="en-US" dirty="0"/>
+              <a:t>(1) Define Permissions</a:t>
+            </a:r>
+          </a:p>
+        </p:txBody>
+      </p:sp>
+      <p:sp>
+        <p:nvSpPr>
+          <p:cNvPr id="13" name="TextBox 12">
+            <a:extLst>
+              <a:ext uri="{FF2B5EF4-FFF2-40B4-BE49-F238E27FC236}">
+                <a16:creationId xmlns:a16="http://schemas.microsoft.com/office/drawing/2014/main" id="{4FDA2A86-17BB-6853-794D-89EC7AAE74A4}"/>
+              </a:ext>
+            </a:extLst>
+          </p:cNvPr>
+          <p:cNvSpPr txBox="1"/>
+          <p:nvPr/>
+        </p:nvSpPr>
+        <p:spPr>
+          <a:xfrm>
+            <a:off x="7982849" y="1426510"/>
+            <a:ext cx="2223879" cy="369332"/>
+          </a:xfrm>
+          <a:prstGeom prst="rect">
+            <a:avLst/>
+          </a:prstGeom>
+          <a:noFill/>
+        </p:spPr>
+        <p:txBody>
+          <a:bodyPr wrap="none" rtlCol="0">
+            <a:spAutoFit/>
+          </a:bodyPr>
+          <a:lstStyle/>
+          <a:p>
+            <a:r>
+              <a:rPr lang="en-US" dirty="0"/>
+              <a:t>(2) Check Permissions</a:t>
+            </a:r>
+          </a:p>
+        </p:txBody>
+      </p:sp>
+      <p:pic>
+        <p:nvPicPr>
+          <p:cNvPr id="1026" name="Picture 2" descr="authorization-new-permission-ui-localized">
+            <a:extLst>
+              <a:ext uri="{FF2B5EF4-FFF2-40B4-BE49-F238E27FC236}">
+                <a16:creationId xmlns:a16="http://schemas.microsoft.com/office/drawing/2014/main" id="{893EF38F-3676-BFB0-C929-33A8F445C45D}"/>
+              </a:ext>
+            </a:extLst>
+          </p:cNvPr>
+          <p:cNvPicPr>
+            <a:picLocks noChangeAspect="1" noChangeArrowheads="1"/>
+          </p:cNvPicPr>
+          <p:nvPr/>
+        </p:nvPicPr>
+        <p:blipFill>
+          <a:blip r:embed="rId5">
+            <a:extLst>
+              <a:ext uri="{28A0092B-C50C-407E-A947-70E740481C1C}">
+                <a14:useLocalDpi xmlns:a14="http://schemas.microsoft.com/office/drawing/2010/main" val="0"/>
+              </a:ext>
+            </a:extLst>
+          </a:blip>
+          <a:srcRect/>
+          <a:stretch>
+            <a:fillRect/>
+          </a:stretch>
+        </p:blipFill>
+        <p:spPr bwMode="auto">
+          <a:xfrm>
+            <a:off x="602797" y="4040687"/>
+            <a:ext cx="5586454" cy="2509540"/>
+          </a:xfrm>
+          <a:prstGeom prst="rect">
+            <a:avLst/>
+          </a:prstGeom>
+          <a:noFill/>
+          <a:extLst>
+            <a:ext uri="{909E8E84-426E-40DD-AFC4-6F175D3DCCD1}">
+              <a14:hiddenFill xmlns:a14="http://schemas.microsoft.com/office/drawing/2010/main">
+                <a:solidFill>
+                  <a:srgbClr val="FFFFFF"/>
+                </a:solidFill>
+              </a14:hiddenFill>
+            </a:ext>
+          </a:extLst>
+        </p:spPr>
+      </p:pic>
+      <p:sp>
+        <p:nvSpPr>
+          <p:cNvPr id="14" name="TextBox 13">
+            <a:extLst>
+              <a:ext uri="{FF2B5EF4-FFF2-40B4-BE49-F238E27FC236}">
+                <a16:creationId xmlns:a16="http://schemas.microsoft.com/office/drawing/2014/main" id="{57847C3C-C598-2228-85BF-9B5ACAC90BE8}"/>
+              </a:ext>
+            </a:extLst>
+          </p:cNvPr>
+          <p:cNvSpPr txBox="1"/>
+          <p:nvPr/>
+        </p:nvSpPr>
+        <p:spPr>
+          <a:xfrm>
+            <a:off x="2257058" y="3692969"/>
+            <a:ext cx="2189767" cy="369332"/>
+          </a:xfrm>
+          <a:prstGeom prst="rect">
+            <a:avLst/>
+          </a:prstGeom>
+          <a:noFill/>
+        </p:spPr>
+        <p:txBody>
+          <a:bodyPr wrap="none" rtlCol="0">
+            <a:spAutoFit/>
+          </a:bodyPr>
+          <a:lstStyle/>
+          <a:p>
+            <a:r>
+              <a:rPr lang="en-US" dirty="0"/>
+              <a:t>(3) Grant Permissions</a:t>
+            </a:r>
+          </a:p>
+        </p:txBody>
+      </p:sp>
+    </p:spTree>
+    <p:extLst>
+      <p:ext uri="{BB962C8B-B14F-4D97-AF65-F5344CB8AC3E}">
+        <p14:creationId xmlns:p14="http://schemas.microsoft.com/office/powerpoint/2010/main" val="3188905023"/>
+      </p:ext>
+    </p:extLst>
+  </p:cSld>
+  <p:clrMapOvr>
+    <a:masterClrMapping/>
+  </p:clrMapOvr>
+  <p:timing>
+    <p:tnLst>
+      <p:par>
+        <p:cTn id="1" dur="indefinite" restart="never" nodeType="tmRoot">
+          <p:childTnLst>
+            <p:seq concurrent="1" nextAc="seek">
+              <p:cTn id="2" dur="indefinite" nodeType="mainSeq">
+                <p:childTnLst>
+                  <p:par>
+                    <p:cTn id="3" fill="hold">
+                      <p:stCondLst>
+                        <p:cond delay="indefinite"/>
+                      </p:stCondLst>
+                      <p:childTnLst>
+                        <p:par>
+                          <p:cTn id="4" fill="hold">
+                            <p:stCondLst>
+                              <p:cond delay="0"/>
+                            </p:stCondLst>
+                            <p:childTnLst>
+                              <p:par>
+                                <p:cTn id="5" presetID="10" presetClass="entr" presetSubtype="0" fill="hold" grpId="0" nodeType="clickEffect">
+                                  <p:stCondLst>
+                                    <p:cond delay="0"/>
+                                  </p:stCondLst>
+                                  <p:childTnLst>
+                                    <p:set>
+                                      <p:cBhvr>
+                                        <p:cTn id="6" dur="1" fill="hold">
+                                          <p:stCondLst>
+                                            <p:cond delay="0"/>
+                                          </p:stCondLst>
+                                        </p:cTn>
+                                        <p:tgtEl>
+                                          <p:spTgt spid="12"/>
+                                        </p:tgtEl>
+                                        <p:attrNameLst>
+                                          <p:attrName>style.visibility</p:attrName>
+                                        </p:attrNameLst>
+                                      </p:cBhvr>
+                                      <p:to>
+                                        <p:strVal val="visible"/>
+                                      </p:to>
+                                    </p:set>
+                                    <p:animEffect transition="in" filter="fade">
+                                      <p:cBhvr>
+                                        <p:cTn id="7" dur="500"/>
+                                        <p:tgtEl>
+                                          <p:spTgt spid="12"/>
+                                        </p:tgtEl>
+                                      </p:cBhvr>
+                                    </p:animEffect>
+                                  </p:childTnLst>
+                                </p:cTn>
+                              </p:par>
+                              <p:par>
+                                <p:cTn id="8" presetID="10" presetClass="entr" presetSubtype="0" fill="hold" nodeType="withEffect">
+                                  <p:stCondLst>
+                                    <p:cond delay="0"/>
+                                  </p:stCondLst>
+                                  <p:childTnLst>
+                                    <p:set>
+                                      <p:cBhvr>
+                                        <p:cTn id="9" dur="1" fill="hold">
+                                          <p:stCondLst>
+                                            <p:cond delay="0"/>
+                                          </p:stCondLst>
+                                        </p:cTn>
+                                        <p:tgtEl>
+                                          <p:spTgt spid="9"/>
+                                        </p:tgtEl>
+                                        <p:attrNameLst>
+                                          <p:attrName>style.visibility</p:attrName>
+                                        </p:attrNameLst>
+                                      </p:cBhvr>
+                                      <p:to>
+                                        <p:strVal val="visible"/>
+                                      </p:to>
+                                    </p:set>
+                                    <p:animEffect transition="in" filter="fade">
+                                      <p:cBhvr>
+                                        <p:cTn id="10" dur="500"/>
+                                        <p:tgtEl>
+                                          <p:spTgt spid="9"/>
+                                        </p:tgtEl>
+                                      </p:cBhvr>
+                                    </p:animEffect>
+                                  </p:childTnLst>
+                                </p:cTn>
+                              </p:par>
+                            </p:childTnLst>
+                          </p:cTn>
+                        </p:par>
+                      </p:childTnLst>
+                    </p:cTn>
+                  </p:par>
+                  <p:par>
+                    <p:cTn id="11" fill="hold">
+                      <p:stCondLst>
+                        <p:cond delay="indefinite"/>
+                      </p:stCondLst>
+                      <p:childTnLst>
+                        <p:par>
+                          <p:cTn id="12" fill="hold">
+                            <p:stCondLst>
+                              <p:cond delay="0"/>
+                            </p:stCondLst>
+                            <p:childTnLst>
+                              <p:par>
+                                <p:cTn id="13" presetID="10" presetClass="entr" presetSubtype="0" fill="hold" grpId="0" nodeType="clickEffect">
+                                  <p:stCondLst>
+                                    <p:cond delay="0"/>
+                                  </p:stCondLst>
+                                  <p:childTnLst>
+                                    <p:set>
+                                      <p:cBhvr>
+                                        <p:cTn id="14" dur="1" fill="hold">
+                                          <p:stCondLst>
+                                            <p:cond delay="0"/>
+                                          </p:stCondLst>
+                                        </p:cTn>
+                                        <p:tgtEl>
+                                          <p:spTgt spid="13"/>
+                                        </p:tgtEl>
+                                        <p:attrNameLst>
+                                          <p:attrName>style.visibility</p:attrName>
+                                        </p:attrNameLst>
+                                      </p:cBhvr>
+                                      <p:to>
+                                        <p:strVal val="visible"/>
+                                      </p:to>
+                                    </p:set>
+                                    <p:animEffect transition="in" filter="fade">
+                                      <p:cBhvr>
+                                        <p:cTn id="15" dur="500"/>
+                                        <p:tgtEl>
+                                          <p:spTgt spid="13"/>
+                                        </p:tgtEl>
+                                      </p:cBhvr>
+                                    </p:animEffect>
+                                  </p:childTnLst>
+                                </p:cTn>
+                              </p:par>
+                              <p:par>
+                                <p:cTn id="16" presetID="10" presetClass="entr" presetSubtype="0" fill="hold" nodeType="withEffect">
+                                  <p:stCondLst>
+                                    <p:cond delay="0"/>
+                                  </p:stCondLst>
+                                  <p:childTnLst>
+                                    <p:set>
+                                      <p:cBhvr>
+                                        <p:cTn id="17" dur="1" fill="hold">
+                                          <p:stCondLst>
+                                            <p:cond delay="0"/>
+                                          </p:stCondLst>
+                                        </p:cTn>
+                                        <p:tgtEl>
+                                          <p:spTgt spid="11"/>
+                                        </p:tgtEl>
+                                        <p:attrNameLst>
+                                          <p:attrName>style.visibility</p:attrName>
+                                        </p:attrNameLst>
+                                      </p:cBhvr>
+                                      <p:to>
+                                        <p:strVal val="visible"/>
+                                      </p:to>
+                                    </p:set>
+                                    <p:animEffect transition="in" filter="fade">
+                                      <p:cBhvr>
+                                        <p:cTn id="18" dur="500"/>
+                                        <p:tgtEl>
+                                          <p:spTgt spid="11"/>
+                                        </p:tgtEl>
+                                      </p:cBhvr>
+                                    </p:animEffect>
+                                  </p:childTnLst>
+                                </p:cTn>
+                              </p:par>
+                            </p:childTnLst>
+                          </p:cTn>
+                        </p:par>
+                      </p:childTnLst>
+                    </p:cTn>
+                  </p:par>
+                  <p:par>
+                    <p:cTn id="19" fill="hold">
+                      <p:stCondLst>
+                        <p:cond delay="indefinite"/>
+                      </p:stCondLst>
+                      <p:childTnLst>
+                        <p:par>
+                          <p:cTn id="20" fill="hold">
+                            <p:stCondLst>
+                              <p:cond delay="0"/>
+                            </p:stCondLst>
+                            <p:childTnLst>
+                              <p:par>
+                                <p:cTn id="21" presetID="10" presetClass="entr" presetSubtype="0" fill="hold" grpId="0" nodeType="clickEffect">
+                                  <p:stCondLst>
+                                    <p:cond delay="0"/>
+                                  </p:stCondLst>
+                                  <p:childTnLst>
+                                    <p:set>
+                                      <p:cBhvr>
+                                        <p:cTn id="22" dur="1" fill="hold">
+                                          <p:stCondLst>
+                                            <p:cond delay="0"/>
+                                          </p:stCondLst>
+                                        </p:cTn>
+                                        <p:tgtEl>
+                                          <p:spTgt spid="14"/>
+                                        </p:tgtEl>
+                                        <p:attrNameLst>
+                                          <p:attrName>style.visibility</p:attrName>
+                                        </p:attrNameLst>
+                                      </p:cBhvr>
+                                      <p:to>
+                                        <p:strVal val="visible"/>
+                                      </p:to>
+                                    </p:set>
+                                    <p:animEffect transition="in" filter="fade">
+                                      <p:cBhvr>
+                                        <p:cTn id="23" dur="500"/>
+                                        <p:tgtEl>
+                                          <p:spTgt spid="14"/>
+                                        </p:tgtEl>
+                                      </p:cBhvr>
+                                    </p:animEffect>
+                                  </p:childTnLst>
+                                </p:cTn>
+                              </p:par>
+                              <p:par>
+                                <p:cTn id="24" presetID="10" presetClass="entr" presetSubtype="0" fill="hold" nodeType="withEffect">
+                                  <p:stCondLst>
+                                    <p:cond delay="0"/>
+                                  </p:stCondLst>
+                                  <p:childTnLst>
+                                    <p:set>
+                                      <p:cBhvr>
+                                        <p:cTn id="25" dur="1" fill="hold">
+                                          <p:stCondLst>
+                                            <p:cond delay="0"/>
+                                          </p:stCondLst>
+                                        </p:cTn>
+                                        <p:tgtEl>
+                                          <p:spTgt spid="1026"/>
+                                        </p:tgtEl>
+                                        <p:attrNameLst>
+                                          <p:attrName>style.visibility</p:attrName>
+                                        </p:attrNameLst>
+                                      </p:cBhvr>
+                                      <p:to>
+                                        <p:strVal val="visible"/>
+                                      </p:to>
+                                    </p:set>
+                                    <p:animEffect transition="in" filter="fade">
+                                      <p:cBhvr>
+                                        <p:cTn id="26" dur="500"/>
+                                        <p:tgtEl>
+                                          <p:spTgt spid="1026"/>
+                                        </p:tgtEl>
+                                      </p:cBhvr>
+                                    </p:animEffect>
+                                  </p:childTnLst>
+                                </p:cTn>
+                              </p:par>
+                            </p:childTnLst>
+                          </p:cTn>
+                        </p:par>
+                      </p:childTnLst>
+                    </p:cTn>
+                  </p:par>
+                </p:childTnLst>
+              </p:cTn>
+              <p:prevCondLst>
+                <p:cond evt="onPrev" delay="0">
+                  <p:tgtEl>
+                    <p:sldTgt/>
+                  </p:tgtEl>
+                </p:cond>
+              </p:prevCondLst>
+              <p:nextCondLst>
+                <p:cond evt="onNext" delay="0">
+                  <p:tgtEl>
+                    <p:sldTgt/>
+                  </p:tgtEl>
+                </p:cond>
+              </p:nextCondLst>
+            </p:seq>
+          </p:childTnLst>
+        </p:cTn>
+      </p:par>
+    </p:tnLst>
+    <p:bldLst>
+      <p:bldP spid="12" grpId="0"/>
+      <p:bldP spid="13" grpId="0"/>
+      <p:bldP spid="14" grpId="0"/>
+    </p:bldLst>
+  </p:timing>
+</p:sld>
+</file>
+
+<file path=ppt/slides/slide11.xml><?xml version="1.0" encoding="utf-8"?>
 <p:sld xmlns:a="http://schemas.openxmlformats.org/drawingml/2006/main" xmlns:r="http://schemas.openxmlformats.org/officeDocument/2006/relationships" xmlns:p="http://schemas.openxmlformats.org/presentationml/2006/main">
   <p:cSld>
     <p:bg>
@@ -4619,7 +5209,7 @@
 </p:sld>
 </file>
 
-<file path=ppt/slides/slide11.xml><?xml version="1.0" encoding="utf-8"?>
+<file path=ppt/slides/slide12.xml><?xml version="1.0" encoding="utf-8"?>
 <p:sld xmlns:a="http://schemas.openxmlformats.org/drawingml/2006/main" xmlns:r="http://schemas.openxmlformats.org/officeDocument/2006/relationships" xmlns:p="http://schemas.openxmlformats.org/presentationml/2006/main">
   <p:cSld>
     <p:bg>
@@ -4706,23 +5296,19 @@
           <a:lstStyle/>
           <a:p>
             <a:r>
-              <a:rPr lang="en-US">
+              <a:rPr lang="en-US" dirty="0">
                 <a:latin typeface="Euclid Circular B" panose="020B0504000000000000" pitchFamily="34" charset="0"/>
                 <a:ea typeface="Euclid Circular B" panose="020B0504000000000000" pitchFamily="34" charset="0"/>
               </a:rPr>
               <a:t>Content</a:t>
             </a:r>
-            <a:endParaRPr lang="en-US" dirty="0">
-              <a:latin typeface="Euclid Circular B" panose="020B0504000000000000" pitchFamily="34" charset="0"/>
-              <a:ea typeface="Euclid Circular B" panose="020B0504000000000000" pitchFamily="34" charset="0"/>
-            </a:endParaRPr>
           </a:p>
         </p:txBody>
       </p:sp>
     </p:spTree>
     <p:extLst>
       <p:ext uri="{BB962C8B-B14F-4D97-AF65-F5344CB8AC3E}">
-        <p14:creationId xmlns:p14="http://schemas.microsoft.com/office/powerpoint/2010/main" val="935104937"/>
+        <p14:creationId xmlns:p14="http://schemas.microsoft.com/office/powerpoint/2010/main" val="2883217694"/>
       </p:ext>
     </p:extLst>
   </p:cSld>
@@ -4906,7 +5492,9 @@
         </p:nvSpPr>
         <p:spPr/>
         <p:txBody>
-          <a:bodyPr/>
+          <a:bodyPr>
+            <a:normAutofit lnSpcReduction="10000"/>
+          </a:bodyPr>
           <a:lstStyle/>
           <a:p>
             <a:r>
@@ -4914,7 +5502,30 @@
                 <a:latin typeface="Euclid Circular B" panose="020B0504000000000000" pitchFamily="34" charset="0"/>
                 <a:ea typeface="Euclid Circular B" panose="020B0504000000000000" pitchFamily="34" charset="0"/>
               </a:rPr>
-              <a:t>Upgrading to .NET 7.0</a:t>
+              <a:t>Upgraded to .NET 7.0</a:t>
+            </a:r>
+          </a:p>
+          <a:p>
+            <a:r>
+              <a:rPr lang="en-US" dirty="0">
+                <a:latin typeface="Euclid Circular B" panose="020B0504000000000000" pitchFamily="34" charset="0"/>
+                <a:ea typeface="Euclid Circular B" panose="020B0504000000000000" pitchFamily="34" charset="0"/>
+              </a:rPr>
+              <a:t>Upgraded to </a:t>
+            </a:r>
+            <a:r>
+              <a:rPr lang="en-US" dirty="0" err="1">
+                <a:latin typeface="Euclid Circular B" panose="020B0504000000000000" pitchFamily="34" charset="0"/>
+                <a:ea typeface="Euclid Circular B" panose="020B0504000000000000" pitchFamily="34" charset="0"/>
+              </a:rPr>
+              <a:t>OpenIddict</a:t>
+            </a:r>
+            <a:r>
+              <a:rPr lang="en-US" dirty="0">
+                <a:latin typeface="Euclid Circular B" panose="020B0504000000000000" pitchFamily="34" charset="0"/>
+                <a:ea typeface="Euclid Circular B" panose="020B0504000000000000" pitchFamily="34" charset="0"/>
+              </a:rPr>
+              <a:t> 4.0</a:t>
             </a:r>
           </a:p>
           <a:p>
@@ -4951,6 +5562,47 @@
                 <a:ea typeface="Euclid Circular B" panose="020B0504000000000000" pitchFamily="34" charset="0"/>
               </a:rPr>
               <a:t>External localization system</a:t>
+            </a:r>
+          </a:p>
+          <a:p>
+            <a:r>
+              <a:rPr lang="en-US" dirty="0">
+                <a:latin typeface="Euclid Circular B" panose="020B0504000000000000" pitchFamily="34" charset="0"/>
+                <a:ea typeface="Euclid Circular B" panose="020B0504000000000000" pitchFamily="34" charset="0"/>
+              </a:rPr>
+              <a:t>Distributed entity cache service</a:t>
+            </a:r>
+          </a:p>
+          <a:p>
+            <a:r>
+              <a:rPr lang="en-US" dirty="0">
+                <a:latin typeface="Euclid Circular B" panose="020B0504000000000000" pitchFamily="34" charset="0"/>
+                <a:ea typeface="Euclid Circular B" panose="020B0504000000000000" pitchFamily="34" charset="0"/>
+              </a:rPr>
+              <a:t>Layout hooks for the Blazor UI</a:t>
+            </a:r>
+          </a:p>
+          <a:p>
+            <a:r>
+              <a:rPr lang="en-US" dirty="0">
+                <a:latin typeface="Euclid Circular B" panose="020B0504000000000000" pitchFamily="34" charset="0"/>
+                <a:ea typeface="Euclid Circular B" panose="020B0504000000000000" pitchFamily="34" charset="0"/>
+              </a:rPr>
+              <a:t>Improvements on the </a:t>
+            </a:r>
+            <a:r>
+              <a:rPr lang="en-US" dirty="0" err="1">
+                <a:latin typeface="Euclid Circular B" panose="020B0504000000000000" pitchFamily="34" charset="0"/>
+                <a:ea typeface="Euclid Circular B" panose="020B0504000000000000" pitchFamily="34" charset="0"/>
+              </a:rPr>
+              <a:t>eShopOnAbp</a:t>
+            </a:r>
+            <a:r>
+              <a:rPr lang="en-US" dirty="0">
+                <a:latin typeface="Euclid Circular B" panose="020B0504000000000000" pitchFamily="34" charset="0"/>
+                <a:ea typeface="Euclid Circular B" panose="020B0504000000000000" pitchFamily="34" charset="0"/>
+              </a:rPr>
+              <a:t> project</a:t>
             </a:r>
           </a:p>
         </p:txBody>
@@ -5278,6 +5930,250 @@
                       </p:childTnLst>
                     </p:cTn>
                   </p:par>
+                  <p:par>
+                    <p:cTn id="28" fill="hold">
+                      <p:stCondLst>
+                        <p:cond delay="indefinite"/>
+                      </p:stCondLst>
+                      <p:childTnLst>
+                        <p:par>
+                          <p:cTn id="29" fill="hold">
+                            <p:stCondLst>
+                              <p:cond delay="0"/>
+                            </p:stCondLst>
+                            <p:childTnLst>
+                              <p:par>
+                                <p:cTn id="30" presetID="10" presetClass="entr" presetSubtype="0" fill="hold" nodeType="clickEffect">
+                                  <p:stCondLst>
+                                    <p:cond delay="0"/>
+                                  </p:stCondLst>
+                                  <p:childTnLst>
+                                    <p:set>
+                                      <p:cBhvr>
+                                        <p:cTn id="31" dur="1" fill="hold">
+                                          <p:stCondLst>
+                                            <p:cond delay="0"/>
+                                          </p:stCondLst>
+                                        </p:cTn>
+                                        <p:tgtEl>
+                                          <p:spTgt spid="3">
+                                            <p:txEl>
+                                              <p:pRg st="5" end="5"/>
+                                            </p:txEl>
+                                          </p:spTgt>
+                                        </p:tgtEl>
+                                        <p:attrNameLst>
+                                          <p:attrName>style.visibility</p:attrName>
+                                        </p:attrNameLst>
+                                      </p:cBhvr>
+                                      <p:to>
+                                        <p:strVal val="visible"/>
+                                      </p:to>
+                                    </p:set>
+                                    <p:animEffect transition="in" filter="fade">
+                                      <p:cBhvr>
+                                        <p:cTn id="32" dur="500"/>
+                                        <p:tgtEl>
+                                          <p:spTgt spid="3">
+                                            <p:txEl>
+                                              <p:pRg st="5" end="5"/>
+                                            </p:txEl>
+                                          </p:spTgt>
+                                        </p:tgtEl>
+                                      </p:cBhvr>
+                                    </p:animEffect>
+                                  </p:childTnLst>
+                                </p:cTn>
+                              </p:par>
+                            </p:childTnLst>
+                          </p:cTn>
+                        </p:par>
+                      </p:childTnLst>
+                    </p:cTn>
+                  </p:par>
+                  <p:par>
+                    <p:cTn id="33" fill="hold">
+                      <p:stCondLst>
+                        <p:cond delay="indefinite"/>
+                      </p:stCondLst>
+                      <p:childTnLst>
+                        <p:par>
+                          <p:cTn id="34" fill="hold">
+                            <p:stCondLst>
+                              <p:cond delay="0"/>
+                            </p:stCondLst>
+                            <p:childTnLst>
+                              <p:par>
+                                <p:cTn id="35" presetID="10" presetClass="entr" presetSubtype="0" fill="hold" nodeType="clickEffect">
+                                  <p:stCondLst>
+                                    <p:cond delay="0"/>
+                                  </p:stCondLst>
+                                  <p:childTnLst>
+                                    <p:set>
+                                      <p:cBhvr>
+                                        <p:cTn id="36" dur="1" fill="hold">
+                                          <p:stCondLst>
+                                            <p:cond delay="0"/>
+                                          </p:stCondLst>
+                                        </p:cTn>
+                                        <p:tgtEl>
+                                          <p:spTgt spid="3">
+                                            <p:txEl>
+                                              <p:pRg st="6" end="6"/>
+                                            </p:txEl>
+                                          </p:spTgt>
+                                        </p:tgtEl>
+                                        <p:attrNameLst>
+                                          <p:attrName>style.visibility</p:attrName>
+                                        </p:attrNameLst>
+                                      </p:cBhvr>
+                                      <p:to>
+                                        <p:strVal val="visible"/>
+                                      </p:to>
+                                    </p:set>
+                                    <p:animEffect transition="in" filter="fade">
+                                      <p:cBhvr>
+                                        <p:cTn id="37" dur="500"/>
+                                        <p:tgtEl>
+                                          <p:spTgt spid="3">
+                                            <p:txEl>
+                                              <p:pRg st="6" end="6"/>
+                                            </p:txEl>
+                                          </p:spTgt>
+                                        </p:tgtEl>
+                                      </p:cBhvr>
+                                    </p:animEffect>
+                                  </p:childTnLst>
+                                </p:cTn>
+                              </p:par>
+                            </p:childTnLst>
+                          </p:cTn>
+                        </p:par>
+                      </p:childTnLst>
+                    </p:cTn>
+                  </p:par>
+                  <p:par>
+                    <p:cTn id="38" fill="hold">
+                      <p:stCondLst>
+                        <p:cond delay="indefinite"/>
+                      </p:stCondLst>
+                      <p:childTnLst>
+                        <p:par>
+                          <p:cTn id="39" fill="hold">
+                            <p:stCondLst>
+                              <p:cond delay="0"/>
+                            </p:stCondLst>
+                            <p:childTnLst>
+                              <p:par>
+                                <p:cTn id="40" presetID="10" presetClass="entr" presetSubtype="0" fill="hold" nodeType="clickEffect">
+                                  <p:stCondLst>
+                                    <p:cond delay="0"/>
+                                  </p:stCondLst>
+                                  <p:childTnLst>
+                                    <p:set>
+                                      <p:cBhvr>
+                                        <p:cTn id="41" dur="1" fill="hold">
+                                          <p:stCondLst>
+                                            <p:cond delay="0"/>
+                                          </p:stCondLst>
+                                        </p:cTn>
+                                        <p:tgtEl>
+                                          <p:spTgt spid="3">
+                                            <p:txEl>
+                                              <p:pRg st="7" end="7"/>
+                                            </p:txEl>
+                                          </p:spTgt>
+                                        </p:tgtEl>
+                                        <p:attrNameLst>
+                                          <p:attrName>style.visibility</p:attrName>
+                                        </p:attrNameLst>
+                                      </p:cBhvr>
+                                      <p:to>
+                                        <p:strVal val="visible"/>
+                                      </p:to>
+                                    </p:set>
+                                    <p:animEffect transition="in" filter="fade">
+                                      <p:cBhvr>
+                                        <p:cTn id="42" dur="500"/>
+                                        <p:tgtEl>
+                                          <p:spTgt spid="3">
+                                            <p:txEl>
+                                              <p:pRg st="7" end="7"/>
+                                            </p:txEl>
+                                          </p:spTgt>
+                                        </p:tgtEl>
+                                      </p:cBhvr>
+                                    </p:animEffect>
+                                  </p:childTnLst>
+                                </p:cTn>
+                              </p:par>
+                            </p:childTnLst>
+                          </p:cTn>
+                        </p:par>
+                      </p:childTnLst>
+                    </p:cTn>
+                  </p:par>
+                  <p:par>
+                    <p:cTn id="43" fill="hold">
+                      <p:stCondLst>
+                        <p:cond delay="indefinite"/>
+                      </p:stCondLst>
+                      <p:childTnLst>
+                        <p:par>
+                          <p:cTn id="44" fill="hold">
+                            <p:stCondLst>
+                              <p:cond delay="0"/>
+                            </p:stCondLst>
+                            <p:childTnLst>
+                              <p:par>
+                                <p:cTn id="45" presetID="10" presetClass="entr" presetSubtype="0" fill="hold" nodeType="clickEffect">
+                                  <p:stCondLst>
+                                    <p:cond delay="0"/>
+                                  </p:stCondLst>
+                                  <p:childTnLst>
+                                    <p:set>
+                                      <p:cBhvr>
+                                        <p:cTn id="46" dur="1" fill="hold">
+                                          <p:stCondLst>
+                                            <p:cond delay="0"/>
+                                          </p:stCondLst>
+                                        </p:cTn>
+                                        <p:tgtEl>
+                                          <p:spTgt spid="3">
+                                            <p:txEl>
+                                              <p:pRg st="8" end="8"/>
+                                            </p:txEl>
+                                          </p:spTgt>
+                                        </p:tgtEl>
+                                        <p:attrNameLst>
+                                          <p:attrName>style.visibility</p:attrName>
+                                        </p:attrNameLst>
+                                      </p:cBhvr>
+                                      <p:to>
+                                        <p:strVal val="visible"/>
+                                      </p:to>
+                                    </p:set>
+                                    <p:animEffect transition="in" filter="fade">
+                                      <p:cBhvr>
+                                        <p:cTn id="47" dur="500"/>
+                                        <p:tgtEl>
+                                          <p:spTgt spid="3">
+                                            <p:txEl>
+                                              <p:pRg st="8" end="8"/>
+                                            </p:txEl>
+                                          </p:spTgt>
+                                        </p:tgtEl>
+                                      </p:cBhvr>
+                                    </p:animEffect>
+                                  </p:childTnLst>
+                                </p:cTn>
+                              </p:par>
+                            </p:childTnLst>
+                          </p:cTn>
+                        </p:par>
+                      </p:childTnLst>
+                    </p:cTn>
+                  </p:par>
                 </p:childTnLst>
               </p:cTn>
               <p:prevCondLst>
@@ -5450,7 +6346,7 @@
           </a:p>
           <a:p>
             <a:r>
-              <a:rPr lang="en-US" dirty="0">
+              <a:rPr lang="en-US" b="1" dirty="0">
                 <a:latin typeface="Euclid Circular B" panose="020B0504000000000000" pitchFamily="34" charset="0"/>
                 <a:ea typeface="Euclid Circular B" panose="020B0504000000000000" pitchFamily="34" charset="0"/>
               </a:rPr>
@@ -5472,28 +6368,36 @@
                 <a:latin typeface="Euclid Circular B" panose="020B0504000000000000" pitchFamily="34" charset="0"/>
                 <a:ea typeface="Euclid Circular B" panose="020B0504000000000000" pitchFamily="34" charset="0"/>
               </a:rPr>
-              <a:t>Already documented:</a:t>
-            </a:r>
-            <a:br>
-              <a:rPr lang="en-US" sz="2000" dirty="0">
-                <a:latin typeface="Euclid Circular B" panose="020B0504000000000000" pitchFamily="34" charset="0"/>
-                <a:ea typeface="Euclid Circular B" panose="020B0504000000000000" pitchFamily="34" charset="0"/>
-              </a:rPr>
-            </a:br>
+              <a:t>Already documented: </a:t>
+            </a:r>
             <a:r>
               <a:rPr lang="en-US" sz="2000" dirty="0">
                 <a:latin typeface="Euclid Circular B" panose="020B0504000000000000" pitchFamily="34" charset="0"/>
                 <a:ea typeface="Euclid Circular B" panose="020B0504000000000000" pitchFamily="34" charset="0"/>
                 <a:hlinkClick r:id="rId3"/>
               </a:rPr>
-              <a:t>https://github.com/abpframework/abp/blob/dev/docs/en/Dapr/Index.md</a:t>
+              <a:t>abp.io/</a:t>
+            </a:r>
+            <a:r>
+              <a:rPr lang="en-US" sz="2000" dirty="0" err="1">
+                <a:latin typeface="Euclid Circular B" panose="020B0504000000000000" pitchFamily="34" charset="0"/>
+                <a:ea typeface="Euclid Circular B" panose="020B0504000000000000" pitchFamily="34" charset="0"/>
+                <a:hlinkClick r:id="rId3"/>
+              </a:rPr>
+              <a:t>dapr</a:t>
             </a:r>
             <a:r>
               <a:rPr lang="en-US" sz="2000" dirty="0">
+                <a:solidFill>
+                  <a:schemeClr val="accent3">
+                    <a:lumMod val="60000"/>
+                    <a:lumOff val="40000"/>
+                  </a:schemeClr>
+                </a:solidFill>
                 <a:latin typeface="Euclid Circular B" panose="020B0504000000000000" pitchFamily="34" charset="0"/>
                 <a:ea typeface="Euclid Circular B" panose="020B0504000000000000" pitchFamily="34" charset="0"/>
               </a:rPr>
-              <a:t> </a:t>
+              <a:t> (shortened URL)</a:t>
             </a:r>
           </a:p>
         </p:txBody>
@@ -10179,7 +11083,722 @@
                 <a:latin typeface="Euclid Circular B" panose="020B0504000000000000" pitchFamily="34" charset="0"/>
                 <a:ea typeface="Euclid Circular B" panose="020B0504000000000000" pitchFamily="34" charset="0"/>
               </a:rPr>
-              <a:t>Integration services</a:t>
+              <a:t>Integration Services</a:t>
+            </a:r>
+          </a:p>
+        </p:txBody>
+      </p:sp>
+      <p:sp>
+        <p:nvSpPr>
+          <p:cNvPr id="9" name="Rectangle 8">
+            <a:extLst>
+              <a:ext uri="{FF2B5EF4-FFF2-40B4-BE49-F238E27FC236}">
+                <a16:creationId xmlns:a16="http://schemas.microsoft.com/office/drawing/2014/main" id="{51A580D9-5018-014E-1A32-79BC2DD45F7F}"/>
+              </a:ext>
+            </a:extLst>
+          </p:cNvPr>
+          <p:cNvSpPr/>
+          <p:nvPr/>
+        </p:nvSpPr>
+        <p:spPr>
+          <a:xfrm>
+            <a:off x="7995763" y="4341049"/>
+            <a:ext cx="2300785" cy="520668"/>
+          </a:xfrm>
+          <a:prstGeom prst="rect">
+            <a:avLst/>
+          </a:prstGeom>
+        </p:spPr>
+        <p:style>
+          <a:lnRef idx="2">
+            <a:schemeClr val="accent1">
+              <a:shade val="50000"/>
+            </a:schemeClr>
+          </a:lnRef>
+          <a:fillRef idx="1">
+            <a:schemeClr val="accent1"/>
+          </a:fillRef>
+          <a:effectRef idx="0">
+            <a:schemeClr val="accent1"/>
+          </a:effectRef>
+          <a:fontRef idx="minor">
+            <a:schemeClr val="lt1"/>
+          </a:fontRef>
+        </p:style>
+        <p:txBody>
+          <a:bodyPr rtlCol="0" anchor="ctr"/>
+          <a:lstStyle/>
+          <a:p>
+            <a:pPr algn="ctr"/>
+            <a:r>
+              <a:rPr lang="en-US" sz="1600" dirty="0"/>
+              <a:t>Ordering Service</a:t>
+            </a:r>
+          </a:p>
+        </p:txBody>
+      </p:sp>
+      <p:sp>
+        <p:nvSpPr>
+          <p:cNvPr id="10" name="Rectangle 9">
+            <a:extLst>
+              <a:ext uri="{FF2B5EF4-FFF2-40B4-BE49-F238E27FC236}">
+                <a16:creationId xmlns:a16="http://schemas.microsoft.com/office/drawing/2014/main" id="{6559FDAA-3E23-B04A-F956-BD49E2FCAE05}"/>
+              </a:ext>
+            </a:extLst>
+          </p:cNvPr>
+          <p:cNvSpPr/>
+          <p:nvPr/>
+        </p:nvSpPr>
+        <p:spPr>
+          <a:xfrm>
+            <a:off x="7995762" y="3168667"/>
+            <a:ext cx="2300785" cy="520667"/>
+          </a:xfrm>
+          <a:prstGeom prst="rect">
+            <a:avLst/>
+          </a:prstGeom>
+        </p:spPr>
+        <p:style>
+          <a:lnRef idx="2">
+            <a:schemeClr val="accent1">
+              <a:shade val="50000"/>
+            </a:schemeClr>
+          </a:lnRef>
+          <a:fillRef idx="1">
+            <a:schemeClr val="accent1"/>
+          </a:fillRef>
+          <a:effectRef idx="0">
+            <a:schemeClr val="accent1"/>
+          </a:effectRef>
+          <a:fontRef idx="minor">
+            <a:schemeClr val="lt1"/>
+          </a:fontRef>
+        </p:style>
+        <p:txBody>
+          <a:bodyPr rtlCol="0" anchor="ctr"/>
+          <a:lstStyle/>
+          <a:p>
+            <a:pPr algn="ctr"/>
+            <a:r>
+              <a:rPr lang="en-US" sz="1600" dirty="0"/>
+              <a:t>Stock Service</a:t>
+            </a:r>
+          </a:p>
+        </p:txBody>
+      </p:sp>
+      <p:sp>
+        <p:nvSpPr>
+          <p:cNvPr id="11" name="Rectangle 10">
+            <a:extLst>
+              <a:ext uri="{FF2B5EF4-FFF2-40B4-BE49-F238E27FC236}">
+                <a16:creationId xmlns:a16="http://schemas.microsoft.com/office/drawing/2014/main" id="{F426E2A0-0A44-4E71-B8B2-F177578BD0DB}"/>
+              </a:ext>
+            </a:extLst>
+          </p:cNvPr>
+          <p:cNvSpPr/>
+          <p:nvPr/>
+        </p:nvSpPr>
+        <p:spPr>
+          <a:xfrm>
+            <a:off x="7995761" y="1996283"/>
+            <a:ext cx="2300785" cy="520668"/>
+          </a:xfrm>
+          <a:prstGeom prst="rect">
+            <a:avLst/>
+          </a:prstGeom>
+        </p:spPr>
+        <p:style>
+          <a:lnRef idx="2">
+            <a:schemeClr val="accent1">
+              <a:shade val="50000"/>
+            </a:schemeClr>
+          </a:lnRef>
+          <a:fillRef idx="1">
+            <a:schemeClr val="accent1"/>
+          </a:fillRef>
+          <a:effectRef idx="0">
+            <a:schemeClr val="accent1"/>
+          </a:effectRef>
+          <a:fontRef idx="minor">
+            <a:schemeClr val="lt1"/>
+          </a:fontRef>
+        </p:style>
+        <p:txBody>
+          <a:bodyPr rtlCol="0" anchor="ctr"/>
+          <a:lstStyle/>
+          <a:p>
+            <a:pPr algn="ctr"/>
+            <a:r>
+              <a:rPr lang="en-US" sz="1600" dirty="0"/>
+              <a:t>Product Service</a:t>
+            </a:r>
+          </a:p>
+        </p:txBody>
+      </p:sp>
+      <p:sp>
+        <p:nvSpPr>
+          <p:cNvPr id="12" name="Rectangle 11">
+            <a:extLst>
+              <a:ext uri="{FF2B5EF4-FFF2-40B4-BE49-F238E27FC236}">
+                <a16:creationId xmlns:a16="http://schemas.microsoft.com/office/drawing/2014/main" id="{9FD75A32-80E6-BEAD-CC0C-4F541AAEFCC1}"/>
+              </a:ext>
+            </a:extLst>
+          </p:cNvPr>
+          <p:cNvSpPr/>
+          <p:nvPr/>
+        </p:nvSpPr>
+        <p:spPr>
+          <a:xfrm>
+            <a:off x="5778674" y="1986154"/>
+            <a:ext cx="502856" cy="2875561"/>
+          </a:xfrm>
+          <a:prstGeom prst="rect">
+            <a:avLst/>
+          </a:prstGeom>
+        </p:spPr>
+        <p:style>
+          <a:lnRef idx="2">
+            <a:schemeClr val="dk1">
+              <a:shade val="50000"/>
+            </a:schemeClr>
+          </a:lnRef>
+          <a:fillRef idx="1">
+            <a:schemeClr val="dk1"/>
+          </a:fillRef>
+          <a:effectRef idx="0">
+            <a:schemeClr val="dk1"/>
+          </a:effectRef>
+          <a:fontRef idx="minor">
+            <a:schemeClr val="lt1"/>
+          </a:fontRef>
+        </p:style>
+        <p:txBody>
+          <a:bodyPr vert="vert270" rtlCol="0" anchor="ctr"/>
+          <a:lstStyle/>
+          <a:p>
+            <a:pPr algn="ctr"/>
+            <a:r>
+              <a:rPr lang="en-US" sz="1600" dirty="0"/>
+              <a:t>API Gateway</a:t>
+            </a:r>
+          </a:p>
+        </p:txBody>
+      </p:sp>
+      <p:sp>
+        <p:nvSpPr>
+          <p:cNvPr id="13" name="Rectangle 12">
+            <a:extLst>
+              <a:ext uri="{FF2B5EF4-FFF2-40B4-BE49-F238E27FC236}">
+                <a16:creationId xmlns:a16="http://schemas.microsoft.com/office/drawing/2014/main" id="{CFFD5BB4-5480-DBD0-2663-377A0CB02B9B}"/>
+              </a:ext>
+            </a:extLst>
+          </p:cNvPr>
+          <p:cNvSpPr/>
+          <p:nvPr/>
+        </p:nvSpPr>
+        <p:spPr>
+          <a:xfrm>
+            <a:off x="1863648" y="2568707"/>
+            <a:ext cx="2300785" cy="520667"/>
+          </a:xfrm>
+          <a:prstGeom prst="rect">
+            <a:avLst/>
+          </a:prstGeom>
+        </p:spPr>
+        <p:style>
+          <a:lnRef idx="2">
+            <a:schemeClr val="accent6">
+              <a:shade val="50000"/>
+            </a:schemeClr>
+          </a:lnRef>
+          <a:fillRef idx="1">
+            <a:schemeClr val="accent6"/>
+          </a:fillRef>
+          <a:effectRef idx="0">
+            <a:schemeClr val="accent6"/>
+          </a:effectRef>
+          <a:fontRef idx="minor">
+            <a:schemeClr val="lt1"/>
+          </a:fontRef>
+        </p:style>
+        <p:txBody>
+          <a:bodyPr rtlCol="0" anchor="ctr"/>
+          <a:lstStyle/>
+          <a:p>
+            <a:pPr algn="ctr"/>
+            <a:r>
+              <a:rPr lang="en-US" sz="1600" dirty="0"/>
+              <a:t>UI Application</a:t>
+            </a:r>
+          </a:p>
+        </p:txBody>
+      </p:sp>
+      <p:sp>
+        <p:nvSpPr>
+          <p:cNvPr id="14" name="Rectangle 13">
+            <a:extLst>
+              <a:ext uri="{FF2B5EF4-FFF2-40B4-BE49-F238E27FC236}">
+                <a16:creationId xmlns:a16="http://schemas.microsoft.com/office/drawing/2014/main" id="{3472057E-8F9E-0AED-EFEA-741C7C2A956F}"/>
+              </a:ext>
+            </a:extLst>
+          </p:cNvPr>
+          <p:cNvSpPr/>
+          <p:nvPr/>
+        </p:nvSpPr>
+        <p:spPr>
+          <a:xfrm>
+            <a:off x="1863647" y="3820382"/>
+            <a:ext cx="2300785" cy="520667"/>
+          </a:xfrm>
+          <a:prstGeom prst="rect">
+            <a:avLst/>
+          </a:prstGeom>
+        </p:spPr>
+        <p:style>
+          <a:lnRef idx="2">
+            <a:schemeClr val="accent3">
+              <a:shade val="50000"/>
+            </a:schemeClr>
+          </a:lnRef>
+          <a:fillRef idx="1">
+            <a:schemeClr val="accent3"/>
+          </a:fillRef>
+          <a:effectRef idx="0">
+            <a:schemeClr val="accent3"/>
+          </a:effectRef>
+          <a:fontRef idx="minor">
+            <a:schemeClr val="lt1"/>
+          </a:fontRef>
+        </p:style>
+        <p:txBody>
+          <a:bodyPr rtlCol="0" anchor="ctr"/>
+          <a:lstStyle/>
+          <a:p>
+            <a:pPr algn="ctr"/>
+            <a:r>
+              <a:rPr lang="en-US" sz="1600" dirty="0">
+                <a:solidFill>
+                  <a:schemeClr val="tx1"/>
+                </a:solidFill>
+              </a:rPr>
+              <a:t>3</a:t>
+            </a:r>
+            <a:r>
+              <a:rPr lang="en-US" sz="1600" baseline="30000" dirty="0">
+                <a:solidFill>
+                  <a:schemeClr val="tx1"/>
+                </a:solidFill>
+              </a:rPr>
+              <a:t>rd</a:t>
+            </a:r>
+            <a:r>
+              <a:rPr lang="en-US" sz="1600" dirty="0">
+                <a:solidFill>
+                  <a:schemeClr val="tx1"/>
+                </a:solidFill>
+              </a:rPr>
+              <a:t>-party Clients</a:t>
+            </a:r>
+          </a:p>
+        </p:txBody>
+      </p:sp>
+      <p:cxnSp>
+        <p:nvCxnSpPr>
+          <p:cNvPr id="16" name="Straight Arrow Connector 15">
+            <a:extLst>
+              <a:ext uri="{FF2B5EF4-FFF2-40B4-BE49-F238E27FC236}">
+                <a16:creationId xmlns:a16="http://schemas.microsoft.com/office/drawing/2014/main" id="{3980859F-079C-13FC-3784-1FACD8E70938}"/>
+              </a:ext>
+            </a:extLst>
+          </p:cNvPr>
+          <p:cNvCxnSpPr>
+            <a:stCxn id="13" idx="3"/>
+          </p:cNvCxnSpPr>
+          <p:nvPr/>
+        </p:nvCxnSpPr>
+        <p:spPr>
+          <a:xfrm flipV="1">
+            <a:off x="4164433" y="2829040"/>
+            <a:ext cx="1614241" cy="1"/>
+          </a:xfrm>
+          <a:prstGeom prst="straightConnector1">
+            <a:avLst/>
+          </a:prstGeom>
+          <a:ln w="25400">
+            <a:solidFill>
+              <a:schemeClr val="tx1">
+                <a:lumMod val="75000"/>
+                <a:lumOff val="25000"/>
+              </a:schemeClr>
+            </a:solidFill>
+            <a:tailEnd type="triangle"/>
+          </a:ln>
+        </p:spPr>
+        <p:style>
+          <a:lnRef idx="1">
+            <a:schemeClr val="accent1"/>
+          </a:lnRef>
+          <a:fillRef idx="0">
+            <a:schemeClr val="accent1"/>
+          </a:fillRef>
+          <a:effectRef idx="0">
+            <a:schemeClr val="accent1"/>
+          </a:effectRef>
+          <a:fontRef idx="minor">
+            <a:schemeClr val="tx1"/>
+          </a:fontRef>
+        </p:style>
+      </p:cxnSp>
+      <p:cxnSp>
+        <p:nvCxnSpPr>
+          <p:cNvPr id="17" name="Straight Arrow Connector 16">
+            <a:extLst>
+              <a:ext uri="{FF2B5EF4-FFF2-40B4-BE49-F238E27FC236}">
+                <a16:creationId xmlns:a16="http://schemas.microsoft.com/office/drawing/2014/main" id="{7B6CF790-BEFC-534E-9EEC-E94B3E343C54}"/>
+              </a:ext>
+            </a:extLst>
+          </p:cNvPr>
+          <p:cNvCxnSpPr>
+            <a:cxnSpLocks/>
+            <a:stCxn id="14" idx="3"/>
+          </p:cNvCxnSpPr>
+          <p:nvPr/>
+        </p:nvCxnSpPr>
+        <p:spPr>
+          <a:xfrm flipV="1">
+            <a:off x="4164432" y="4080715"/>
+            <a:ext cx="1614241" cy="1"/>
+          </a:xfrm>
+          <a:prstGeom prst="straightConnector1">
+            <a:avLst/>
+          </a:prstGeom>
+          <a:ln w="25400">
+            <a:solidFill>
+              <a:schemeClr val="tx1">
+                <a:lumMod val="75000"/>
+                <a:lumOff val="25000"/>
+              </a:schemeClr>
+            </a:solidFill>
+            <a:tailEnd type="triangle"/>
+          </a:ln>
+        </p:spPr>
+        <p:style>
+          <a:lnRef idx="1">
+            <a:schemeClr val="accent1"/>
+          </a:lnRef>
+          <a:fillRef idx="0">
+            <a:schemeClr val="accent1"/>
+          </a:fillRef>
+          <a:effectRef idx="0">
+            <a:schemeClr val="accent1"/>
+          </a:effectRef>
+          <a:fontRef idx="minor">
+            <a:schemeClr val="tx1"/>
+          </a:fontRef>
+        </p:style>
+      </p:cxnSp>
+      <p:cxnSp>
+        <p:nvCxnSpPr>
+          <p:cNvPr id="21" name="Straight Arrow Connector 20">
+            <a:extLst>
+              <a:ext uri="{FF2B5EF4-FFF2-40B4-BE49-F238E27FC236}">
+                <a16:creationId xmlns:a16="http://schemas.microsoft.com/office/drawing/2014/main" id="{A4CC1461-10AA-39C3-CC0C-3DCC61C1F1EA}"/>
+              </a:ext>
+            </a:extLst>
+          </p:cNvPr>
+          <p:cNvCxnSpPr>
+            <a:cxnSpLocks/>
+            <a:endCxn id="11" idx="1"/>
+          </p:cNvCxnSpPr>
+          <p:nvPr/>
+        </p:nvCxnSpPr>
+        <p:spPr>
+          <a:xfrm>
+            <a:off x="6281530" y="2256617"/>
+            <a:ext cx="1714231" cy="0"/>
+          </a:xfrm>
+          <a:prstGeom prst="straightConnector1">
+            <a:avLst/>
+          </a:prstGeom>
+          <a:ln w="25400">
+            <a:solidFill>
+              <a:schemeClr val="accent2"/>
+            </a:solidFill>
+            <a:tailEnd type="triangle"/>
+          </a:ln>
+        </p:spPr>
+        <p:style>
+          <a:lnRef idx="1">
+            <a:schemeClr val="accent1"/>
+          </a:lnRef>
+          <a:fillRef idx="0">
+            <a:schemeClr val="accent1"/>
+          </a:fillRef>
+          <a:effectRef idx="0">
+            <a:schemeClr val="accent1"/>
+          </a:effectRef>
+          <a:fontRef idx="minor">
+            <a:schemeClr val="tx1"/>
+          </a:fontRef>
+        </p:style>
+      </p:cxnSp>
+      <p:cxnSp>
+        <p:nvCxnSpPr>
+          <p:cNvPr id="24" name="Straight Arrow Connector 23">
+            <a:extLst>
+              <a:ext uri="{FF2B5EF4-FFF2-40B4-BE49-F238E27FC236}">
+                <a16:creationId xmlns:a16="http://schemas.microsoft.com/office/drawing/2014/main" id="{A15249AA-3980-4696-5465-E4D8C94A99C2}"/>
+              </a:ext>
+            </a:extLst>
+          </p:cNvPr>
+          <p:cNvCxnSpPr>
+            <a:cxnSpLocks/>
+            <a:stCxn id="12" idx="3"/>
+            <a:endCxn id="10" idx="1"/>
+          </p:cNvCxnSpPr>
+          <p:nvPr/>
+        </p:nvCxnSpPr>
+        <p:spPr>
+          <a:xfrm>
+            <a:off x="6281530" y="3423935"/>
+            <a:ext cx="1714232" cy="5066"/>
+          </a:xfrm>
+          <a:prstGeom prst="straightConnector1">
+            <a:avLst/>
+          </a:prstGeom>
+          <a:ln w="25400">
+            <a:solidFill>
+              <a:schemeClr val="accent2"/>
+            </a:solidFill>
+            <a:tailEnd type="triangle"/>
+          </a:ln>
+        </p:spPr>
+        <p:style>
+          <a:lnRef idx="1">
+            <a:schemeClr val="accent1"/>
+          </a:lnRef>
+          <a:fillRef idx="0">
+            <a:schemeClr val="accent1"/>
+          </a:fillRef>
+          <a:effectRef idx="0">
+            <a:schemeClr val="accent1"/>
+          </a:effectRef>
+          <a:fontRef idx="minor">
+            <a:schemeClr val="tx1"/>
+          </a:fontRef>
+        </p:style>
+      </p:cxnSp>
+      <p:cxnSp>
+        <p:nvCxnSpPr>
+          <p:cNvPr id="29" name="Straight Arrow Connector 28">
+            <a:extLst>
+              <a:ext uri="{FF2B5EF4-FFF2-40B4-BE49-F238E27FC236}">
+                <a16:creationId xmlns:a16="http://schemas.microsoft.com/office/drawing/2014/main" id="{391AAE23-AD53-0514-2F18-B23FA986852B}"/>
+              </a:ext>
+            </a:extLst>
+          </p:cNvPr>
+          <p:cNvCxnSpPr>
+            <a:cxnSpLocks/>
+            <a:endCxn id="9" idx="1"/>
+          </p:cNvCxnSpPr>
+          <p:nvPr/>
+        </p:nvCxnSpPr>
+        <p:spPr>
+          <a:xfrm>
+            <a:off x="6281530" y="4591255"/>
+            <a:ext cx="1714233" cy="10128"/>
+          </a:xfrm>
+          <a:prstGeom prst="straightConnector1">
+            <a:avLst/>
+          </a:prstGeom>
+          <a:ln w="25400">
+            <a:solidFill>
+              <a:schemeClr val="accent2"/>
+            </a:solidFill>
+            <a:tailEnd type="triangle"/>
+          </a:ln>
+        </p:spPr>
+        <p:style>
+          <a:lnRef idx="1">
+            <a:schemeClr val="accent1"/>
+          </a:lnRef>
+          <a:fillRef idx="0">
+            <a:schemeClr val="accent1"/>
+          </a:fillRef>
+          <a:effectRef idx="0">
+            <a:schemeClr val="accent1"/>
+          </a:effectRef>
+          <a:fontRef idx="minor">
+            <a:schemeClr val="tx1"/>
+          </a:fontRef>
+        </p:style>
+      </p:cxnSp>
+      <p:cxnSp>
+        <p:nvCxnSpPr>
+          <p:cNvPr id="33" name="Straight Arrow Connector 32">
+            <a:extLst>
+              <a:ext uri="{FF2B5EF4-FFF2-40B4-BE49-F238E27FC236}">
+                <a16:creationId xmlns:a16="http://schemas.microsoft.com/office/drawing/2014/main" id="{FC20FBB3-2D3F-3EAE-5126-AD38ED63D372}"/>
+              </a:ext>
+            </a:extLst>
+          </p:cNvPr>
+          <p:cNvCxnSpPr>
+            <a:cxnSpLocks/>
+            <a:stCxn id="10" idx="0"/>
+            <a:endCxn id="11" idx="2"/>
+          </p:cNvCxnSpPr>
+          <p:nvPr/>
+        </p:nvCxnSpPr>
+        <p:spPr>
+          <a:xfrm flipH="1" flipV="1">
+            <a:off x="9146154" y="2516951"/>
+            <a:ext cx="1" cy="651716"/>
+          </a:xfrm>
+          <a:prstGeom prst="straightConnector1">
+            <a:avLst/>
+          </a:prstGeom>
+          <a:ln w="38100">
+            <a:solidFill>
+              <a:srgbClr val="00B050"/>
+            </a:solidFill>
+            <a:tailEnd type="triangle"/>
+          </a:ln>
+        </p:spPr>
+        <p:style>
+          <a:lnRef idx="1">
+            <a:schemeClr val="accent1"/>
+          </a:lnRef>
+          <a:fillRef idx="0">
+            <a:schemeClr val="accent1"/>
+          </a:fillRef>
+          <a:effectRef idx="0">
+            <a:schemeClr val="accent1"/>
+          </a:effectRef>
+          <a:fontRef idx="minor">
+            <a:schemeClr val="tx1"/>
+          </a:fontRef>
+        </p:style>
+      </p:cxnSp>
+      <p:cxnSp>
+        <p:nvCxnSpPr>
+          <p:cNvPr id="36" name="Straight Arrow Connector 35">
+            <a:extLst>
+              <a:ext uri="{FF2B5EF4-FFF2-40B4-BE49-F238E27FC236}">
+                <a16:creationId xmlns:a16="http://schemas.microsoft.com/office/drawing/2014/main" id="{A99D088D-F152-B8C1-FAD6-4C0AD50EB061}"/>
+              </a:ext>
+            </a:extLst>
+          </p:cNvPr>
+          <p:cNvCxnSpPr>
+            <a:cxnSpLocks/>
+            <a:stCxn id="9" idx="0"/>
+            <a:endCxn id="10" idx="2"/>
+          </p:cNvCxnSpPr>
+          <p:nvPr/>
+        </p:nvCxnSpPr>
+        <p:spPr>
+          <a:xfrm flipH="1" flipV="1">
+            <a:off x="9146155" y="3689334"/>
+            <a:ext cx="1" cy="651715"/>
+          </a:xfrm>
+          <a:prstGeom prst="straightConnector1">
+            <a:avLst/>
+          </a:prstGeom>
+          <a:ln w="38100">
+            <a:solidFill>
+              <a:srgbClr val="00B050"/>
+            </a:solidFill>
+            <a:tailEnd type="triangle"/>
+          </a:ln>
+        </p:spPr>
+        <p:style>
+          <a:lnRef idx="1">
+            <a:schemeClr val="accent1"/>
+          </a:lnRef>
+          <a:fillRef idx="0">
+            <a:schemeClr val="accent1"/>
+          </a:fillRef>
+          <a:effectRef idx="0">
+            <a:schemeClr val="accent1"/>
+          </a:effectRef>
+          <a:fontRef idx="minor">
+            <a:schemeClr val="tx1"/>
+          </a:fontRef>
+        </p:style>
+      </p:cxnSp>
+    </p:spTree>
+    <p:extLst>
+      <p:ext uri="{BB962C8B-B14F-4D97-AF65-F5344CB8AC3E}">
+        <p14:creationId xmlns:p14="http://schemas.microsoft.com/office/powerpoint/2010/main" val="935104937"/>
+      </p:ext>
+    </p:extLst>
+  </p:cSld>
+  <p:clrMapOvr>
+    <a:masterClrMapping/>
+  </p:clrMapOvr>
+</p:sld>
+</file>
+
+<file path=ppt/slides/slide9.xml><?xml version="1.0" encoding="utf-8"?>
+<p:sld xmlns:a="http://schemas.openxmlformats.org/drawingml/2006/main" xmlns:r="http://schemas.openxmlformats.org/officeDocument/2006/relationships" xmlns:p="http://schemas.openxmlformats.org/presentationml/2006/main">
+  <p:cSld>
+    <p:bg>
+      <p:bgPr>
+        <a:blipFill dpi="0" rotWithShape="1">
+          <a:blip r:embed="rId2">
+            <a:lum/>
+          </a:blip>
+          <a:srcRect/>
+          <a:stretch>
+            <a:fillRect/>
+          </a:stretch>
+        </a:blipFill>
+        <a:effectLst/>
+      </p:bgPr>
+    </p:bg>
+    <p:spTree>
+      <p:nvGrpSpPr>
+        <p:cNvPr id="1" name=""/>
+        <p:cNvGrpSpPr/>
+        <p:nvPr/>
+      </p:nvGrpSpPr>
+      <p:grpSpPr>
+        <a:xfrm>
+          <a:off x="0" y="0"/>
+          <a:ext cx="0" cy="0"/>
+          <a:chOff x="0" y="0"/>
+          <a:chExt cx="0" cy="0"/>
+        </a:xfrm>
+      </p:grpSpPr>
+      <p:sp>
+        <p:nvSpPr>
+          <p:cNvPr id="2" name="Title 1">
+            <a:extLst>
+              <a:ext uri="{FF2B5EF4-FFF2-40B4-BE49-F238E27FC236}">
+                <a16:creationId xmlns:a16="http://schemas.microsoft.com/office/drawing/2014/main" id="{55E11F08-6CA0-48F1-AD67-97430DDA07F0}"/>
+              </a:ext>
+            </a:extLst>
+          </p:cNvPr>
+          <p:cNvSpPr>
+            <a:spLocks noGrp="1"/>
+          </p:cNvSpPr>
+          <p:nvPr>
+            <p:ph type="title"/>
+          </p:nvPr>
+        </p:nvSpPr>
+        <p:spPr/>
+        <p:txBody>
+          <a:bodyPr/>
+          <a:lstStyle/>
+          <a:p>
+            <a:r>
+              <a:rPr lang="en-US" b="1" dirty="0">
+                <a:solidFill>
+                  <a:srgbClr val="292D33"/>
+                </a:solidFill>
+                <a:latin typeface="Euclid Circular B" panose="020B0504000000000000" pitchFamily="34" charset="0"/>
+                <a:ea typeface="Euclid Circular B" panose="020B0504000000000000" pitchFamily="34" charset="0"/>
+              </a:rPr>
+              <a:t>Integration services: How it works?</a:t>
             </a:r>
           </a:p>
         </p:txBody>
@@ -10790,595 +12409,6 @@
 </p:sld>
 </file>
 
-<file path=ppt/slides/slide9.xml><?xml version="1.0" encoding="utf-8"?>
-<p:sld xmlns:a="http://schemas.openxmlformats.org/drawingml/2006/main" xmlns:r="http://schemas.openxmlformats.org/officeDocument/2006/relationships" xmlns:p="http://schemas.openxmlformats.org/presentationml/2006/main">
-  <p:cSld>
-    <p:bg>
-      <p:bgPr>
-        <a:blipFill dpi="0" rotWithShape="1">
-          <a:blip r:embed="rId2">
-            <a:lum/>
-          </a:blip>
-          <a:srcRect/>
-          <a:stretch>
-            <a:fillRect/>
-          </a:stretch>
-        </a:blipFill>
-        <a:effectLst/>
-      </p:bgPr>
-    </p:bg>
-    <p:spTree>
-      <p:nvGrpSpPr>
-        <p:cNvPr id="1" name=""/>
-        <p:cNvGrpSpPr/>
-        <p:nvPr/>
-      </p:nvGrpSpPr>
-      <p:grpSpPr>
-        <a:xfrm>
-          <a:off x="0" y="0"/>
-          <a:ext cx="0" cy="0"/>
-          <a:chOff x="0" y="0"/>
-          <a:chExt cx="0" cy="0"/>
-        </a:xfrm>
-      </p:grpSpPr>
-      <p:sp>
-        <p:nvSpPr>
-          <p:cNvPr id="2" name="Title 1">
-            <a:extLst>
-              <a:ext uri="{FF2B5EF4-FFF2-40B4-BE49-F238E27FC236}">
-                <a16:creationId xmlns:a16="http://schemas.microsoft.com/office/drawing/2014/main" id="{55E11F08-6CA0-48F1-AD67-97430DDA07F0}"/>
-              </a:ext>
-            </a:extLst>
-          </p:cNvPr>
-          <p:cNvSpPr>
-            <a:spLocks noGrp="1"/>
-          </p:cNvSpPr>
-          <p:nvPr>
-            <p:ph type="title"/>
-          </p:nvPr>
-        </p:nvSpPr>
-        <p:spPr/>
-        <p:txBody>
-          <a:bodyPr/>
-          <a:lstStyle/>
-          <a:p>
-            <a:r>
-              <a:rPr lang="en-US" b="1" dirty="0">
-                <a:solidFill>
-                  <a:srgbClr val="292D33"/>
-                </a:solidFill>
-                <a:latin typeface="Euclid Circular B" panose="020B0504000000000000" pitchFamily="34" charset="0"/>
-                <a:ea typeface="Euclid Circular B" panose="020B0504000000000000" pitchFamily="34" charset="0"/>
-              </a:rPr>
-              <a:t>Dynamic Permissions &amp; Features</a:t>
-            </a:r>
-          </a:p>
-        </p:txBody>
-      </p:sp>
-      <p:pic>
-        <p:nvPicPr>
-          <p:cNvPr id="9" name="Picture 8">
-            <a:extLst>
-              <a:ext uri="{FF2B5EF4-FFF2-40B4-BE49-F238E27FC236}">
-                <a16:creationId xmlns:a16="http://schemas.microsoft.com/office/drawing/2014/main" id="{3FE7C372-A611-9139-7432-7936D204116A}"/>
-              </a:ext>
-            </a:extLst>
-          </p:cNvPr>
-          <p:cNvPicPr>
-            <a:picLocks noChangeAspect="1"/>
-          </p:cNvPicPr>
-          <p:nvPr/>
-        </p:nvPicPr>
-        <p:blipFill>
-          <a:blip r:embed="rId3"/>
-          <a:stretch>
-            <a:fillRect/>
-          </a:stretch>
-        </p:blipFill>
-        <p:spPr>
-          <a:xfrm>
-            <a:off x="602797" y="1770200"/>
-            <a:ext cx="5586454" cy="1763745"/>
-          </a:xfrm>
-          <a:prstGeom prst="rect">
-            <a:avLst/>
-          </a:prstGeom>
-        </p:spPr>
-      </p:pic>
-      <p:pic>
-        <p:nvPicPr>
-          <p:cNvPr id="11" name="Picture 10">
-            <a:extLst>
-              <a:ext uri="{FF2B5EF4-FFF2-40B4-BE49-F238E27FC236}">
-                <a16:creationId xmlns:a16="http://schemas.microsoft.com/office/drawing/2014/main" id="{98F9FB28-0D5F-DF9D-A355-8962A14BF765}"/>
-              </a:ext>
-            </a:extLst>
-          </p:cNvPr>
-          <p:cNvPicPr>
-            <a:picLocks noChangeAspect="1"/>
-          </p:cNvPicPr>
-          <p:nvPr/>
-        </p:nvPicPr>
-        <p:blipFill>
-          <a:blip r:embed="rId4"/>
-          <a:stretch>
-            <a:fillRect/>
-          </a:stretch>
-        </p:blipFill>
-        <p:spPr>
-          <a:xfrm>
-            <a:off x="6411520" y="1770200"/>
-            <a:ext cx="5366538" cy="4225083"/>
-          </a:xfrm>
-          <a:prstGeom prst="rect">
-            <a:avLst/>
-          </a:prstGeom>
-        </p:spPr>
-      </p:pic>
-      <p:sp>
-        <p:nvSpPr>
-          <p:cNvPr id="12" name="TextBox 11">
-            <a:extLst>
-              <a:ext uri="{FF2B5EF4-FFF2-40B4-BE49-F238E27FC236}">
-                <a16:creationId xmlns:a16="http://schemas.microsoft.com/office/drawing/2014/main" id="{34F007B4-4241-275E-E09E-77BAE98062FC}"/>
-              </a:ext>
-            </a:extLst>
-          </p:cNvPr>
-          <p:cNvSpPr txBox="1"/>
-          <p:nvPr/>
-        </p:nvSpPr>
-        <p:spPr>
-          <a:xfrm>
-            <a:off x="2257058" y="1400868"/>
-            <a:ext cx="2277931" cy="369332"/>
-          </a:xfrm>
-          <a:prstGeom prst="rect">
-            <a:avLst/>
-          </a:prstGeom>
-          <a:noFill/>
-        </p:spPr>
-        <p:txBody>
-          <a:bodyPr wrap="none" rtlCol="0">
-            <a:spAutoFit/>
-          </a:bodyPr>
-          <a:lstStyle/>
-          <a:p>
-            <a:r>
-              <a:rPr lang="en-US" dirty="0"/>
-              <a:t>(1) Define Permissions</a:t>
-            </a:r>
-          </a:p>
-        </p:txBody>
-      </p:sp>
-      <p:sp>
-        <p:nvSpPr>
-          <p:cNvPr id="13" name="TextBox 12">
-            <a:extLst>
-              <a:ext uri="{FF2B5EF4-FFF2-40B4-BE49-F238E27FC236}">
-                <a16:creationId xmlns:a16="http://schemas.microsoft.com/office/drawing/2014/main" id="{4FDA2A86-17BB-6853-794D-89EC7AAE74A4}"/>
-              </a:ext>
-            </a:extLst>
-          </p:cNvPr>
-          <p:cNvSpPr txBox="1"/>
-          <p:nvPr/>
-        </p:nvSpPr>
-        <p:spPr>
-          <a:xfrm>
-            <a:off x="7982849" y="1426510"/>
-            <a:ext cx="2223879" cy="369332"/>
-          </a:xfrm>
-          <a:prstGeom prst="rect">
-            <a:avLst/>
-          </a:prstGeom>
-          <a:noFill/>
-        </p:spPr>
-        <p:txBody>
-          <a:bodyPr wrap="none" rtlCol="0">
-            <a:spAutoFit/>
-          </a:bodyPr>
-          <a:lstStyle/>
-          <a:p>
-            <a:r>
-              <a:rPr lang="en-US" dirty="0"/>
-              <a:t>(2) Check Permissions</a:t>
-            </a:r>
-          </a:p>
-        </p:txBody>
-      </p:sp>
-      <p:pic>
-        <p:nvPicPr>
-          <p:cNvPr id="1026" name="Picture 2" descr="authorization-new-permission-ui-localized">
-            <a:extLst>
-              <a:ext uri="{FF2B5EF4-FFF2-40B4-BE49-F238E27FC236}">
-                <a16:creationId xmlns:a16="http://schemas.microsoft.com/office/drawing/2014/main" id="{893EF38F-3676-BFB0-C929-33A8F445C45D}"/>
-              </a:ext>
-            </a:extLst>
-          </p:cNvPr>
-          <p:cNvPicPr>
-            <a:picLocks noChangeAspect="1" noChangeArrowheads="1"/>
-          </p:cNvPicPr>
-          <p:nvPr/>
-        </p:nvPicPr>
-        <p:blipFill>
-          <a:blip r:embed="rId5">
-            <a:extLst>
-              <a:ext uri="{28A0092B-C50C-407E-A947-70E740481C1C}">
-                <a14:useLocalDpi xmlns:a14="http://schemas.microsoft.com/office/drawing/2010/main" val="0"/>
-              </a:ext>
-            </a:extLst>
-          </a:blip>
-          <a:srcRect/>
-          <a:stretch>
-            <a:fillRect/>
-          </a:stretch>
-        </p:blipFill>
-        <p:spPr bwMode="auto">
-          <a:xfrm>
-            <a:off x="602797" y="4040687"/>
-            <a:ext cx="5586454" cy="2509540"/>
-          </a:xfrm>
-          <a:prstGeom prst="rect">
-            <a:avLst/>
-          </a:prstGeom>
-          <a:noFill/>
-          <a:extLst>
-            <a:ext uri="{909E8E84-426E-40DD-AFC4-6F175D3DCCD1}">
-              <a14:hiddenFill xmlns:a14="http://schemas.microsoft.com/office/drawing/2010/main">
-                <a:solidFill>
-                  <a:srgbClr val="FFFFFF"/>
-                </a:solidFill>
-              </a14:hiddenFill>
-            </a:ext>
-          </a:extLst>
-        </p:spPr>
-      </p:pic>
-      <p:sp>
-        <p:nvSpPr>
-          <p:cNvPr id="14" name="TextBox 13">
-            <a:extLst>
-              <a:ext uri="{FF2B5EF4-FFF2-40B4-BE49-F238E27FC236}">
-                <a16:creationId xmlns:a16="http://schemas.microsoft.com/office/drawing/2014/main" id="{57847C3C-C598-2228-85BF-9B5ACAC90BE8}"/>
-              </a:ext>
-            </a:extLst>
-          </p:cNvPr>
-          <p:cNvSpPr txBox="1"/>
-          <p:nvPr/>
-        </p:nvSpPr>
-        <p:spPr>
-          <a:xfrm>
-            <a:off x="2257058" y="3692969"/>
-            <a:ext cx="2189767" cy="369332"/>
-          </a:xfrm>
-          <a:prstGeom prst="rect">
-            <a:avLst/>
-          </a:prstGeom>
-          <a:noFill/>
-        </p:spPr>
-        <p:txBody>
-          <a:bodyPr wrap="none" rtlCol="0">
-            <a:spAutoFit/>
-          </a:bodyPr>
-          <a:lstStyle/>
-          <a:p>
-            <a:r>
-              <a:rPr lang="en-US" dirty="0"/>
-              <a:t>(3) Grant Permissions</a:t>
-            </a:r>
-          </a:p>
-        </p:txBody>
-      </p:sp>
-    </p:spTree>
-    <p:extLst>
-      <p:ext uri="{BB962C8B-B14F-4D97-AF65-F5344CB8AC3E}">
-        <p14:creationId xmlns:p14="http://schemas.microsoft.com/office/powerpoint/2010/main" val="3188905023"/>
-      </p:ext>
-    </p:extLst>
-  </p:cSld>
-  <p:clrMapOvr>
-    <a:masterClrMapping/>
-  </p:clrMapOvr>
-  <p:timing>
-    <p:tnLst>
-      <p:par>
-        <p:cTn id="1" dur="indefinite" restart="never" nodeType="tmRoot">
-          <p:childTnLst>
-            <p:seq concurrent="1" nextAc="seek">
-              <p:cTn id="2" dur="indefinite" nodeType="mainSeq">
-                <p:childTnLst>
-                  <p:par>
-                    <p:cTn id="3" fill="hold">
-                      <p:stCondLst>
-                        <p:cond delay="indefinite"/>
-                      </p:stCondLst>
-                      <p:childTnLst>
-                        <p:par>
-                          <p:cTn id="4" fill="hold">
-                            <p:stCondLst>
-                              <p:cond delay="0"/>
-                            </p:stCondLst>
-                            <p:childTnLst>
-                              <p:par>
-                                <p:cTn id="5" presetID="10" presetClass="entr" presetSubtype="0" fill="hold" grpId="0" nodeType="clickEffect">
-                                  <p:stCondLst>
-                                    <p:cond delay="0"/>
-                                  </p:stCondLst>
-                                  <p:childTnLst>
-                                    <p:set>
-                                      <p:cBhvr>
-                                        <p:cTn id="6" dur="1" fill="hold">
-                                          <p:stCondLst>
-                                            <p:cond delay="0"/>
-                                          </p:stCondLst>
-                                        </p:cTn>
-                                        <p:tgtEl>
-                                          <p:spTgt spid="12"/>
-                                        </p:tgtEl>
-                                        <p:attrNameLst>
-                                          <p:attrName>style.visibility</p:attrName>
-                                        </p:attrNameLst>
-                                      </p:cBhvr>
-                                      <p:to>
-                                        <p:strVal val="visible"/>
-                                      </p:to>
-                                    </p:set>
-                                    <p:animEffect transition="in" filter="fade">
-                                      <p:cBhvr>
-                                        <p:cTn id="7" dur="500"/>
-                                        <p:tgtEl>
-                                          <p:spTgt spid="12"/>
-                                        </p:tgtEl>
-                                      </p:cBhvr>
-                                    </p:animEffect>
-                                  </p:childTnLst>
-                                </p:cTn>
-                              </p:par>
-                              <p:par>
-                                <p:cTn id="8" presetID="10" presetClass="entr" presetSubtype="0" fill="hold" nodeType="withEffect">
-                                  <p:stCondLst>
-                                    <p:cond delay="0"/>
-                                  </p:stCondLst>
-                                  <p:childTnLst>
-                                    <p:set>
-                                      <p:cBhvr>
-                                        <p:cTn id="9" dur="1" fill="hold">
-                                          <p:stCondLst>
-                                            <p:cond delay="0"/>
-                                          </p:stCondLst>
-                                        </p:cTn>
-                                        <p:tgtEl>
-                                          <p:spTgt spid="9"/>
-                                        </p:tgtEl>
-                                        <p:attrNameLst>
-                                          <p:attrName>style.visibility</p:attrName>
-                                        </p:attrNameLst>
-                                      </p:cBhvr>
-                                      <p:to>
-                                        <p:strVal val="visible"/>
-                                      </p:to>
-                                    </p:set>
-                                    <p:animEffect transition="in" filter="fade">
-                                      <p:cBhvr>
-                                        <p:cTn id="10" dur="500"/>
-                                        <p:tgtEl>
-                                          <p:spTgt spid="9"/>
-                                        </p:tgtEl>
-                                      </p:cBhvr>
-                                    </p:animEffect>
-                                  </p:childTnLst>
-                                </p:cTn>
-                              </p:par>
-                            </p:childTnLst>
-                          </p:cTn>
-                        </p:par>
-                      </p:childTnLst>
-                    </p:cTn>
-                  </p:par>
-                  <p:par>
-                    <p:cTn id="11" fill="hold">
-                      <p:stCondLst>
-                        <p:cond delay="indefinite"/>
-                      </p:stCondLst>
-                      <p:childTnLst>
-                        <p:par>
-                          <p:cTn id="12" fill="hold">
-                            <p:stCondLst>
-                              <p:cond delay="0"/>
-                            </p:stCondLst>
-                            <p:childTnLst>
-                              <p:par>
-                                <p:cTn id="13" presetID="10" presetClass="entr" presetSubtype="0" fill="hold" grpId="0" nodeType="clickEffect">
-                                  <p:stCondLst>
-                                    <p:cond delay="0"/>
-                                  </p:stCondLst>
-                                  <p:childTnLst>
-                                    <p:set>
-                                      <p:cBhvr>
-                                        <p:cTn id="14" dur="1" fill="hold">
-                                          <p:stCondLst>
-                                            <p:cond delay="0"/>
-                                          </p:stCondLst>
-                                        </p:cTn>
-                                        <p:tgtEl>
-                                          <p:spTgt spid="13"/>
-                                        </p:tgtEl>
-                                        <p:attrNameLst>
-                                          <p:attrName>style.visibility</p:attrName>
-                                        </p:attrNameLst>
-                                      </p:cBhvr>
-                                      <p:to>
-                                        <p:strVal val="visible"/>
-                                      </p:to>
-                                    </p:set>
-                                    <p:animEffect transition="in" filter="fade">
-                                      <p:cBhvr>
-                                        <p:cTn id="15" dur="500"/>
-                                        <p:tgtEl>
-                                          <p:spTgt spid="13"/>
-                                        </p:tgtEl>
-                                      </p:cBhvr>
-                                    </p:animEffect>
-                                  </p:childTnLst>
-                                </p:cTn>
-                              </p:par>
-                              <p:par>
-                                <p:cTn id="16" presetID="10" presetClass="entr" presetSubtype="0" fill="hold" nodeType="withEffect">
-                                  <p:stCondLst>
-                                    <p:cond delay="0"/>
-                                  </p:stCondLst>
-                                  <p:childTnLst>
-                                    <p:set>
-                                      <p:cBhvr>
-                                        <p:cTn id="17" dur="1" fill="hold">
-                                          <p:stCondLst>
-                                            <p:cond delay="0"/>
-                                          </p:stCondLst>
-                                        </p:cTn>
-                                        <p:tgtEl>
-                                          <p:spTgt spid="11"/>
-                                        </p:tgtEl>
-                                        <p:attrNameLst>
-                                          <p:attrName>style.visibility</p:attrName>
-                                        </p:attrNameLst>
-                                      </p:cBhvr>
-                                      <p:to>
-                                        <p:strVal val="visible"/>
-                                      </p:to>
-                                    </p:set>
-                                    <p:animEffect transition="in" filter="fade">
-                                      <p:cBhvr>
-                                        <p:cTn id="18" dur="500"/>
-                                        <p:tgtEl>
-                                          <p:spTgt spid="11"/>
-                                        </p:tgtEl>
-                                      </p:cBhvr>
-                                    </p:animEffect>
-                                  </p:childTnLst>
-                                </p:cTn>
-                              </p:par>
-                            </p:childTnLst>
-                          </p:cTn>
-                        </p:par>
-                      </p:childTnLst>
-                    </p:cTn>
-                  </p:par>
-                  <p:par>
-                    <p:cTn id="19" fill="hold">
-                      <p:stCondLst>
-                        <p:cond delay="indefinite"/>
-                      </p:stCondLst>
-                      <p:childTnLst>
-                        <p:par>
-                          <p:cTn id="20" fill="hold">
-                            <p:stCondLst>
-                              <p:cond delay="0"/>
-                            </p:stCondLst>
-                            <p:childTnLst>
-                              <p:par>
-                                <p:cTn id="21" presetID="10" presetClass="entr" presetSubtype="0" fill="hold" grpId="0" nodeType="clickEffect">
-                                  <p:stCondLst>
-                                    <p:cond delay="0"/>
-                                  </p:stCondLst>
-                                  <p:childTnLst>
-                                    <p:set>
-                                      <p:cBhvr>
-                                        <p:cTn id="22" dur="1" fill="hold">
-                                          <p:stCondLst>
-                                            <p:cond delay="0"/>
-                                          </p:stCondLst>
-                                        </p:cTn>
-                                        <p:tgtEl>
-                                          <p:spTgt spid="14"/>
-                                        </p:tgtEl>
-                                        <p:attrNameLst>
-                                          <p:attrName>style.visibility</p:attrName>
-                                        </p:attrNameLst>
-                                      </p:cBhvr>
-                                      <p:to>
-                                        <p:strVal val="visible"/>
-                                      </p:to>
-                                    </p:set>
-                                    <p:animEffect transition="in" filter="fade">
-                                      <p:cBhvr>
-                                        <p:cTn id="23" dur="500"/>
-                                        <p:tgtEl>
-                                          <p:spTgt spid="14"/>
-                                        </p:tgtEl>
-                                      </p:cBhvr>
-                                    </p:animEffect>
-                                  </p:childTnLst>
-                                </p:cTn>
-                              </p:par>
-                              <p:par>
-                                <p:cTn id="24" presetID="10" presetClass="entr" presetSubtype="0" fill="hold" nodeType="withEffect">
-                                  <p:stCondLst>
-                                    <p:cond delay="0"/>
-                                  </p:stCondLst>
-                                  <p:childTnLst>
-                                    <p:set>
-                                      <p:cBhvr>
-                                        <p:cTn id="25" dur="1" fill="hold">
-                                          <p:stCondLst>
-                                            <p:cond delay="0"/>
-                                          </p:stCondLst>
-                                        </p:cTn>
-                                        <p:tgtEl>
-                                          <p:spTgt spid="1026"/>
-                                        </p:tgtEl>
-                                        <p:attrNameLst>
-                                          <p:attrName>style.visibility</p:attrName>
-                                        </p:attrNameLst>
-                                      </p:cBhvr>
-                                      <p:to>
-                                        <p:strVal val="visible"/>
-                                      </p:to>
-                                    </p:set>
-                                    <p:animEffect transition="in" filter="fade">
-                                      <p:cBhvr>
-                                        <p:cTn id="26" dur="500"/>
-                                        <p:tgtEl>
-                                          <p:spTgt spid="1026"/>
-                                        </p:tgtEl>
-                                      </p:cBhvr>
-                                    </p:animEffect>
-                                  </p:childTnLst>
-                                </p:cTn>
-                              </p:par>
-                            </p:childTnLst>
-                          </p:cTn>
-                        </p:par>
-                      </p:childTnLst>
-                    </p:cTn>
-                  </p:par>
-                </p:childTnLst>
-              </p:cTn>
-              <p:prevCondLst>
-                <p:cond evt="onPrev" delay="0">
-                  <p:tgtEl>
-                    <p:sldTgt/>
-                  </p:tgtEl>
-                </p:cond>
-              </p:prevCondLst>
-              <p:nextCondLst>
-                <p:cond evt="onNext" delay="0">
-                  <p:tgtEl>
-                    <p:sldTgt/>
-                  </p:tgtEl>
-                </p:cond>
-              </p:nextCondLst>
-            </p:seq>
-          </p:childTnLst>
-        </p:cTn>
-      </p:par>
-    </p:tnLst>
-    <p:bldLst>
-      <p:bldP spid="12" grpId="0"/>
-      <p:bldP spid="13" grpId="0"/>
-      <p:bldP spid="14" grpId="0"/>
-    </p:bldLst>
-  </p:timing>
-</p:sld>
-</file>
-
 <file path=ppt/theme/theme1.xml><?xml version="1.0" encoding="utf-8"?>
 <a:theme xmlns:a="http://schemas.openxmlformats.org/drawingml/2006/main" name="Office Theme">
   <a:themeElements>

--- a/2022-11-24 ABP Community Talks 2022.9/ABP-7-News.pptx
+++ b/2022-11-24 ABP Community Talks 2022.9/ABP-7-News.pptx
@@ -16,7 +16,17 @@
     <p:sldId id="259" r:id="rId10"/>
     <p:sldId id="260" r:id="rId11"/>
     <p:sldId id="261" r:id="rId12"/>
-    <p:sldId id="270" r:id="rId13"/>
+    <p:sldId id="271" r:id="rId13"/>
+    <p:sldId id="270" r:id="rId14"/>
+    <p:sldId id="272" r:id="rId15"/>
+    <p:sldId id="273" r:id="rId16"/>
+    <p:sldId id="274" r:id="rId17"/>
+    <p:sldId id="275" r:id="rId18"/>
+    <p:sldId id="276" r:id="rId19"/>
+    <p:sldId id="277" r:id="rId20"/>
+    <p:sldId id="278" r:id="rId21"/>
+    <p:sldId id="279" r:id="rId22"/>
+    <p:sldId id="280" r:id="rId23"/>
   </p:sldIdLst>
   <p:sldSz cx="12192000" cy="6858000"/>
   <p:notesSz cx="6858000" cy="9144000"/>
@@ -5269,7 +5279,7 @@
                 <a:latin typeface="Euclid Circular B" panose="020B0504000000000000" pitchFamily="34" charset="0"/>
                 <a:ea typeface="Euclid Circular B" panose="020B0504000000000000" pitchFamily="34" charset="0"/>
               </a:rPr>
-              <a:t>TODO</a:t>
+              <a:t>External Localization System</a:t>
             </a:r>
           </a:p>
         </p:txBody>
@@ -5300,7 +5310,58 @@
                 <a:latin typeface="Euclid Circular B" panose="020B0504000000000000" pitchFamily="34" charset="0"/>
                 <a:ea typeface="Euclid Circular B" panose="020B0504000000000000" pitchFamily="34" charset="0"/>
               </a:rPr>
-              <a:t>Content</a:t>
+              <a:t>Auto-sync localization resources defined in all microservices to a shared localization database.</a:t>
+            </a:r>
+          </a:p>
+          <a:p>
+            <a:r>
+              <a:rPr lang="en-US" dirty="0">
+                <a:latin typeface="Euclid Circular B" panose="020B0504000000000000" pitchFamily="34" charset="0"/>
+                <a:ea typeface="Euclid Circular B" panose="020B0504000000000000" pitchFamily="34" charset="0"/>
+              </a:rPr>
+              <a:t>Allow to get and manage localization texts from a single localization service</a:t>
+            </a:r>
+          </a:p>
+          <a:p>
+            <a:r>
+              <a:rPr lang="en-US" dirty="0">
+                <a:latin typeface="Euclid Circular B" panose="020B0504000000000000" pitchFamily="34" charset="0"/>
+                <a:ea typeface="Euclid Circular B" panose="020B0504000000000000" pitchFamily="34" charset="0"/>
+              </a:rPr>
+              <a:t>Introduced the </a:t>
+            </a:r>
+            <a:r>
+              <a:rPr lang="en-US" dirty="0" err="1">
+                <a:latin typeface="Courier New" panose="02070309020205020404" pitchFamily="49" charset="0"/>
+                <a:ea typeface="Euclid Circular B" panose="020B0504000000000000" pitchFamily="34" charset="0"/>
+                <a:cs typeface="Courier New" panose="02070309020205020404" pitchFamily="49" charset="0"/>
+              </a:rPr>
+              <a:t>IExternalLocalizationStore</a:t>
+            </a:r>
+            <a:r>
+              <a:rPr lang="en-US" dirty="0">
+                <a:latin typeface="Euclid Circular B" panose="020B0504000000000000" pitchFamily="34" charset="0"/>
+                <a:ea typeface="Euclid Circular B" panose="020B0504000000000000" pitchFamily="34" charset="0"/>
+              </a:rPr>
+              <a:t> service</a:t>
+            </a:r>
+          </a:p>
+          <a:p>
+            <a:r>
+              <a:rPr lang="en-US" dirty="0">
+                <a:latin typeface="Euclid Circular B" panose="020B0504000000000000" pitchFamily="34" charset="0"/>
+                <a:ea typeface="Euclid Circular B" panose="020B0504000000000000" pitchFamily="34" charset="0"/>
+              </a:rPr>
+              <a:t>Optimized localization texts when consumed from clients</a:t>
+            </a:r>
+          </a:p>
+          <a:p>
+            <a:r>
+              <a:rPr lang="en-US" dirty="0">
+                <a:latin typeface="Euclid Circular B" panose="020B0504000000000000" pitchFamily="34" charset="0"/>
+                <a:ea typeface="Euclid Circular B" panose="020B0504000000000000" pitchFamily="34" charset="0"/>
+              </a:rPr>
+              <a:t>Added new APIs to support non-static localization resources</a:t>
             </a:r>
           </a:p>
         </p:txBody>
@@ -5308,7 +5369,1668 @@
     </p:spTree>
     <p:extLst>
       <p:ext uri="{BB962C8B-B14F-4D97-AF65-F5344CB8AC3E}">
+        <p14:creationId xmlns:p14="http://schemas.microsoft.com/office/powerpoint/2010/main" val="2824993659"/>
+      </p:ext>
+    </p:extLst>
+  </p:cSld>
+  <p:clrMapOvr>
+    <a:masterClrMapping/>
+  </p:clrMapOvr>
+  <p:timing>
+    <p:tnLst>
+      <p:par>
+        <p:cTn id="1" dur="indefinite" restart="never" nodeType="tmRoot">
+          <p:childTnLst>
+            <p:seq concurrent="1" nextAc="seek">
+              <p:cTn id="2" dur="indefinite" nodeType="mainSeq">
+                <p:childTnLst>
+                  <p:par>
+                    <p:cTn id="3" fill="hold">
+                      <p:stCondLst>
+                        <p:cond delay="indefinite"/>
+                      </p:stCondLst>
+                      <p:childTnLst>
+                        <p:par>
+                          <p:cTn id="4" fill="hold">
+                            <p:stCondLst>
+                              <p:cond delay="0"/>
+                            </p:stCondLst>
+                            <p:childTnLst>
+                              <p:par>
+                                <p:cTn id="5" presetID="10" presetClass="entr" presetSubtype="0" fill="hold" nodeType="clickEffect">
+                                  <p:stCondLst>
+                                    <p:cond delay="0"/>
+                                  </p:stCondLst>
+                                  <p:childTnLst>
+                                    <p:set>
+                                      <p:cBhvr>
+                                        <p:cTn id="6" dur="1" fill="hold">
+                                          <p:stCondLst>
+                                            <p:cond delay="0"/>
+                                          </p:stCondLst>
+                                        </p:cTn>
+                                        <p:tgtEl>
+                                          <p:spTgt spid="3">
+                                            <p:txEl>
+                                              <p:pRg st="0" end="0"/>
+                                            </p:txEl>
+                                          </p:spTgt>
+                                        </p:tgtEl>
+                                        <p:attrNameLst>
+                                          <p:attrName>style.visibility</p:attrName>
+                                        </p:attrNameLst>
+                                      </p:cBhvr>
+                                      <p:to>
+                                        <p:strVal val="visible"/>
+                                      </p:to>
+                                    </p:set>
+                                    <p:animEffect transition="in" filter="fade">
+                                      <p:cBhvr>
+                                        <p:cTn id="7" dur="500"/>
+                                        <p:tgtEl>
+                                          <p:spTgt spid="3">
+                                            <p:txEl>
+                                              <p:pRg st="0" end="0"/>
+                                            </p:txEl>
+                                          </p:spTgt>
+                                        </p:tgtEl>
+                                      </p:cBhvr>
+                                    </p:animEffect>
+                                  </p:childTnLst>
+                                </p:cTn>
+                              </p:par>
+                            </p:childTnLst>
+                          </p:cTn>
+                        </p:par>
+                      </p:childTnLst>
+                    </p:cTn>
+                  </p:par>
+                  <p:par>
+                    <p:cTn id="8" fill="hold">
+                      <p:stCondLst>
+                        <p:cond delay="indefinite"/>
+                      </p:stCondLst>
+                      <p:childTnLst>
+                        <p:par>
+                          <p:cTn id="9" fill="hold">
+                            <p:stCondLst>
+                              <p:cond delay="0"/>
+                            </p:stCondLst>
+                            <p:childTnLst>
+                              <p:par>
+                                <p:cTn id="10" presetID="10" presetClass="entr" presetSubtype="0" fill="hold" nodeType="clickEffect">
+                                  <p:stCondLst>
+                                    <p:cond delay="0"/>
+                                  </p:stCondLst>
+                                  <p:childTnLst>
+                                    <p:set>
+                                      <p:cBhvr>
+                                        <p:cTn id="11" dur="1" fill="hold">
+                                          <p:stCondLst>
+                                            <p:cond delay="0"/>
+                                          </p:stCondLst>
+                                        </p:cTn>
+                                        <p:tgtEl>
+                                          <p:spTgt spid="3">
+                                            <p:txEl>
+                                              <p:pRg st="1" end="1"/>
+                                            </p:txEl>
+                                          </p:spTgt>
+                                        </p:tgtEl>
+                                        <p:attrNameLst>
+                                          <p:attrName>style.visibility</p:attrName>
+                                        </p:attrNameLst>
+                                      </p:cBhvr>
+                                      <p:to>
+                                        <p:strVal val="visible"/>
+                                      </p:to>
+                                    </p:set>
+                                    <p:animEffect transition="in" filter="fade">
+                                      <p:cBhvr>
+                                        <p:cTn id="12" dur="500"/>
+                                        <p:tgtEl>
+                                          <p:spTgt spid="3">
+                                            <p:txEl>
+                                              <p:pRg st="1" end="1"/>
+                                            </p:txEl>
+                                          </p:spTgt>
+                                        </p:tgtEl>
+                                      </p:cBhvr>
+                                    </p:animEffect>
+                                  </p:childTnLst>
+                                </p:cTn>
+                              </p:par>
+                            </p:childTnLst>
+                          </p:cTn>
+                        </p:par>
+                      </p:childTnLst>
+                    </p:cTn>
+                  </p:par>
+                  <p:par>
+                    <p:cTn id="13" fill="hold">
+                      <p:stCondLst>
+                        <p:cond delay="indefinite"/>
+                      </p:stCondLst>
+                      <p:childTnLst>
+                        <p:par>
+                          <p:cTn id="14" fill="hold">
+                            <p:stCondLst>
+                              <p:cond delay="0"/>
+                            </p:stCondLst>
+                            <p:childTnLst>
+                              <p:par>
+                                <p:cTn id="15" presetID="10" presetClass="entr" presetSubtype="0" fill="hold" nodeType="clickEffect">
+                                  <p:stCondLst>
+                                    <p:cond delay="0"/>
+                                  </p:stCondLst>
+                                  <p:childTnLst>
+                                    <p:set>
+                                      <p:cBhvr>
+                                        <p:cTn id="16" dur="1" fill="hold">
+                                          <p:stCondLst>
+                                            <p:cond delay="0"/>
+                                          </p:stCondLst>
+                                        </p:cTn>
+                                        <p:tgtEl>
+                                          <p:spTgt spid="3">
+                                            <p:txEl>
+                                              <p:pRg st="2" end="2"/>
+                                            </p:txEl>
+                                          </p:spTgt>
+                                        </p:tgtEl>
+                                        <p:attrNameLst>
+                                          <p:attrName>style.visibility</p:attrName>
+                                        </p:attrNameLst>
+                                      </p:cBhvr>
+                                      <p:to>
+                                        <p:strVal val="visible"/>
+                                      </p:to>
+                                    </p:set>
+                                    <p:animEffect transition="in" filter="fade">
+                                      <p:cBhvr>
+                                        <p:cTn id="17" dur="500"/>
+                                        <p:tgtEl>
+                                          <p:spTgt spid="3">
+                                            <p:txEl>
+                                              <p:pRg st="2" end="2"/>
+                                            </p:txEl>
+                                          </p:spTgt>
+                                        </p:tgtEl>
+                                      </p:cBhvr>
+                                    </p:animEffect>
+                                  </p:childTnLst>
+                                </p:cTn>
+                              </p:par>
+                            </p:childTnLst>
+                          </p:cTn>
+                        </p:par>
+                      </p:childTnLst>
+                    </p:cTn>
+                  </p:par>
+                  <p:par>
+                    <p:cTn id="18" fill="hold">
+                      <p:stCondLst>
+                        <p:cond delay="indefinite"/>
+                      </p:stCondLst>
+                      <p:childTnLst>
+                        <p:par>
+                          <p:cTn id="19" fill="hold">
+                            <p:stCondLst>
+                              <p:cond delay="0"/>
+                            </p:stCondLst>
+                            <p:childTnLst>
+                              <p:par>
+                                <p:cTn id="20" presetID="10" presetClass="entr" presetSubtype="0" fill="hold" nodeType="clickEffect">
+                                  <p:stCondLst>
+                                    <p:cond delay="0"/>
+                                  </p:stCondLst>
+                                  <p:childTnLst>
+                                    <p:set>
+                                      <p:cBhvr>
+                                        <p:cTn id="21" dur="1" fill="hold">
+                                          <p:stCondLst>
+                                            <p:cond delay="0"/>
+                                          </p:stCondLst>
+                                        </p:cTn>
+                                        <p:tgtEl>
+                                          <p:spTgt spid="3">
+                                            <p:txEl>
+                                              <p:pRg st="3" end="3"/>
+                                            </p:txEl>
+                                          </p:spTgt>
+                                        </p:tgtEl>
+                                        <p:attrNameLst>
+                                          <p:attrName>style.visibility</p:attrName>
+                                        </p:attrNameLst>
+                                      </p:cBhvr>
+                                      <p:to>
+                                        <p:strVal val="visible"/>
+                                      </p:to>
+                                    </p:set>
+                                    <p:animEffect transition="in" filter="fade">
+                                      <p:cBhvr>
+                                        <p:cTn id="22" dur="500"/>
+                                        <p:tgtEl>
+                                          <p:spTgt spid="3">
+                                            <p:txEl>
+                                              <p:pRg st="3" end="3"/>
+                                            </p:txEl>
+                                          </p:spTgt>
+                                        </p:tgtEl>
+                                      </p:cBhvr>
+                                    </p:animEffect>
+                                  </p:childTnLst>
+                                </p:cTn>
+                              </p:par>
+                            </p:childTnLst>
+                          </p:cTn>
+                        </p:par>
+                      </p:childTnLst>
+                    </p:cTn>
+                  </p:par>
+                  <p:par>
+                    <p:cTn id="23" fill="hold">
+                      <p:stCondLst>
+                        <p:cond delay="indefinite"/>
+                      </p:stCondLst>
+                      <p:childTnLst>
+                        <p:par>
+                          <p:cTn id="24" fill="hold">
+                            <p:stCondLst>
+                              <p:cond delay="0"/>
+                            </p:stCondLst>
+                            <p:childTnLst>
+                              <p:par>
+                                <p:cTn id="25" presetID="10" presetClass="entr" presetSubtype="0" fill="hold" nodeType="clickEffect">
+                                  <p:stCondLst>
+                                    <p:cond delay="0"/>
+                                  </p:stCondLst>
+                                  <p:childTnLst>
+                                    <p:set>
+                                      <p:cBhvr>
+                                        <p:cTn id="26" dur="1" fill="hold">
+                                          <p:stCondLst>
+                                            <p:cond delay="0"/>
+                                          </p:stCondLst>
+                                        </p:cTn>
+                                        <p:tgtEl>
+                                          <p:spTgt spid="3">
+                                            <p:txEl>
+                                              <p:pRg st="4" end="4"/>
+                                            </p:txEl>
+                                          </p:spTgt>
+                                        </p:tgtEl>
+                                        <p:attrNameLst>
+                                          <p:attrName>style.visibility</p:attrName>
+                                        </p:attrNameLst>
+                                      </p:cBhvr>
+                                      <p:to>
+                                        <p:strVal val="visible"/>
+                                      </p:to>
+                                    </p:set>
+                                    <p:animEffect transition="in" filter="fade">
+                                      <p:cBhvr>
+                                        <p:cTn id="27" dur="500"/>
+                                        <p:tgtEl>
+                                          <p:spTgt spid="3">
+                                            <p:txEl>
+                                              <p:pRg st="4" end="4"/>
+                                            </p:txEl>
+                                          </p:spTgt>
+                                        </p:tgtEl>
+                                      </p:cBhvr>
+                                    </p:animEffect>
+                                  </p:childTnLst>
+                                </p:cTn>
+                              </p:par>
+                            </p:childTnLst>
+                          </p:cTn>
+                        </p:par>
+                      </p:childTnLst>
+                    </p:cTn>
+                  </p:par>
+                </p:childTnLst>
+              </p:cTn>
+              <p:prevCondLst>
+                <p:cond evt="onPrev" delay="0">
+                  <p:tgtEl>
+                    <p:sldTgt/>
+                  </p:tgtEl>
+                </p:cond>
+              </p:prevCondLst>
+              <p:nextCondLst>
+                <p:cond evt="onNext" delay="0">
+                  <p:tgtEl>
+                    <p:sldTgt/>
+                  </p:tgtEl>
+                </p:cond>
+              </p:nextCondLst>
+            </p:seq>
+          </p:childTnLst>
+        </p:cTn>
+      </p:par>
+    </p:tnLst>
+  </p:timing>
+</p:sld>
+</file>
+
+<file path=ppt/slides/slide13.xml><?xml version="1.0" encoding="utf-8"?>
+<p:sld xmlns:a="http://schemas.openxmlformats.org/drawingml/2006/main" xmlns:r="http://schemas.openxmlformats.org/officeDocument/2006/relationships" xmlns:p="http://schemas.openxmlformats.org/presentationml/2006/main">
+  <p:cSld>
+    <p:bg>
+      <p:bgPr>
+        <a:blipFill dpi="0" rotWithShape="1">
+          <a:blip r:embed="rId2">
+            <a:lum/>
+          </a:blip>
+          <a:srcRect/>
+          <a:stretch>
+            <a:fillRect/>
+          </a:stretch>
+        </a:blipFill>
+        <a:effectLst/>
+      </p:bgPr>
+    </p:bg>
+    <p:spTree>
+      <p:nvGrpSpPr>
+        <p:cNvPr id="1" name=""/>
+        <p:cNvGrpSpPr/>
+        <p:nvPr/>
+      </p:nvGrpSpPr>
+      <p:grpSpPr>
+        <a:xfrm>
+          <a:off x="0" y="0"/>
+          <a:ext cx="0" cy="0"/>
+          <a:chOff x="0" y="0"/>
+          <a:chExt cx="0" cy="0"/>
+        </a:xfrm>
+      </p:grpSpPr>
+      <p:sp>
+        <p:nvSpPr>
+          <p:cNvPr id="2" name="Title 1">
+            <a:extLst>
+              <a:ext uri="{FF2B5EF4-FFF2-40B4-BE49-F238E27FC236}">
+                <a16:creationId xmlns:a16="http://schemas.microsoft.com/office/drawing/2014/main" id="{55E11F08-6CA0-48F1-AD67-97430DDA07F0}"/>
+              </a:ext>
+            </a:extLst>
+          </p:cNvPr>
+          <p:cNvSpPr>
+            <a:spLocks noGrp="1"/>
+          </p:cNvSpPr>
+          <p:nvPr>
+            <p:ph type="title"/>
+          </p:nvPr>
+        </p:nvSpPr>
+        <p:spPr/>
+        <p:txBody>
+          <a:bodyPr/>
+          <a:lstStyle/>
+          <a:p>
+            <a:r>
+              <a:rPr lang="en-US" b="1" dirty="0">
+                <a:solidFill>
+                  <a:srgbClr val="292D33"/>
+                </a:solidFill>
+                <a:latin typeface="Euclid Circular B" panose="020B0504000000000000" pitchFamily="34" charset="0"/>
+                <a:ea typeface="Euclid Circular B" panose="020B0504000000000000" pitchFamily="34" charset="0"/>
+              </a:rPr>
+              <a:t>Localization Endpoint Optimization</a:t>
+            </a:r>
+          </a:p>
+        </p:txBody>
+      </p:sp>
+      <p:sp>
+        <p:nvSpPr>
+          <p:cNvPr id="3" name="Content Placeholder 2">
+            <a:extLst>
+              <a:ext uri="{FF2B5EF4-FFF2-40B4-BE49-F238E27FC236}">
+                <a16:creationId xmlns:a16="http://schemas.microsoft.com/office/drawing/2014/main" id="{891C7693-D3DF-4635-96F4-97F3B4136FDF}"/>
+              </a:ext>
+            </a:extLst>
+          </p:cNvPr>
+          <p:cNvSpPr>
+            <a:spLocks noGrp="1"/>
+          </p:cNvSpPr>
+          <p:nvPr>
+            <p:ph idx="1"/>
+          </p:nvPr>
+        </p:nvSpPr>
+        <p:spPr/>
+        <p:txBody>
+          <a:bodyPr>
+            <a:normAutofit/>
+          </a:bodyPr>
+          <a:lstStyle/>
+          <a:p>
+            <a:r>
+              <a:rPr lang="en-US" b="1" dirty="0">
+                <a:latin typeface="Euclid Circular B" panose="020B0504000000000000" pitchFamily="34" charset="0"/>
+                <a:ea typeface="Euclid Circular B" panose="020B0504000000000000" pitchFamily="34" charset="0"/>
+              </a:rPr>
+              <a:t>ABP 6.0: 88.4 kB</a:t>
+            </a:r>
+          </a:p>
+          <a:p>
+            <a:endParaRPr lang="en-US" dirty="0">
+              <a:latin typeface="Euclid Circular B" panose="020B0504000000000000" pitchFamily="34" charset="0"/>
+              <a:ea typeface="Euclid Circular B" panose="020B0504000000000000" pitchFamily="34" charset="0"/>
+            </a:endParaRPr>
+          </a:p>
+          <a:p>
+            <a:endParaRPr lang="en-US" dirty="0">
+              <a:latin typeface="Euclid Circular B" panose="020B0504000000000000" pitchFamily="34" charset="0"/>
+              <a:ea typeface="Euclid Circular B" panose="020B0504000000000000" pitchFamily="34" charset="0"/>
+            </a:endParaRPr>
+          </a:p>
+          <a:p>
+            <a:r>
+              <a:rPr lang="en-US" b="1" dirty="0">
+                <a:latin typeface="Euclid Circular B" panose="020B0504000000000000" pitchFamily="34" charset="0"/>
+                <a:ea typeface="Euclid Circular B" panose="020B0504000000000000" pitchFamily="34" charset="0"/>
+              </a:rPr>
+              <a:t>ABP 7.0: 42.9 KB (%51.4 shorter)</a:t>
+            </a:r>
+          </a:p>
+          <a:p>
+            <a:endParaRPr lang="en-US" b="1" dirty="0">
+              <a:latin typeface="Euclid Circular B" panose="020B0504000000000000" pitchFamily="34" charset="0"/>
+              <a:ea typeface="Euclid Circular B" panose="020B0504000000000000" pitchFamily="34" charset="0"/>
+            </a:endParaRPr>
+          </a:p>
+          <a:p>
+            <a:endParaRPr lang="en-US" b="1" dirty="0">
+              <a:latin typeface="Euclid Circular B" panose="020B0504000000000000" pitchFamily="34" charset="0"/>
+              <a:ea typeface="Euclid Circular B" panose="020B0504000000000000" pitchFamily="34" charset="0"/>
+            </a:endParaRPr>
+          </a:p>
+          <a:p>
+            <a:endParaRPr lang="en-US" b="1" dirty="0">
+              <a:latin typeface="Euclid Circular B" panose="020B0504000000000000" pitchFamily="34" charset="0"/>
+              <a:ea typeface="Euclid Circular B" panose="020B0504000000000000" pitchFamily="34" charset="0"/>
+            </a:endParaRPr>
+          </a:p>
+          <a:p>
+            <a:pPr marL="0" indent="0" algn="ctr">
+              <a:buNone/>
+            </a:pPr>
+            <a:r>
+              <a:rPr lang="en-US" sz="2400" b="1" dirty="0" err="1">
+                <a:latin typeface="Euclid Circular B" panose="020B0504000000000000" pitchFamily="34" charset="0"/>
+                <a:ea typeface="Euclid Circular B" panose="020B0504000000000000" pitchFamily="34" charset="0"/>
+              </a:rPr>
+              <a:t>ApplicationLocalizationScript</a:t>
+            </a:r>
+            <a:r>
+              <a:rPr lang="en-US" sz="2400" b="1" dirty="0">
+                <a:latin typeface="Euclid Circular B" panose="020B0504000000000000" pitchFamily="34" charset="0"/>
+                <a:ea typeface="Euclid Circular B" panose="020B0504000000000000" pitchFamily="34" charset="0"/>
+              </a:rPr>
+              <a:t> endpoint can be cached at CDN</a:t>
+            </a:r>
+          </a:p>
+        </p:txBody>
+      </p:sp>
+      <p:pic>
+        <p:nvPicPr>
+          <p:cNvPr id="5" name="Picture 4">
+            <a:extLst>
+              <a:ext uri="{FF2B5EF4-FFF2-40B4-BE49-F238E27FC236}">
+                <a16:creationId xmlns:a16="http://schemas.microsoft.com/office/drawing/2014/main" id="{ECD6A2CC-447B-345E-7C2D-E7D8E61AE4F0}"/>
+              </a:ext>
+            </a:extLst>
+          </p:cNvPr>
+          <p:cNvPicPr>
+            <a:picLocks noChangeAspect="1"/>
+          </p:cNvPicPr>
+          <p:nvPr/>
+        </p:nvPicPr>
+        <p:blipFill>
+          <a:blip r:embed="rId3"/>
+          <a:stretch>
+            <a:fillRect/>
+          </a:stretch>
+        </p:blipFill>
+        <p:spPr>
+          <a:xfrm>
+            <a:off x="1104900" y="2396191"/>
+            <a:ext cx="9502140" cy="552450"/>
+          </a:xfrm>
+          <a:prstGeom prst="rect">
+            <a:avLst/>
+          </a:prstGeom>
+        </p:spPr>
+      </p:pic>
+      <p:pic>
+        <p:nvPicPr>
+          <p:cNvPr id="7" name="Picture 6">
+            <a:extLst>
+              <a:ext uri="{FF2B5EF4-FFF2-40B4-BE49-F238E27FC236}">
+                <a16:creationId xmlns:a16="http://schemas.microsoft.com/office/drawing/2014/main" id="{CF320BC1-9356-DDF0-BBF3-0D5572AE42D7}"/>
+              </a:ext>
+            </a:extLst>
+          </p:cNvPr>
+          <p:cNvPicPr>
+            <a:picLocks noChangeAspect="1"/>
+          </p:cNvPicPr>
+          <p:nvPr/>
+        </p:nvPicPr>
+        <p:blipFill>
+          <a:blip r:embed="rId4"/>
+          <a:stretch>
+            <a:fillRect/>
+          </a:stretch>
+        </p:blipFill>
+        <p:spPr>
+          <a:xfrm>
+            <a:off x="1104899" y="4080809"/>
+            <a:ext cx="9686637" cy="755141"/>
+          </a:xfrm>
+          <a:prstGeom prst="rect">
+            <a:avLst/>
+          </a:prstGeom>
+        </p:spPr>
+      </p:pic>
+    </p:spTree>
+    <p:extLst>
+      <p:ext uri="{BB962C8B-B14F-4D97-AF65-F5344CB8AC3E}">
         <p14:creationId xmlns:p14="http://schemas.microsoft.com/office/powerpoint/2010/main" val="2883217694"/>
+      </p:ext>
+    </p:extLst>
+  </p:cSld>
+  <p:clrMapOvr>
+    <a:masterClrMapping/>
+  </p:clrMapOvr>
+  <p:timing>
+    <p:tnLst>
+      <p:par>
+        <p:cTn id="1" dur="indefinite" restart="never" nodeType="tmRoot">
+          <p:childTnLst>
+            <p:seq concurrent="1" nextAc="seek">
+              <p:cTn id="2" dur="indefinite" nodeType="mainSeq">
+                <p:childTnLst>
+                  <p:par>
+                    <p:cTn id="3" fill="hold">
+                      <p:stCondLst>
+                        <p:cond delay="indefinite"/>
+                      </p:stCondLst>
+                      <p:childTnLst>
+                        <p:par>
+                          <p:cTn id="4" fill="hold">
+                            <p:stCondLst>
+                              <p:cond delay="0"/>
+                            </p:stCondLst>
+                            <p:childTnLst>
+                              <p:par>
+                                <p:cTn id="5" presetID="10" presetClass="entr" presetSubtype="0" fill="hold" nodeType="clickEffect">
+                                  <p:stCondLst>
+                                    <p:cond delay="0"/>
+                                  </p:stCondLst>
+                                  <p:childTnLst>
+                                    <p:set>
+                                      <p:cBhvr>
+                                        <p:cTn id="6" dur="1" fill="hold">
+                                          <p:stCondLst>
+                                            <p:cond delay="0"/>
+                                          </p:stCondLst>
+                                        </p:cTn>
+                                        <p:tgtEl>
+                                          <p:spTgt spid="3">
+                                            <p:txEl>
+                                              <p:pRg st="0" end="0"/>
+                                            </p:txEl>
+                                          </p:spTgt>
+                                        </p:tgtEl>
+                                        <p:attrNameLst>
+                                          <p:attrName>style.visibility</p:attrName>
+                                        </p:attrNameLst>
+                                      </p:cBhvr>
+                                      <p:to>
+                                        <p:strVal val="visible"/>
+                                      </p:to>
+                                    </p:set>
+                                    <p:animEffect transition="in" filter="fade">
+                                      <p:cBhvr>
+                                        <p:cTn id="7" dur="500"/>
+                                        <p:tgtEl>
+                                          <p:spTgt spid="3">
+                                            <p:txEl>
+                                              <p:pRg st="0" end="0"/>
+                                            </p:txEl>
+                                          </p:spTgt>
+                                        </p:tgtEl>
+                                      </p:cBhvr>
+                                    </p:animEffect>
+                                  </p:childTnLst>
+                                </p:cTn>
+                              </p:par>
+                            </p:childTnLst>
+                          </p:cTn>
+                        </p:par>
+                      </p:childTnLst>
+                    </p:cTn>
+                  </p:par>
+                  <p:par>
+                    <p:cTn id="8" fill="hold">
+                      <p:stCondLst>
+                        <p:cond delay="indefinite"/>
+                      </p:stCondLst>
+                      <p:childTnLst>
+                        <p:par>
+                          <p:cTn id="9" fill="hold">
+                            <p:stCondLst>
+                              <p:cond delay="0"/>
+                            </p:stCondLst>
+                            <p:childTnLst>
+                              <p:par>
+                                <p:cTn id="10" presetID="10" presetClass="entr" presetSubtype="0" fill="hold" nodeType="clickEffect">
+                                  <p:stCondLst>
+                                    <p:cond delay="0"/>
+                                  </p:stCondLst>
+                                  <p:childTnLst>
+                                    <p:set>
+                                      <p:cBhvr>
+                                        <p:cTn id="11" dur="1" fill="hold">
+                                          <p:stCondLst>
+                                            <p:cond delay="0"/>
+                                          </p:stCondLst>
+                                        </p:cTn>
+                                        <p:tgtEl>
+                                          <p:spTgt spid="3">
+                                            <p:txEl>
+                                              <p:pRg st="3" end="3"/>
+                                            </p:txEl>
+                                          </p:spTgt>
+                                        </p:tgtEl>
+                                        <p:attrNameLst>
+                                          <p:attrName>style.visibility</p:attrName>
+                                        </p:attrNameLst>
+                                      </p:cBhvr>
+                                      <p:to>
+                                        <p:strVal val="visible"/>
+                                      </p:to>
+                                    </p:set>
+                                    <p:animEffect transition="in" filter="fade">
+                                      <p:cBhvr>
+                                        <p:cTn id="12" dur="500"/>
+                                        <p:tgtEl>
+                                          <p:spTgt spid="3">
+                                            <p:txEl>
+                                              <p:pRg st="3" end="3"/>
+                                            </p:txEl>
+                                          </p:spTgt>
+                                        </p:tgtEl>
+                                      </p:cBhvr>
+                                    </p:animEffect>
+                                  </p:childTnLst>
+                                </p:cTn>
+                              </p:par>
+                            </p:childTnLst>
+                          </p:cTn>
+                        </p:par>
+                      </p:childTnLst>
+                    </p:cTn>
+                  </p:par>
+                  <p:par>
+                    <p:cTn id="13" fill="hold">
+                      <p:stCondLst>
+                        <p:cond delay="indefinite"/>
+                      </p:stCondLst>
+                      <p:childTnLst>
+                        <p:par>
+                          <p:cTn id="14" fill="hold">
+                            <p:stCondLst>
+                              <p:cond delay="0"/>
+                            </p:stCondLst>
+                            <p:childTnLst>
+                              <p:par>
+                                <p:cTn id="15" presetID="10" presetClass="entr" presetSubtype="0" fill="hold" nodeType="clickEffect">
+                                  <p:stCondLst>
+                                    <p:cond delay="0"/>
+                                  </p:stCondLst>
+                                  <p:childTnLst>
+                                    <p:set>
+                                      <p:cBhvr>
+                                        <p:cTn id="16" dur="1" fill="hold">
+                                          <p:stCondLst>
+                                            <p:cond delay="0"/>
+                                          </p:stCondLst>
+                                        </p:cTn>
+                                        <p:tgtEl>
+                                          <p:spTgt spid="3">
+                                            <p:txEl>
+                                              <p:pRg st="7" end="7"/>
+                                            </p:txEl>
+                                          </p:spTgt>
+                                        </p:tgtEl>
+                                        <p:attrNameLst>
+                                          <p:attrName>style.visibility</p:attrName>
+                                        </p:attrNameLst>
+                                      </p:cBhvr>
+                                      <p:to>
+                                        <p:strVal val="visible"/>
+                                      </p:to>
+                                    </p:set>
+                                    <p:animEffect transition="in" filter="fade">
+                                      <p:cBhvr>
+                                        <p:cTn id="17" dur="500"/>
+                                        <p:tgtEl>
+                                          <p:spTgt spid="3">
+                                            <p:txEl>
+                                              <p:pRg st="7" end="7"/>
+                                            </p:txEl>
+                                          </p:spTgt>
+                                        </p:tgtEl>
+                                      </p:cBhvr>
+                                    </p:animEffect>
+                                  </p:childTnLst>
+                                </p:cTn>
+                              </p:par>
+                            </p:childTnLst>
+                          </p:cTn>
+                        </p:par>
+                      </p:childTnLst>
+                    </p:cTn>
+                  </p:par>
+                </p:childTnLst>
+              </p:cTn>
+              <p:prevCondLst>
+                <p:cond evt="onPrev" delay="0">
+                  <p:tgtEl>
+                    <p:sldTgt/>
+                  </p:tgtEl>
+                </p:cond>
+              </p:prevCondLst>
+              <p:nextCondLst>
+                <p:cond evt="onNext" delay="0">
+                  <p:tgtEl>
+                    <p:sldTgt/>
+                  </p:tgtEl>
+                </p:cond>
+              </p:nextCondLst>
+            </p:seq>
+          </p:childTnLst>
+        </p:cTn>
+      </p:par>
+    </p:tnLst>
+  </p:timing>
+</p:sld>
+</file>
+
+<file path=ppt/slides/slide14.xml><?xml version="1.0" encoding="utf-8"?>
+<p:sld xmlns:a="http://schemas.openxmlformats.org/drawingml/2006/main" xmlns:r="http://schemas.openxmlformats.org/officeDocument/2006/relationships" xmlns:p="http://schemas.openxmlformats.org/presentationml/2006/main">
+  <p:cSld>
+    <p:bg>
+      <p:bgPr>
+        <a:blipFill dpi="0" rotWithShape="1">
+          <a:blip r:embed="rId2">
+            <a:lum/>
+          </a:blip>
+          <a:srcRect/>
+          <a:stretch>
+            <a:fillRect/>
+          </a:stretch>
+        </a:blipFill>
+        <a:effectLst/>
+      </p:bgPr>
+    </p:bg>
+    <p:spTree>
+      <p:nvGrpSpPr>
+        <p:cNvPr id="1" name=""/>
+        <p:cNvGrpSpPr/>
+        <p:nvPr/>
+      </p:nvGrpSpPr>
+      <p:grpSpPr>
+        <a:xfrm>
+          <a:off x="0" y="0"/>
+          <a:ext cx="0" cy="0"/>
+          <a:chOff x="0" y="0"/>
+          <a:chExt cx="0" cy="0"/>
+        </a:xfrm>
+      </p:grpSpPr>
+      <p:sp>
+        <p:nvSpPr>
+          <p:cNvPr id="2" name="Title 1">
+            <a:extLst>
+              <a:ext uri="{FF2B5EF4-FFF2-40B4-BE49-F238E27FC236}">
+                <a16:creationId xmlns:a16="http://schemas.microsoft.com/office/drawing/2014/main" id="{55E11F08-6CA0-48F1-AD67-97430DDA07F0}"/>
+              </a:ext>
+            </a:extLst>
+          </p:cNvPr>
+          <p:cNvSpPr>
+            <a:spLocks noGrp="1"/>
+          </p:cNvSpPr>
+          <p:nvPr>
+            <p:ph type="title"/>
+          </p:nvPr>
+        </p:nvSpPr>
+        <p:spPr/>
+        <p:txBody>
+          <a:bodyPr/>
+          <a:lstStyle/>
+          <a:p>
+            <a:r>
+              <a:rPr lang="en-US" b="1" dirty="0">
+                <a:solidFill>
+                  <a:srgbClr val="292D33"/>
+                </a:solidFill>
+                <a:latin typeface="Euclid Circular B" panose="020B0504000000000000" pitchFamily="34" charset="0"/>
+                <a:ea typeface="Euclid Circular B" panose="020B0504000000000000" pitchFamily="34" charset="0"/>
+              </a:rPr>
+              <a:t>Typed Localization Resources</a:t>
+            </a:r>
+          </a:p>
+        </p:txBody>
+      </p:sp>
+      <p:pic>
+        <p:nvPicPr>
+          <p:cNvPr id="7" name="Picture 6">
+            <a:extLst>
+              <a:ext uri="{FF2B5EF4-FFF2-40B4-BE49-F238E27FC236}">
+                <a16:creationId xmlns:a16="http://schemas.microsoft.com/office/drawing/2014/main" id="{F795F0F1-475C-A939-94E3-047B87FF4484}"/>
+              </a:ext>
+            </a:extLst>
+          </p:cNvPr>
+          <p:cNvPicPr>
+            <a:picLocks noChangeAspect="1"/>
+          </p:cNvPicPr>
+          <p:nvPr/>
+        </p:nvPicPr>
+        <p:blipFill>
+          <a:blip r:embed="rId3"/>
+          <a:stretch>
+            <a:fillRect/>
+          </a:stretch>
+        </p:blipFill>
+        <p:spPr>
+          <a:xfrm>
+            <a:off x="838200" y="1690688"/>
+            <a:ext cx="9496425" cy="4067175"/>
+          </a:xfrm>
+          <a:prstGeom prst="rect">
+            <a:avLst/>
+          </a:prstGeom>
+        </p:spPr>
+      </p:pic>
+    </p:spTree>
+    <p:extLst>
+      <p:ext uri="{BB962C8B-B14F-4D97-AF65-F5344CB8AC3E}">
+        <p14:creationId xmlns:p14="http://schemas.microsoft.com/office/powerpoint/2010/main" val="3041710999"/>
+      </p:ext>
+    </p:extLst>
+  </p:cSld>
+  <p:clrMapOvr>
+    <a:masterClrMapping/>
+  </p:clrMapOvr>
+</p:sld>
+</file>
+
+<file path=ppt/slides/slide15.xml><?xml version="1.0" encoding="utf-8"?>
+<p:sld xmlns:a="http://schemas.openxmlformats.org/drawingml/2006/main" xmlns:r="http://schemas.openxmlformats.org/officeDocument/2006/relationships" xmlns:p="http://schemas.openxmlformats.org/presentationml/2006/main">
+  <p:cSld>
+    <p:bg>
+      <p:bgPr>
+        <a:blipFill dpi="0" rotWithShape="1">
+          <a:blip r:embed="rId2">
+            <a:lum/>
+          </a:blip>
+          <a:srcRect/>
+          <a:stretch>
+            <a:fillRect/>
+          </a:stretch>
+        </a:blipFill>
+        <a:effectLst/>
+      </p:bgPr>
+    </p:bg>
+    <p:spTree>
+      <p:nvGrpSpPr>
+        <p:cNvPr id="1" name=""/>
+        <p:cNvGrpSpPr/>
+        <p:nvPr/>
+      </p:nvGrpSpPr>
+      <p:grpSpPr>
+        <a:xfrm>
+          <a:off x="0" y="0"/>
+          <a:ext cx="0" cy="0"/>
+          <a:chOff x="0" y="0"/>
+          <a:chExt cx="0" cy="0"/>
+        </a:xfrm>
+      </p:grpSpPr>
+      <p:sp>
+        <p:nvSpPr>
+          <p:cNvPr id="2" name="Title 1">
+            <a:extLst>
+              <a:ext uri="{FF2B5EF4-FFF2-40B4-BE49-F238E27FC236}">
+                <a16:creationId xmlns:a16="http://schemas.microsoft.com/office/drawing/2014/main" id="{55E11F08-6CA0-48F1-AD67-97430DDA07F0}"/>
+              </a:ext>
+            </a:extLst>
+          </p:cNvPr>
+          <p:cNvSpPr>
+            <a:spLocks noGrp="1"/>
+          </p:cNvSpPr>
+          <p:nvPr>
+            <p:ph type="title"/>
+          </p:nvPr>
+        </p:nvSpPr>
+        <p:spPr/>
+        <p:txBody>
+          <a:bodyPr/>
+          <a:lstStyle/>
+          <a:p>
+            <a:r>
+              <a:rPr lang="en-US" b="1" dirty="0">
+                <a:solidFill>
+                  <a:srgbClr val="292D33"/>
+                </a:solidFill>
+                <a:latin typeface="Euclid Circular B" panose="020B0504000000000000" pitchFamily="34" charset="0"/>
+                <a:ea typeface="Euclid Circular B" panose="020B0504000000000000" pitchFamily="34" charset="0"/>
+              </a:rPr>
+              <a:t>Non-Typed Localization Resources</a:t>
+            </a:r>
+          </a:p>
+        </p:txBody>
+      </p:sp>
+      <p:pic>
+        <p:nvPicPr>
+          <p:cNvPr id="9" name="Picture 8">
+            <a:extLst>
+              <a:ext uri="{FF2B5EF4-FFF2-40B4-BE49-F238E27FC236}">
+                <a16:creationId xmlns:a16="http://schemas.microsoft.com/office/drawing/2014/main" id="{6D1E76F2-1EC3-A2D7-A02E-E8FD2C9DE4E0}"/>
+              </a:ext>
+            </a:extLst>
+          </p:cNvPr>
+          <p:cNvPicPr>
+            <a:picLocks noChangeAspect="1"/>
+          </p:cNvPicPr>
+          <p:nvPr/>
+        </p:nvPicPr>
+        <p:blipFill>
+          <a:blip r:embed="rId3"/>
+          <a:stretch>
+            <a:fillRect/>
+          </a:stretch>
+        </p:blipFill>
+        <p:spPr>
+          <a:xfrm>
+            <a:off x="838200" y="1774694"/>
+            <a:ext cx="8610600" cy="4552950"/>
+          </a:xfrm>
+          <a:prstGeom prst="rect">
+            <a:avLst/>
+          </a:prstGeom>
+        </p:spPr>
+      </p:pic>
+    </p:spTree>
+    <p:extLst>
+      <p:ext uri="{BB962C8B-B14F-4D97-AF65-F5344CB8AC3E}">
+        <p14:creationId xmlns:p14="http://schemas.microsoft.com/office/powerpoint/2010/main" val="42178777"/>
+      </p:ext>
+    </p:extLst>
+  </p:cSld>
+  <p:clrMapOvr>
+    <a:masterClrMapping/>
+  </p:clrMapOvr>
+</p:sld>
+</file>
+
+<file path=ppt/slides/slide16.xml><?xml version="1.0" encoding="utf-8"?>
+<p:sld xmlns:a="http://schemas.openxmlformats.org/drawingml/2006/main" xmlns:r="http://schemas.openxmlformats.org/officeDocument/2006/relationships" xmlns:p="http://schemas.openxmlformats.org/presentationml/2006/main">
+  <p:cSld>
+    <p:bg>
+      <p:bgPr>
+        <a:blipFill dpi="0" rotWithShape="1">
+          <a:blip r:embed="rId2">
+            <a:lum/>
+          </a:blip>
+          <a:srcRect/>
+          <a:stretch>
+            <a:fillRect/>
+          </a:stretch>
+        </a:blipFill>
+        <a:effectLst/>
+      </p:bgPr>
+    </p:bg>
+    <p:spTree>
+      <p:nvGrpSpPr>
+        <p:cNvPr id="1" name=""/>
+        <p:cNvGrpSpPr/>
+        <p:nvPr/>
+      </p:nvGrpSpPr>
+      <p:grpSpPr>
+        <a:xfrm>
+          <a:off x="0" y="0"/>
+          <a:ext cx="0" cy="0"/>
+          <a:chOff x="0" y="0"/>
+          <a:chExt cx="0" cy="0"/>
+        </a:xfrm>
+      </p:grpSpPr>
+      <p:sp>
+        <p:nvSpPr>
+          <p:cNvPr id="2" name="Title 1">
+            <a:extLst>
+              <a:ext uri="{FF2B5EF4-FFF2-40B4-BE49-F238E27FC236}">
+                <a16:creationId xmlns:a16="http://schemas.microsoft.com/office/drawing/2014/main" id="{55E11F08-6CA0-48F1-AD67-97430DDA07F0}"/>
+              </a:ext>
+            </a:extLst>
+          </p:cNvPr>
+          <p:cNvSpPr>
+            <a:spLocks noGrp="1"/>
+          </p:cNvSpPr>
+          <p:nvPr>
+            <p:ph type="title"/>
+          </p:nvPr>
+        </p:nvSpPr>
+        <p:spPr/>
+        <p:txBody>
+          <a:bodyPr/>
+          <a:lstStyle/>
+          <a:p>
+            <a:r>
+              <a:rPr lang="en-US" b="1" dirty="0">
+                <a:solidFill>
+                  <a:srgbClr val="292D33"/>
+                </a:solidFill>
+                <a:latin typeface="Euclid Circular B" panose="020B0504000000000000" pitchFamily="34" charset="0"/>
+                <a:ea typeface="Euclid Circular B" panose="020B0504000000000000" pitchFamily="34" charset="0"/>
+              </a:rPr>
+              <a:t>New </a:t>
+            </a:r>
+            <a:r>
+              <a:rPr lang="en-US" b="1" dirty="0" err="1">
+                <a:solidFill>
+                  <a:srgbClr val="292D33"/>
+                </a:solidFill>
+                <a:latin typeface="Courier New" panose="02070309020205020404" pitchFamily="49" charset="0"/>
+                <a:ea typeface="Euclid Circular B" panose="020B0504000000000000" pitchFamily="34" charset="0"/>
+                <a:cs typeface="Courier New" panose="02070309020205020404" pitchFamily="49" charset="0"/>
+              </a:rPr>
+              <a:t>IStringLocalizer</a:t>
+            </a:r>
+            <a:r>
+              <a:rPr lang="en-US" b="1" dirty="0">
+                <a:solidFill>
+                  <a:srgbClr val="292D33"/>
+                </a:solidFill>
+                <a:latin typeface="Euclid Circular B" panose="020B0504000000000000" pitchFamily="34" charset="0"/>
+                <a:ea typeface="Euclid Circular B" panose="020B0504000000000000" pitchFamily="34" charset="0"/>
+              </a:rPr>
+              <a:t> APIs</a:t>
+            </a:r>
+          </a:p>
+        </p:txBody>
+      </p:sp>
+      <p:pic>
+        <p:nvPicPr>
+          <p:cNvPr id="9" name="Picture 8">
+            <a:extLst>
+              <a:ext uri="{FF2B5EF4-FFF2-40B4-BE49-F238E27FC236}">
+                <a16:creationId xmlns:a16="http://schemas.microsoft.com/office/drawing/2014/main" id="{0470623D-1019-9309-CB9C-0494B3654ECF}"/>
+              </a:ext>
+            </a:extLst>
+          </p:cNvPr>
+          <p:cNvPicPr>
+            <a:picLocks noChangeAspect="1"/>
+          </p:cNvPicPr>
+          <p:nvPr/>
+        </p:nvPicPr>
+        <p:blipFill>
+          <a:blip r:embed="rId3"/>
+          <a:stretch>
+            <a:fillRect/>
+          </a:stretch>
+        </p:blipFill>
+        <p:spPr>
+          <a:xfrm>
+            <a:off x="838200" y="1690688"/>
+            <a:ext cx="6200775" cy="1085850"/>
+          </a:xfrm>
+          <a:prstGeom prst="rect">
+            <a:avLst/>
+          </a:prstGeom>
+        </p:spPr>
+      </p:pic>
+      <p:pic>
+        <p:nvPicPr>
+          <p:cNvPr id="11" name="Picture 10">
+            <a:extLst>
+              <a:ext uri="{FF2B5EF4-FFF2-40B4-BE49-F238E27FC236}">
+                <a16:creationId xmlns:a16="http://schemas.microsoft.com/office/drawing/2014/main" id="{9AE4680A-A687-EBDA-17B2-D292091776C6}"/>
+              </a:ext>
+            </a:extLst>
+          </p:cNvPr>
+          <p:cNvPicPr>
+            <a:picLocks noChangeAspect="1"/>
+          </p:cNvPicPr>
+          <p:nvPr/>
+        </p:nvPicPr>
+        <p:blipFill>
+          <a:blip r:embed="rId4"/>
+          <a:stretch>
+            <a:fillRect/>
+          </a:stretch>
+        </p:blipFill>
+        <p:spPr>
+          <a:xfrm>
+            <a:off x="838200" y="3140076"/>
+            <a:ext cx="10420350" cy="1924050"/>
+          </a:xfrm>
+          <a:prstGeom prst="rect">
+            <a:avLst/>
+          </a:prstGeom>
+        </p:spPr>
+      </p:pic>
+    </p:spTree>
+    <p:extLst>
+      <p:ext uri="{BB962C8B-B14F-4D97-AF65-F5344CB8AC3E}">
+        <p14:creationId xmlns:p14="http://schemas.microsoft.com/office/powerpoint/2010/main" val="373388348"/>
+      </p:ext>
+    </p:extLst>
+  </p:cSld>
+  <p:clrMapOvr>
+    <a:masterClrMapping/>
+  </p:clrMapOvr>
+</p:sld>
+</file>
+
+<file path=ppt/slides/slide17.xml><?xml version="1.0" encoding="utf-8"?>
+<p:sld xmlns:a="http://schemas.openxmlformats.org/drawingml/2006/main" xmlns:r="http://schemas.openxmlformats.org/officeDocument/2006/relationships" xmlns:p="http://schemas.openxmlformats.org/presentationml/2006/main">
+  <p:cSld>
+    <p:bg>
+      <p:bgPr>
+        <a:blipFill dpi="0" rotWithShape="1">
+          <a:blip r:embed="rId2">
+            <a:lum/>
+          </a:blip>
+          <a:srcRect/>
+          <a:stretch>
+            <a:fillRect/>
+          </a:stretch>
+        </a:blipFill>
+        <a:effectLst/>
+      </p:bgPr>
+    </p:bg>
+    <p:spTree>
+      <p:nvGrpSpPr>
+        <p:cNvPr id="1" name=""/>
+        <p:cNvGrpSpPr/>
+        <p:nvPr/>
+      </p:nvGrpSpPr>
+      <p:grpSpPr>
+        <a:xfrm>
+          <a:off x="0" y="0"/>
+          <a:ext cx="0" cy="0"/>
+          <a:chOff x="0" y="0"/>
+          <a:chExt cx="0" cy="0"/>
+        </a:xfrm>
+      </p:grpSpPr>
+      <p:sp>
+        <p:nvSpPr>
+          <p:cNvPr id="2" name="Title 1">
+            <a:extLst>
+              <a:ext uri="{FF2B5EF4-FFF2-40B4-BE49-F238E27FC236}">
+                <a16:creationId xmlns:a16="http://schemas.microsoft.com/office/drawing/2014/main" id="{55E11F08-6CA0-48F1-AD67-97430DDA07F0}"/>
+              </a:ext>
+            </a:extLst>
+          </p:cNvPr>
+          <p:cNvSpPr>
+            <a:spLocks noGrp="1"/>
+          </p:cNvSpPr>
+          <p:nvPr>
+            <p:ph type="title"/>
+          </p:nvPr>
+        </p:nvSpPr>
+        <p:spPr/>
+        <p:txBody>
+          <a:bodyPr/>
+          <a:lstStyle/>
+          <a:p>
+            <a:r>
+              <a:rPr lang="en-US" b="1" dirty="0">
+                <a:solidFill>
+                  <a:srgbClr val="292D33"/>
+                </a:solidFill>
+                <a:latin typeface="Euclid Circular B" panose="020B0504000000000000" pitchFamily="34" charset="0"/>
+                <a:ea typeface="Euclid Circular B" panose="020B0504000000000000" pitchFamily="34" charset="0"/>
+              </a:rPr>
+              <a:t>TODO</a:t>
+            </a:r>
+          </a:p>
+        </p:txBody>
+      </p:sp>
+      <p:sp>
+        <p:nvSpPr>
+          <p:cNvPr id="3" name="Content Placeholder 2">
+            <a:extLst>
+              <a:ext uri="{FF2B5EF4-FFF2-40B4-BE49-F238E27FC236}">
+                <a16:creationId xmlns:a16="http://schemas.microsoft.com/office/drawing/2014/main" id="{891C7693-D3DF-4635-96F4-97F3B4136FDF}"/>
+              </a:ext>
+            </a:extLst>
+          </p:cNvPr>
+          <p:cNvSpPr>
+            <a:spLocks noGrp="1"/>
+          </p:cNvSpPr>
+          <p:nvPr>
+            <p:ph idx="1"/>
+          </p:nvPr>
+        </p:nvSpPr>
+        <p:spPr/>
+        <p:txBody>
+          <a:bodyPr/>
+          <a:lstStyle/>
+          <a:p>
+            <a:r>
+              <a:rPr lang="en-US" dirty="0">
+                <a:latin typeface="Euclid Circular B" panose="020B0504000000000000" pitchFamily="34" charset="0"/>
+                <a:ea typeface="Euclid Circular B" panose="020B0504000000000000" pitchFamily="34" charset="0"/>
+              </a:rPr>
+              <a:t>Content</a:t>
+            </a:r>
+          </a:p>
+        </p:txBody>
+      </p:sp>
+    </p:spTree>
+    <p:extLst>
+      <p:ext uri="{BB962C8B-B14F-4D97-AF65-F5344CB8AC3E}">
+        <p14:creationId xmlns:p14="http://schemas.microsoft.com/office/powerpoint/2010/main" val="1518783928"/>
+      </p:ext>
+    </p:extLst>
+  </p:cSld>
+  <p:clrMapOvr>
+    <a:masterClrMapping/>
+  </p:clrMapOvr>
+  <p:timing>
+    <p:tnLst>
+      <p:par>
+        <p:cTn id="1" dur="indefinite" restart="never" nodeType="tmRoot">
+          <p:childTnLst>
+            <p:seq concurrent="1" nextAc="seek">
+              <p:cTn id="2" dur="indefinite" nodeType="mainSeq">
+                <p:childTnLst>
+                  <p:par>
+                    <p:cTn id="3" fill="hold">
+                      <p:stCondLst>
+                        <p:cond delay="indefinite"/>
+                      </p:stCondLst>
+                      <p:childTnLst>
+                        <p:par>
+                          <p:cTn id="4" fill="hold">
+                            <p:stCondLst>
+                              <p:cond delay="0"/>
+                            </p:stCondLst>
+                            <p:childTnLst>
+                              <p:par>
+                                <p:cTn id="5" presetID="10" presetClass="entr" presetSubtype="0" fill="hold" nodeType="clickEffect">
+                                  <p:stCondLst>
+                                    <p:cond delay="0"/>
+                                  </p:stCondLst>
+                                  <p:childTnLst>
+                                    <p:set>
+                                      <p:cBhvr>
+                                        <p:cTn id="6" dur="1" fill="hold">
+                                          <p:stCondLst>
+                                            <p:cond delay="0"/>
+                                          </p:stCondLst>
+                                        </p:cTn>
+                                        <p:tgtEl>
+                                          <p:spTgt spid="3">
+                                            <p:txEl>
+                                              <p:pRg st="0" end="0"/>
+                                            </p:txEl>
+                                          </p:spTgt>
+                                        </p:tgtEl>
+                                        <p:attrNameLst>
+                                          <p:attrName>style.visibility</p:attrName>
+                                        </p:attrNameLst>
+                                      </p:cBhvr>
+                                      <p:to>
+                                        <p:strVal val="visible"/>
+                                      </p:to>
+                                    </p:set>
+                                    <p:animEffect transition="in" filter="fade">
+                                      <p:cBhvr>
+                                        <p:cTn id="7" dur="500"/>
+                                        <p:tgtEl>
+                                          <p:spTgt spid="3">
+                                            <p:txEl>
+                                              <p:pRg st="0" end="0"/>
+                                            </p:txEl>
+                                          </p:spTgt>
+                                        </p:tgtEl>
+                                      </p:cBhvr>
+                                    </p:animEffect>
+                                  </p:childTnLst>
+                                </p:cTn>
+                              </p:par>
+                            </p:childTnLst>
+                          </p:cTn>
+                        </p:par>
+                      </p:childTnLst>
+                    </p:cTn>
+                  </p:par>
+                </p:childTnLst>
+              </p:cTn>
+              <p:prevCondLst>
+                <p:cond evt="onPrev" delay="0">
+                  <p:tgtEl>
+                    <p:sldTgt/>
+                  </p:tgtEl>
+                </p:cond>
+              </p:prevCondLst>
+              <p:nextCondLst>
+                <p:cond evt="onNext" delay="0">
+                  <p:tgtEl>
+                    <p:sldTgt/>
+                  </p:tgtEl>
+                </p:cond>
+              </p:nextCondLst>
+            </p:seq>
+          </p:childTnLst>
+        </p:cTn>
+      </p:par>
+    </p:tnLst>
+  </p:timing>
+</p:sld>
+</file>
+
+<file path=ppt/slides/slide18.xml><?xml version="1.0" encoding="utf-8"?>
+<p:sld xmlns:a="http://schemas.openxmlformats.org/drawingml/2006/main" xmlns:r="http://schemas.openxmlformats.org/officeDocument/2006/relationships" xmlns:p="http://schemas.openxmlformats.org/presentationml/2006/main">
+  <p:cSld>
+    <p:bg>
+      <p:bgPr>
+        <a:blipFill dpi="0" rotWithShape="1">
+          <a:blip r:embed="rId2">
+            <a:lum/>
+          </a:blip>
+          <a:srcRect/>
+          <a:stretch>
+            <a:fillRect/>
+          </a:stretch>
+        </a:blipFill>
+        <a:effectLst/>
+      </p:bgPr>
+    </p:bg>
+    <p:spTree>
+      <p:nvGrpSpPr>
+        <p:cNvPr id="1" name=""/>
+        <p:cNvGrpSpPr/>
+        <p:nvPr/>
+      </p:nvGrpSpPr>
+      <p:grpSpPr>
+        <a:xfrm>
+          <a:off x="0" y="0"/>
+          <a:ext cx="0" cy="0"/>
+          <a:chOff x="0" y="0"/>
+          <a:chExt cx="0" cy="0"/>
+        </a:xfrm>
+      </p:grpSpPr>
+      <p:sp>
+        <p:nvSpPr>
+          <p:cNvPr id="2" name="Title 1">
+            <a:extLst>
+              <a:ext uri="{FF2B5EF4-FFF2-40B4-BE49-F238E27FC236}">
+                <a16:creationId xmlns:a16="http://schemas.microsoft.com/office/drawing/2014/main" id="{55E11F08-6CA0-48F1-AD67-97430DDA07F0}"/>
+              </a:ext>
+            </a:extLst>
+          </p:cNvPr>
+          <p:cNvSpPr>
+            <a:spLocks noGrp="1"/>
+          </p:cNvSpPr>
+          <p:nvPr>
+            <p:ph type="title"/>
+          </p:nvPr>
+        </p:nvSpPr>
+        <p:spPr/>
+        <p:txBody>
+          <a:bodyPr/>
+          <a:lstStyle/>
+          <a:p>
+            <a:r>
+              <a:rPr lang="en-US" b="1" dirty="0">
+                <a:solidFill>
+                  <a:srgbClr val="292D33"/>
+                </a:solidFill>
+                <a:latin typeface="Euclid Circular B" panose="020B0504000000000000" pitchFamily="34" charset="0"/>
+                <a:ea typeface="Euclid Circular B" panose="020B0504000000000000" pitchFamily="34" charset="0"/>
+              </a:rPr>
+              <a:t>TODO</a:t>
+            </a:r>
+          </a:p>
+        </p:txBody>
+      </p:sp>
+      <p:sp>
+        <p:nvSpPr>
+          <p:cNvPr id="3" name="Content Placeholder 2">
+            <a:extLst>
+              <a:ext uri="{FF2B5EF4-FFF2-40B4-BE49-F238E27FC236}">
+                <a16:creationId xmlns:a16="http://schemas.microsoft.com/office/drawing/2014/main" id="{891C7693-D3DF-4635-96F4-97F3B4136FDF}"/>
+              </a:ext>
+            </a:extLst>
+          </p:cNvPr>
+          <p:cNvSpPr>
+            <a:spLocks noGrp="1"/>
+          </p:cNvSpPr>
+          <p:nvPr>
+            <p:ph idx="1"/>
+          </p:nvPr>
+        </p:nvSpPr>
+        <p:spPr/>
+        <p:txBody>
+          <a:bodyPr/>
+          <a:lstStyle/>
+          <a:p>
+            <a:r>
+              <a:rPr lang="en-US" dirty="0">
+                <a:latin typeface="Euclid Circular B" panose="020B0504000000000000" pitchFamily="34" charset="0"/>
+                <a:ea typeface="Euclid Circular B" panose="020B0504000000000000" pitchFamily="34" charset="0"/>
+              </a:rPr>
+              <a:t>Content</a:t>
+            </a:r>
+          </a:p>
+        </p:txBody>
+      </p:sp>
+    </p:spTree>
+    <p:extLst>
+      <p:ext uri="{BB962C8B-B14F-4D97-AF65-F5344CB8AC3E}">
+        <p14:creationId xmlns:p14="http://schemas.microsoft.com/office/powerpoint/2010/main" val="2836568528"/>
+      </p:ext>
+    </p:extLst>
+  </p:cSld>
+  <p:clrMapOvr>
+    <a:masterClrMapping/>
+  </p:clrMapOvr>
+  <p:timing>
+    <p:tnLst>
+      <p:par>
+        <p:cTn id="1" dur="indefinite" restart="never" nodeType="tmRoot">
+          <p:childTnLst>
+            <p:seq concurrent="1" nextAc="seek">
+              <p:cTn id="2" dur="indefinite" nodeType="mainSeq">
+                <p:childTnLst>
+                  <p:par>
+                    <p:cTn id="3" fill="hold">
+                      <p:stCondLst>
+                        <p:cond delay="indefinite"/>
+                      </p:stCondLst>
+                      <p:childTnLst>
+                        <p:par>
+                          <p:cTn id="4" fill="hold">
+                            <p:stCondLst>
+                              <p:cond delay="0"/>
+                            </p:stCondLst>
+                            <p:childTnLst>
+                              <p:par>
+                                <p:cTn id="5" presetID="10" presetClass="entr" presetSubtype="0" fill="hold" nodeType="clickEffect">
+                                  <p:stCondLst>
+                                    <p:cond delay="0"/>
+                                  </p:stCondLst>
+                                  <p:childTnLst>
+                                    <p:set>
+                                      <p:cBhvr>
+                                        <p:cTn id="6" dur="1" fill="hold">
+                                          <p:stCondLst>
+                                            <p:cond delay="0"/>
+                                          </p:stCondLst>
+                                        </p:cTn>
+                                        <p:tgtEl>
+                                          <p:spTgt spid="3">
+                                            <p:txEl>
+                                              <p:pRg st="0" end="0"/>
+                                            </p:txEl>
+                                          </p:spTgt>
+                                        </p:tgtEl>
+                                        <p:attrNameLst>
+                                          <p:attrName>style.visibility</p:attrName>
+                                        </p:attrNameLst>
+                                      </p:cBhvr>
+                                      <p:to>
+                                        <p:strVal val="visible"/>
+                                      </p:to>
+                                    </p:set>
+                                    <p:animEffect transition="in" filter="fade">
+                                      <p:cBhvr>
+                                        <p:cTn id="7" dur="500"/>
+                                        <p:tgtEl>
+                                          <p:spTgt spid="3">
+                                            <p:txEl>
+                                              <p:pRg st="0" end="0"/>
+                                            </p:txEl>
+                                          </p:spTgt>
+                                        </p:tgtEl>
+                                      </p:cBhvr>
+                                    </p:animEffect>
+                                  </p:childTnLst>
+                                </p:cTn>
+                              </p:par>
+                            </p:childTnLst>
+                          </p:cTn>
+                        </p:par>
+                      </p:childTnLst>
+                    </p:cTn>
+                  </p:par>
+                </p:childTnLst>
+              </p:cTn>
+              <p:prevCondLst>
+                <p:cond evt="onPrev" delay="0">
+                  <p:tgtEl>
+                    <p:sldTgt/>
+                  </p:tgtEl>
+                </p:cond>
+              </p:prevCondLst>
+              <p:nextCondLst>
+                <p:cond evt="onNext" delay="0">
+                  <p:tgtEl>
+                    <p:sldTgt/>
+                  </p:tgtEl>
+                </p:cond>
+              </p:nextCondLst>
+            </p:seq>
+          </p:childTnLst>
+        </p:cTn>
+      </p:par>
+    </p:tnLst>
+  </p:timing>
+</p:sld>
+</file>
+
+<file path=ppt/slides/slide19.xml><?xml version="1.0" encoding="utf-8"?>
+<p:sld xmlns:a="http://schemas.openxmlformats.org/drawingml/2006/main" xmlns:r="http://schemas.openxmlformats.org/officeDocument/2006/relationships" xmlns:p="http://schemas.openxmlformats.org/presentationml/2006/main">
+  <p:cSld>
+    <p:bg>
+      <p:bgPr>
+        <a:blipFill dpi="0" rotWithShape="1">
+          <a:blip r:embed="rId2">
+            <a:lum/>
+          </a:blip>
+          <a:srcRect/>
+          <a:stretch>
+            <a:fillRect/>
+          </a:stretch>
+        </a:blipFill>
+        <a:effectLst/>
+      </p:bgPr>
+    </p:bg>
+    <p:spTree>
+      <p:nvGrpSpPr>
+        <p:cNvPr id="1" name=""/>
+        <p:cNvGrpSpPr/>
+        <p:nvPr/>
+      </p:nvGrpSpPr>
+      <p:grpSpPr>
+        <a:xfrm>
+          <a:off x="0" y="0"/>
+          <a:ext cx="0" cy="0"/>
+          <a:chOff x="0" y="0"/>
+          <a:chExt cx="0" cy="0"/>
+        </a:xfrm>
+      </p:grpSpPr>
+      <p:sp>
+        <p:nvSpPr>
+          <p:cNvPr id="2" name="Title 1">
+            <a:extLst>
+              <a:ext uri="{FF2B5EF4-FFF2-40B4-BE49-F238E27FC236}">
+                <a16:creationId xmlns:a16="http://schemas.microsoft.com/office/drawing/2014/main" id="{55E11F08-6CA0-48F1-AD67-97430DDA07F0}"/>
+              </a:ext>
+            </a:extLst>
+          </p:cNvPr>
+          <p:cNvSpPr>
+            <a:spLocks noGrp="1"/>
+          </p:cNvSpPr>
+          <p:nvPr>
+            <p:ph type="title"/>
+          </p:nvPr>
+        </p:nvSpPr>
+        <p:spPr/>
+        <p:txBody>
+          <a:bodyPr/>
+          <a:lstStyle/>
+          <a:p>
+            <a:r>
+              <a:rPr lang="en-US" b="1" dirty="0">
+                <a:solidFill>
+                  <a:srgbClr val="292D33"/>
+                </a:solidFill>
+                <a:latin typeface="Euclid Circular B" panose="020B0504000000000000" pitchFamily="34" charset="0"/>
+                <a:ea typeface="Euclid Circular B" panose="020B0504000000000000" pitchFamily="34" charset="0"/>
+              </a:rPr>
+              <a:t>TODO</a:t>
+            </a:r>
+          </a:p>
+        </p:txBody>
+      </p:sp>
+      <p:sp>
+        <p:nvSpPr>
+          <p:cNvPr id="3" name="Content Placeholder 2">
+            <a:extLst>
+              <a:ext uri="{FF2B5EF4-FFF2-40B4-BE49-F238E27FC236}">
+                <a16:creationId xmlns:a16="http://schemas.microsoft.com/office/drawing/2014/main" id="{891C7693-D3DF-4635-96F4-97F3B4136FDF}"/>
+              </a:ext>
+            </a:extLst>
+          </p:cNvPr>
+          <p:cNvSpPr>
+            <a:spLocks noGrp="1"/>
+          </p:cNvSpPr>
+          <p:nvPr>
+            <p:ph idx="1"/>
+          </p:nvPr>
+        </p:nvSpPr>
+        <p:spPr/>
+        <p:txBody>
+          <a:bodyPr/>
+          <a:lstStyle/>
+          <a:p>
+            <a:r>
+              <a:rPr lang="en-US" dirty="0">
+                <a:latin typeface="Euclid Circular B" panose="020B0504000000000000" pitchFamily="34" charset="0"/>
+                <a:ea typeface="Euclid Circular B" panose="020B0504000000000000" pitchFamily="34" charset="0"/>
+              </a:rPr>
+              <a:t>Content</a:t>
+            </a:r>
+          </a:p>
+        </p:txBody>
+      </p:sp>
+    </p:spTree>
+    <p:extLst>
+      <p:ext uri="{BB962C8B-B14F-4D97-AF65-F5344CB8AC3E}">
+        <p14:creationId xmlns:p14="http://schemas.microsoft.com/office/powerpoint/2010/main" val="3548135479"/>
       </p:ext>
     </p:extLst>
   </p:cSld>
@@ -6199,6 +7921,606 @@
 </p:sld>
 </file>
 
+<file path=ppt/slides/slide20.xml><?xml version="1.0" encoding="utf-8"?>
+<p:sld xmlns:a="http://schemas.openxmlformats.org/drawingml/2006/main" xmlns:r="http://schemas.openxmlformats.org/officeDocument/2006/relationships" xmlns:p="http://schemas.openxmlformats.org/presentationml/2006/main">
+  <p:cSld>
+    <p:bg>
+      <p:bgPr>
+        <a:blipFill dpi="0" rotWithShape="1">
+          <a:blip r:embed="rId2">
+            <a:lum/>
+          </a:blip>
+          <a:srcRect/>
+          <a:stretch>
+            <a:fillRect/>
+          </a:stretch>
+        </a:blipFill>
+        <a:effectLst/>
+      </p:bgPr>
+    </p:bg>
+    <p:spTree>
+      <p:nvGrpSpPr>
+        <p:cNvPr id="1" name=""/>
+        <p:cNvGrpSpPr/>
+        <p:nvPr/>
+      </p:nvGrpSpPr>
+      <p:grpSpPr>
+        <a:xfrm>
+          <a:off x="0" y="0"/>
+          <a:ext cx="0" cy="0"/>
+          <a:chOff x="0" y="0"/>
+          <a:chExt cx="0" cy="0"/>
+        </a:xfrm>
+      </p:grpSpPr>
+      <p:sp>
+        <p:nvSpPr>
+          <p:cNvPr id="2" name="Title 1">
+            <a:extLst>
+              <a:ext uri="{FF2B5EF4-FFF2-40B4-BE49-F238E27FC236}">
+                <a16:creationId xmlns:a16="http://schemas.microsoft.com/office/drawing/2014/main" id="{55E11F08-6CA0-48F1-AD67-97430DDA07F0}"/>
+              </a:ext>
+            </a:extLst>
+          </p:cNvPr>
+          <p:cNvSpPr>
+            <a:spLocks noGrp="1"/>
+          </p:cNvSpPr>
+          <p:nvPr>
+            <p:ph type="title"/>
+          </p:nvPr>
+        </p:nvSpPr>
+        <p:spPr/>
+        <p:txBody>
+          <a:bodyPr/>
+          <a:lstStyle/>
+          <a:p>
+            <a:r>
+              <a:rPr lang="en-US" b="1" dirty="0">
+                <a:solidFill>
+                  <a:srgbClr val="292D33"/>
+                </a:solidFill>
+                <a:latin typeface="Euclid Circular B" panose="020B0504000000000000" pitchFamily="34" charset="0"/>
+                <a:ea typeface="Euclid Circular B" panose="020B0504000000000000" pitchFamily="34" charset="0"/>
+              </a:rPr>
+              <a:t>TODO</a:t>
+            </a:r>
+          </a:p>
+        </p:txBody>
+      </p:sp>
+      <p:sp>
+        <p:nvSpPr>
+          <p:cNvPr id="3" name="Content Placeholder 2">
+            <a:extLst>
+              <a:ext uri="{FF2B5EF4-FFF2-40B4-BE49-F238E27FC236}">
+                <a16:creationId xmlns:a16="http://schemas.microsoft.com/office/drawing/2014/main" id="{891C7693-D3DF-4635-96F4-97F3B4136FDF}"/>
+              </a:ext>
+            </a:extLst>
+          </p:cNvPr>
+          <p:cNvSpPr>
+            <a:spLocks noGrp="1"/>
+          </p:cNvSpPr>
+          <p:nvPr>
+            <p:ph idx="1"/>
+          </p:nvPr>
+        </p:nvSpPr>
+        <p:spPr/>
+        <p:txBody>
+          <a:bodyPr/>
+          <a:lstStyle/>
+          <a:p>
+            <a:r>
+              <a:rPr lang="en-US" dirty="0">
+                <a:latin typeface="Euclid Circular B" panose="020B0504000000000000" pitchFamily="34" charset="0"/>
+                <a:ea typeface="Euclid Circular B" panose="020B0504000000000000" pitchFamily="34" charset="0"/>
+              </a:rPr>
+              <a:t>Content</a:t>
+            </a:r>
+          </a:p>
+        </p:txBody>
+      </p:sp>
+    </p:spTree>
+    <p:extLst>
+      <p:ext uri="{BB962C8B-B14F-4D97-AF65-F5344CB8AC3E}">
+        <p14:creationId xmlns:p14="http://schemas.microsoft.com/office/powerpoint/2010/main" val="2181995549"/>
+      </p:ext>
+    </p:extLst>
+  </p:cSld>
+  <p:clrMapOvr>
+    <a:masterClrMapping/>
+  </p:clrMapOvr>
+  <p:timing>
+    <p:tnLst>
+      <p:par>
+        <p:cTn id="1" dur="indefinite" restart="never" nodeType="tmRoot">
+          <p:childTnLst>
+            <p:seq concurrent="1" nextAc="seek">
+              <p:cTn id="2" dur="indefinite" nodeType="mainSeq">
+                <p:childTnLst>
+                  <p:par>
+                    <p:cTn id="3" fill="hold">
+                      <p:stCondLst>
+                        <p:cond delay="indefinite"/>
+                      </p:stCondLst>
+                      <p:childTnLst>
+                        <p:par>
+                          <p:cTn id="4" fill="hold">
+                            <p:stCondLst>
+                              <p:cond delay="0"/>
+                            </p:stCondLst>
+                            <p:childTnLst>
+                              <p:par>
+                                <p:cTn id="5" presetID="10" presetClass="entr" presetSubtype="0" fill="hold" nodeType="clickEffect">
+                                  <p:stCondLst>
+                                    <p:cond delay="0"/>
+                                  </p:stCondLst>
+                                  <p:childTnLst>
+                                    <p:set>
+                                      <p:cBhvr>
+                                        <p:cTn id="6" dur="1" fill="hold">
+                                          <p:stCondLst>
+                                            <p:cond delay="0"/>
+                                          </p:stCondLst>
+                                        </p:cTn>
+                                        <p:tgtEl>
+                                          <p:spTgt spid="3">
+                                            <p:txEl>
+                                              <p:pRg st="0" end="0"/>
+                                            </p:txEl>
+                                          </p:spTgt>
+                                        </p:tgtEl>
+                                        <p:attrNameLst>
+                                          <p:attrName>style.visibility</p:attrName>
+                                        </p:attrNameLst>
+                                      </p:cBhvr>
+                                      <p:to>
+                                        <p:strVal val="visible"/>
+                                      </p:to>
+                                    </p:set>
+                                    <p:animEffect transition="in" filter="fade">
+                                      <p:cBhvr>
+                                        <p:cTn id="7" dur="500"/>
+                                        <p:tgtEl>
+                                          <p:spTgt spid="3">
+                                            <p:txEl>
+                                              <p:pRg st="0" end="0"/>
+                                            </p:txEl>
+                                          </p:spTgt>
+                                        </p:tgtEl>
+                                      </p:cBhvr>
+                                    </p:animEffect>
+                                  </p:childTnLst>
+                                </p:cTn>
+                              </p:par>
+                            </p:childTnLst>
+                          </p:cTn>
+                        </p:par>
+                      </p:childTnLst>
+                    </p:cTn>
+                  </p:par>
+                </p:childTnLst>
+              </p:cTn>
+              <p:prevCondLst>
+                <p:cond evt="onPrev" delay="0">
+                  <p:tgtEl>
+                    <p:sldTgt/>
+                  </p:tgtEl>
+                </p:cond>
+              </p:prevCondLst>
+              <p:nextCondLst>
+                <p:cond evt="onNext" delay="0">
+                  <p:tgtEl>
+                    <p:sldTgt/>
+                  </p:tgtEl>
+                </p:cond>
+              </p:nextCondLst>
+            </p:seq>
+          </p:childTnLst>
+        </p:cTn>
+      </p:par>
+    </p:tnLst>
+  </p:timing>
+</p:sld>
+</file>
+
+<file path=ppt/slides/slide21.xml><?xml version="1.0" encoding="utf-8"?>
+<p:sld xmlns:a="http://schemas.openxmlformats.org/drawingml/2006/main" xmlns:r="http://schemas.openxmlformats.org/officeDocument/2006/relationships" xmlns:p="http://schemas.openxmlformats.org/presentationml/2006/main">
+  <p:cSld>
+    <p:bg>
+      <p:bgPr>
+        <a:blipFill dpi="0" rotWithShape="1">
+          <a:blip r:embed="rId2">
+            <a:lum/>
+          </a:blip>
+          <a:srcRect/>
+          <a:stretch>
+            <a:fillRect/>
+          </a:stretch>
+        </a:blipFill>
+        <a:effectLst/>
+      </p:bgPr>
+    </p:bg>
+    <p:spTree>
+      <p:nvGrpSpPr>
+        <p:cNvPr id="1" name=""/>
+        <p:cNvGrpSpPr/>
+        <p:nvPr/>
+      </p:nvGrpSpPr>
+      <p:grpSpPr>
+        <a:xfrm>
+          <a:off x="0" y="0"/>
+          <a:ext cx="0" cy="0"/>
+          <a:chOff x="0" y="0"/>
+          <a:chExt cx="0" cy="0"/>
+        </a:xfrm>
+      </p:grpSpPr>
+      <p:sp>
+        <p:nvSpPr>
+          <p:cNvPr id="2" name="Title 1">
+            <a:extLst>
+              <a:ext uri="{FF2B5EF4-FFF2-40B4-BE49-F238E27FC236}">
+                <a16:creationId xmlns:a16="http://schemas.microsoft.com/office/drawing/2014/main" id="{55E11F08-6CA0-48F1-AD67-97430DDA07F0}"/>
+              </a:ext>
+            </a:extLst>
+          </p:cNvPr>
+          <p:cNvSpPr>
+            <a:spLocks noGrp="1"/>
+          </p:cNvSpPr>
+          <p:nvPr>
+            <p:ph type="title"/>
+          </p:nvPr>
+        </p:nvSpPr>
+        <p:spPr/>
+        <p:txBody>
+          <a:bodyPr/>
+          <a:lstStyle/>
+          <a:p>
+            <a:r>
+              <a:rPr lang="en-US" b="1" dirty="0">
+                <a:solidFill>
+                  <a:srgbClr val="292D33"/>
+                </a:solidFill>
+                <a:latin typeface="Euclid Circular B" panose="020B0504000000000000" pitchFamily="34" charset="0"/>
+                <a:ea typeface="Euclid Circular B" panose="020B0504000000000000" pitchFamily="34" charset="0"/>
+              </a:rPr>
+              <a:t>TODO</a:t>
+            </a:r>
+          </a:p>
+        </p:txBody>
+      </p:sp>
+      <p:sp>
+        <p:nvSpPr>
+          <p:cNvPr id="3" name="Content Placeholder 2">
+            <a:extLst>
+              <a:ext uri="{FF2B5EF4-FFF2-40B4-BE49-F238E27FC236}">
+                <a16:creationId xmlns:a16="http://schemas.microsoft.com/office/drawing/2014/main" id="{891C7693-D3DF-4635-96F4-97F3B4136FDF}"/>
+              </a:ext>
+            </a:extLst>
+          </p:cNvPr>
+          <p:cNvSpPr>
+            <a:spLocks noGrp="1"/>
+          </p:cNvSpPr>
+          <p:nvPr>
+            <p:ph idx="1"/>
+          </p:nvPr>
+        </p:nvSpPr>
+        <p:spPr/>
+        <p:txBody>
+          <a:bodyPr/>
+          <a:lstStyle/>
+          <a:p>
+            <a:r>
+              <a:rPr lang="en-US" dirty="0">
+                <a:latin typeface="Euclid Circular B" panose="020B0504000000000000" pitchFamily="34" charset="0"/>
+                <a:ea typeface="Euclid Circular B" panose="020B0504000000000000" pitchFamily="34" charset="0"/>
+              </a:rPr>
+              <a:t>Content</a:t>
+            </a:r>
+          </a:p>
+        </p:txBody>
+      </p:sp>
+    </p:spTree>
+    <p:extLst>
+      <p:ext uri="{BB962C8B-B14F-4D97-AF65-F5344CB8AC3E}">
+        <p14:creationId xmlns:p14="http://schemas.microsoft.com/office/powerpoint/2010/main" val="1419449436"/>
+      </p:ext>
+    </p:extLst>
+  </p:cSld>
+  <p:clrMapOvr>
+    <a:masterClrMapping/>
+  </p:clrMapOvr>
+  <p:timing>
+    <p:tnLst>
+      <p:par>
+        <p:cTn id="1" dur="indefinite" restart="never" nodeType="tmRoot">
+          <p:childTnLst>
+            <p:seq concurrent="1" nextAc="seek">
+              <p:cTn id="2" dur="indefinite" nodeType="mainSeq">
+                <p:childTnLst>
+                  <p:par>
+                    <p:cTn id="3" fill="hold">
+                      <p:stCondLst>
+                        <p:cond delay="indefinite"/>
+                      </p:stCondLst>
+                      <p:childTnLst>
+                        <p:par>
+                          <p:cTn id="4" fill="hold">
+                            <p:stCondLst>
+                              <p:cond delay="0"/>
+                            </p:stCondLst>
+                            <p:childTnLst>
+                              <p:par>
+                                <p:cTn id="5" presetID="10" presetClass="entr" presetSubtype="0" fill="hold" nodeType="clickEffect">
+                                  <p:stCondLst>
+                                    <p:cond delay="0"/>
+                                  </p:stCondLst>
+                                  <p:childTnLst>
+                                    <p:set>
+                                      <p:cBhvr>
+                                        <p:cTn id="6" dur="1" fill="hold">
+                                          <p:stCondLst>
+                                            <p:cond delay="0"/>
+                                          </p:stCondLst>
+                                        </p:cTn>
+                                        <p:tgtEl>
+                                          <p:spTgt spid="3">
+                                            <p:txEl>
+                                              <p:pRg st="0" end="0"/>
+                                            </p:txEl>
+                                          </p:spTgt>
+                                        </p:tgtEl>
+                                        <p:attrNameLst>
+                                          <p:attrName>style.visibility</p:attrName>
+                                        </p:attrNameLst>
+                                      </p:cBhvr>
+                                      <p:to>
+                                        <p:strVal val="visible"/>
+                                      </p:to>
+                                    </p:set>
+                                    <p:animEffect transition="in" filter="fade">
+                                      <p:cBhvr>
+                                        <p:cTn id="7" dur="500"/>
+                                        <p:tgtEl>
+                                          <p:spTgt spid="3">
+                                            <p:txEl>
+                                              <p:pRg st="0" end="0"/>
+                                            </p:txEl>
+                                          </p:spTgt>
+                                        </p:tgtEl>
+                                      </p:cBhvr>
+                                    </p:animEffect>
+                                  </p:childTnLst>
+                                </p:cTn>
+                              </p:par>
+                            </p:childTnLst>
+                          </p:cTn>
+                        </p:par>
+                      </p:childTnLst>
+                    </p:cTn>
+                  </p:par>
+                </p:childTnLst>
+              </p:cTn>
+              <p:prevCondLst>
+                <p:cond evt="onPrev" delay="0">
+                  <p:tgtEl>
+                    <p:sldTgt/>
+                  </p:tgtEl>
+                </p:cond>
+              </p:prevCondLst>
+              <p:nextCondLst>
+                <p:cond evt="onNext" delay="0">
+                  <p:tgtEl>
+                    <p:sldTgt/>
+                  </p:tgtEl>
+                </p:cond>
+              </p:nextCondLst>
+            </p:seq>
+          </p:childTnLst>
+        </p:cTn>
+      </p:par>
+    </p:tnLst>
+  </p:timing>
+</p:sld>
+</file>
+
+<file path=ppt/slides/slide22.xml><?xml version="1.0" encoding="utf-8"?>
+<p:sld xmlns:a="http://schemas.openxmlformats.org/drawingml/2006/main" xmlns:r="http://schemas.openxmlformats.org/officeDocument/2006/relationships" xmlns:p="http://schemas.openxmlformats.org/presentationml/2006/main">
+  <p:cSld>
+    <p:bg>
+      <p:bgPr>
+        <a:blipFill dpi="0" rotWithShape="1">
+          <a:blip r:embed="rId2">
+            <a:lum/>
+          </a:blip>
+          <a:srcRect/>
+          <a:stretch>
+            <a:fillRect/>
+          </a:stretch>
+        </a:blipFill>
+        <a:effectLst/>
+      </p:bgPr>
+    </p:bg>
+    <p:spTree>
+      <p:nvGrpSpPr>
+        <p:cNvPr id="1" name=""/>
+        <p:cNvGrpSpPr/>
+        <p:nvPr/>
+      </p:nvGrpSpPr>
+      <p:grpSpPr>
+        <a:xfrm>
+          <a:off x="0" y="0"/>
+          <a:ext cx="0" cy="0"/>
+          <a:chOff x="0" y="0"/>
+          <a:chExt cx="0" cy="0"/>
+        </a:xfrm>
+      </p:grpSpPr>
+      <p:sp>
+        <p:nvSpPr>
+          <p:cNvPr id="2" name="Title 1">
+            <a:extLst>
+              <a:ext uri="{FF2B5EF4-FFF2-40B4-BE49-F238E27FC236}">
+                <a16:creationId xmlns:a16="http://schemas.microsoft.com/office/drawing/2014/main" id="{55E11F08-6CA0-48F1-AD67-97430DDA07F0}"/>
+              </a:ext>
+            </a:extLst>
+          </p:cNvPr>
+          <p:cNvSpPr>
+            <a:spLocks noGrp="1"/>
+          </p:cNvSpPr>
+          <p:nvPr>
+            <p:ph type="title"/>
+          </p:nvPr>
+        </p:nvSpPr>
+        <p:spPr/>
+        <p:txBody>
+          <a:bodyPr/>
+          <a:lstStyle/>
+          <a:p>
+            <a:r>
+              <a:rPr lang="en-US" b="1" dirty="0">
+                <a:solidFill>
+                  <a:srgbClr val="292D33"/>
+                </a:solidFill>
+                <a:latin typeface="Euclid Circular B" panose="020B0504000000000000" pitchFamily="34" charset="0"/>
+                <a:ea typeface="Euclid Circular B" panose="020B0504000000000000" pitchFamily="34" charset="0"/>
+              </a:rPr>
+              <a:t>TODO</a:t>
+            </a:r>
+          </a:p>
+        </p:txBody>
+      </p:sp>
+      <p:sp>
+        <p:nvSpPr>
+          <p:cNvPr id="3" name="Content Placeholder 2">
+            <a:extLst>
+              <a:ext uri="{FF2B5EF4-FFF2-40B4-BE49-F238E27FC236}">
+                <a16:creationId xmlns:a16="http://schemas.microsoft.com/office/drawing/2014/main" id="{891C7693-D3DF-4635-96F4-97F3B4136FDF}"/>
+              </a:ext>
+            </a:extLst>
+          </p:cNvPr>
+          <p:cNvSpPr>
+            <a:spLocks noGrp="1"/>
+          </p:cNvSpPr>
+          <p:nvPr>
+            <p:ph idx="1"/>
+          </p:nvPr>
+        </p:nvSpPr>
+        <p:spPr/>
+        <p:txBody>
+          <a:bodyPr/>
+          <a:lstStyle/>
+          <a:p>
+            <a:r>
+              <a:rPr lang="en-US" dirty="0">
+                <a:latin typeface="Euclid Circular B" panose="020B0504000000000000" pitchFamily="34" charset="0"/>
+                <a:ea typeface="Euclid Circular B" panose="020B0504000000000000" pitchFamily="34" charset="0"/>
+              </a:rPr>
+              <a:t>Content</a:t>
+            </a:r>
+          </a:p>
+        </p:txBody>
+      </p:sp>
+    </p:spTree>
+    <p:extLst>
+      <p:ext uri="{BB962C8B-B14F-4D97-AF65-F5344CB8AC3E}">
+        <p14:creationId xmlns:p14="http://schemas.microsoft.com/office/powerpoint/2010/main" val="852508637"/>
+      </p:ext>
+    </p:extLst>
+  </p:cSld>
+  <p:clrMapOvr>
+    <a:masterClrMapping/>
+  </p:clrMapOvr>
+  <p:timing>
+    <p:tnLst>
+      <p:par>
+        <p:cTn id="1" dur="indefinite" restart="never" nodeType="tmRoot">
+          <p:childTnLst>
+            <p:seq concurrent="1" nextAc="seek">
+              <p:cTn id="2" dur="indefinite" nodeType="mainSeq">
+                <p:childTnLst>
+                  <p:par>
+                    <p:cTn id="3" fill="hold">
+                      <p:stCondLst>
+                        <p:cond delay="indefinite"/>
+                      </p:stCondLst>
+                      <p:childTnLst>
+                        <p:par>
+                          <p:cTn id="4" fill="hold">
+                            <p:stCondLst>
+                              <p:cond delay="0"/>
+                            </p:stCondLst>
+                            <p:childTnLst>
+                              <p:par>
+                                <p:cTn id="5" presetID="10" presetClass="entr" presetSubtype="0" fill="hold" nodeType="clickEffect">
+                                  <p:stCondLst>
+                                    <p:cond delay="0"/>
+                                  </p:stCondLst>
+                                  <p:childTnLst>
+                                    <p:set>
+                                      <p:cBhvr>
+                                        <p:cTn id="6" dur="1" fill="hold">
+                                          <p:stCondLst>
+                                            <p:cond delay="0"/>
+                                          </p:stCondLst>
+                                        </p:cTn>
+                                        <p:tgtEl>
+                                          <p:spTgt spid="3">
+                                            <p:txEl>
+                                              <p:pRg st="0" end="0"/>
+                                            </p:txEl>
+                                          </p:spTgt>
+                                        </p:tgtEl>
+                                        <p:attrNameLst>
+                                          <p:attrName>style.visibility</p:attrName>
+                                        </p:attrNameLst>
+                                      </p:cBhvr>
+                                      <p:to>
+                                        <p:strVal val="visible"/>
+                                      </p:to>
+                                    </p:set>
+                                    <p:animEffect transition="in" filter="fade">
+                                      <p:cBhvr>
+                                        <p:cTn id="7" dur="500"/>
+                                        <p:tgtEl>
+                                          <p:spTgt spid="3">
+                                            <p:txEl>
+                                              <p:pRg st="0" end="0"/>
+                                            </p:txEl>
+                                          </p:spTgt>
+                                        </p:tgtEl>
+                                      </p:cBhvr>
+                                    </p:animEffect>
+                                  </p:childTnLst>
+                                </p:cTn>
+                              </p:par>
+                            </p:childTnLst>
+                          </p:cTn>
+                        </p:par>
+                      </p:childTnLst>
+                    </p:cTn>
+                  </p:par>
+                </p:childTnLst>
+              </p:cTn>
+              <p:prevCondLst>
+                <p:cond evt="onPrev" delay="0">
+                  <p:tgtEl>
+                    <p:sldTgt/>
+                  </p:tgtEl>
+                </p:cond>
+              </p:prevCondLst>
+              <p:nextCondLst>
+                <p:cond evt="onNext" delay="0">
+                  <p:tgtEl>
+                    <p:sldTgt/>
+                  </p:tgtEl>
+                </p:cond>
+              </p:nextCondLst>
+            </p:seq>
+          </p:childTnLst>
+        </p:cTn>
+      </p:par>
+    </p:tnLst>
+  </p:timing>
+</p:sld>
+</file>
+
 <file path=ppt/slides/slide3.xml><?xml version="1.0" encoding="utf-8"?>
 <p:sld xmlns:a="http://schemas.openxmlformats.org/drawingml/2006/main" xmlns:r="http://schemas.openxmlformats.org/officeDocument/2006/relationships" xmlns:p="http://schemas.openxmlformats.org/presentationml/2006/main">
   <p:cSld>
@@ -11102,7 +13424,7 @@
         </p:nvSpPr>
         <p:spPr>
           <a:xfrm>
-            <a:off x="7995763" y="4341049"/>
+            <a:off x="7392448" y="4435317"/>
             <a:ext cx="2300785" cy="520668"/>
           </a:xfrm>
           <a:prstGeom prst="rect">
@@ -11151,7 +13473,7 @@
         </p:nvSpPr>
         <p:spPr>
           <a:xfrm>
-            <a:off x="7995762" y="3168667"/>
+            <a:off x="7392447" y="3262935"/>
             <a:ext cx="2300785" cy="520667"/>
           </a:xfrm>
           <a:prstGeom prst="rect">
@@ -11200,7 +13522,7 @@
         </p:nvSpPr>
         <p:spPr>
           <a:xfrm>
-            <a:off x="7995761" y="1996283"/>
+            <a:off x="7392446" y="2090551"/>
             <a:ext cx="2300785" cy="520668"/>
           </a:xfrm>
           <a:prstGeom prst="rect">
@@ -11249,7 +13571,7 @@
         </p:nvSpPr>
         <p:spPr>
           <a:xfrm>
-            <a:off x="5778674" y="1986154"/>
+            <a:off x="5175359" y="2080422"/>
             <a:ext cx="502856" cy="2875561"/>
           </a:xfrm>
           <a:prstGeom prst="rect">
@@ -11298,7 +13620,7 @@
         </p:nvSpPr>
         <p:spPr>
           <a:xfrm>
-            <a:off x="1863648" y="2568707"/>
+            <a:off x="1260333" y="2662975"/>
             <a:ext cx="2300785" cy="520667"/>
           </a:xfrm>
           <a:prstGeom prst="rect">
@@ -11347,7 +13669,7 @@
         </p:nvSpPr>
         <p:spPr>
           <a:xfrm>
-            <a:off x="1863647" y="3820382"/>
+            <a:off x="1260332" y="3914650"/>
             <a:ext cx="2300785" cy="520667"/>
           </a:xfrm>
           <a:prstGeom prst="rect">
@@ -11418,7 +13740,7 @@
         </p:nvCxnSpPr>
         <p:spPr>
           <a:xfrm flipV="1">
-            <a:off x="4164433" y="2829040"/>
+            <a:off x="3561118" y="2923308"/>
             <a:ext cx="1614241" cy="1"/>
           </a:xfrm>
           <a:prstGeom prst="straightConnector1">
@@ -11426,10 +13748,7 @@
           </a:prstGeom>
           <a:ln w="25400">
             <a:solidFill>
-              <a:schemeClr val="tx1">
-                <a:lumMod val="75000"/>
-                <a:lumOff val="25000"/>
-              </a:schemeClr>
+              <a:schemeClr val="accent2"/>
             </a:solidFill>
             <a:tailEnd type="triangle"/>
           </a:ln>
@@ -11466,7 +13785,7 @@
         </p:nvCxnSpPr>
         <p:spPr>
           <a:xfrm flipV="1">
-            <a:off x="4164432" y="4080715"/>
+            <a:off x="3561117" y="4174983"/>
             <a:ext cx="1614241" cy="1"/>
           </a:xfrm>
           <a:prstGeom prst="straightConnector1">
@@ -11474,10 +13793,7 @@
           </a:prstGeom>
           <a:ln w="25400">
             <a:solidFill>
-              <a:schemeClr val="tx1">
-                <a:lumMod val="75000"/>
-                <a:lumOff val="25000"/>
-              </a:schemeClr>
+              <a:schemeClr val="accent2"/>
             </a:solidFill>
             <a:tailEnd type="triangle"/>
           </a:ln>
@@ -11514,7 +13830,7 @@
         </p:nvCxnSpPr>
         <p:spPr>
           <a:xfrm>
-            <a:off x="6281530" y="2256617"/>
+            <a:off x="5678215" y="2350885"/>
             <a:ext cx="1714231" cy="0"/>
           </a:xfrm>
           <a:prstGeom prst="straightConnector1">
@@ -11560,7 +13876,7 @@
         </p:nvCxnSpPr>
         <p:spPr>
           <a:xfrm>
-            <a:off x="6281530" y="3423935"/>
+            <a:off x="5678215" y="3518203"/>
             <a:ext cx="1714232" cy="5066"/>
           </a:xfrm>
           <a:prstGeom prst="straightConnector1">
@@ -11605,7 +13921,7 @@
         </p:nvCxnSpPr>
         <p:spPr>
           <a:xfrm>
-            <a:off x="6281530" y="4591255"/>
+            <a:off x="5678215" y="4685523"/>
             <a:ext cx="1714233" cy="10128"/>
           </a:xfrm>
           <a:prstGeom prst="straightConnector1">
@@ -11651,7 +13967,7 @@
         </p:nvCxnSpPr>
         <p:spPr>
           <a:xfrm flipH="1" flipV="1">
-            <a:off x="9146154" y="2516951"/>
+            <a:off x="8542839" y="2611219"/>
             <a:ext cx="1" cy="651716"/>
           </a:xfrm>
           <a:prstGeom prst="straightConnector1">
@@ -11697,7 +14013,7 @@
         </p:nvCxnSpPr>
         <p:spPr>
           <a:xfrm flipH="1" flipV="1">
-            <a:off x="9146155" y="3689334"/>
+            <a:off x="8542840" y="3783602"/>
             <a:ext cx="1" cy="651715"/>
           </a:xfrm>
           <a:prstGeom prst="straightConnector1">
@@ -11725,6 +14041,317 @@
           </a:fontRef>
         </p:style>
       </p:cxnSp>
+      <p:sp>
+        <p:nvSpPr>
+          <p:cNvPr id="40" name="TextBox 39">
+            <a:extLst>
+              <a:ext uri="{FF2B5EF4-FFF2-40B4-BE49-F238E27FC236}">
+                <a16:creationId xmlns:a16="http://schemas.microsoft.com/office/drawing/2014/main" id="{C21D0F38-452F-5F4B-B72E-AFC7D5DB8B22}"/>
+              </a:ext>
+            </a:extLst>
+          </p:cNvPr>
+          <p:cNvSpPr txBox="1"/>
+          <p:nvPr/>
+        </p:nvSpPr>
+        <p:spPr>
+          <a:xfrm>
+            <a:off x="3657081" y="2901374"/>
+            <a:ext cx="1422312" cy="584775"/>
+          </a:xfrm>
+          <a:prstGeom prst="rect">
+            <a:avLst/>
+          </a:prstGeom>
+          <a:noFill/>
+        </p:spPr>
+        <p:txBody>
+          <a:bodyPr wrap="none" rtlCol="0">
+            <a:spAutoFit/>
+          </a:bodyPr>
+          <a:lstStyle/>
+          <a:p>
+            <a:pPr algn="ctr"/>
+            <a:r>
+              <a:rPr lang="en-US" sz="1600" dirty="0"/>
+              <a:t>HTTP Requests</a:t>
+            </a:r>
+            <a:br>
+              <a:rPr lang="en-US" sz="1600" dirty="0"/>
+            </a:br>
+            <a:r>
+              <a:rPr lang="en-US" sz="1600" i="1" dirty="0"/>
+              <a:t>(external)</a:t>
+            </a:r>
+          </a:p>
+        </p:txBody>
+      </p:sp>
+      <p:sp>
+        <p:nvSpPr>
+          <p:cNvPr id="41" name="TextBox 40">
+            <a:extLst>
+              <a:ext uri="{FF2B5EF4-FFF2-40B4-BE49-F238E27FC236}">
+                <a16:creationId xmlns:a16="http://schemas.microsoft.com/office/drawing/2014/main" id="{4901296E-04DB-E865-852D-860B829AB311}"/>
+              </a:ext>
+            </a:extLst>
+          </p:cNvPr>
+          <p:cNvSpPr txBox="1"/>
+          <p:nvPr/>
+        </p:nvSpPr>
+        <p:spPr>
+          <a:xfrm>
+            <a:off x="3635940" y="4174068"/>
+            <a:ext cx="1422312" cy="584775"/>
+          </a:xfrm>
+          <a:prstGeom prst="rect">
+            <a:avLst/>
+          </a:prstGeom>
+          <a:noFill/>
+        </p:spPr>
+        <p:txBody>
+          <a:bodyPr wrap="none" rtlCol="0">
+            <a:spAutoFit/>
+          </a:bodyPr>
+          <a:lstStyle/>
+          <a:p>
+            <a:pPr algn="ctr"/>
+            <a:r>
+              <a:rPr lang="en-US" sz="1600" dirty="0"/>
+              <a:t>HTTP Requests</a:t>
+            </a:r>
+            <a:br>
+              <a:rPr lang="en-US" sz="1600" dirty="0"/>
+            </a:br>
+            <a:r>
+              <a:rPr lang="en-US" sz="1600" i="1" dirty="0"/>
+              <a:t>(external)</a:t>
+            </a:r>
+          </a:p>
+        </p:txBody>
+      </p:sp>
+      <p:sp>
+        <p:nvSpPr>
+          <p:cNvPr id="42" name="TextBox 41">
+            <a:extLst>
+              <a:ext uri="{FF2B5EF4-FFF2-40B4-BE49-F238E27FC236}">
+                <a16:creationId xmlns:a16="http://schemas.microsoft.com/office/drawing/2014/main" id="{9DE28F4E-C22E-1C95-6E71-731248975F4F}"/>
+              </a:ext>
+            </a:extLst>
+          </p:cNvPr>
+          <p:cNvSpPr txBox="1"/>
+          <p:nvPr/>
+        </p:nvSpPr>
+        <p:spPr>
+          <a:xfrm>
+            <a:off x="5789092" y="2370587"/>
+            <a:ext cx="1422312" cy="584775"/>
+          </a:xfrm>
+          <a:prstGeom prst="rect">
+            <a:avLst/>
+          </a:prstGeom>
+          <a:noFill/>
+        </p:spPr>
+        <p:txBody>
+          <a:bodyPr wrap="none" rtlCol="0">
+            <a:spAutoFit/>
+          </a:bodyPr>
+          <a:lstStyle/>
+          <a:p>
+            <a:pPr algn="ctr"/>
+            <a:r>
+              <a:rPr lang="en-US" sz="1600" dirty="0"/>
+              <a:t>HTTP Requests</a:t>
+            </a:r>
+            <a:br>
+              <a:rPr lang="en-US" sz="1600" dirty="0"/>
+            </a:br>
+            <a:r>
+              <a:rPr lang="en-US" sz="1600" i="1" dirty="0"/>
+              <a:t>(external)</a:t>
+            </a:r>
+          </a:p>
+        </p:txBody>
+      </p:sp>
+      <p:sp>
+        <p:nvSpPr>
+          <p:cNvPr id="43" name="TextBox 42">
+            <a:extLst>
+              <a:ext uri="{FF2B5EF4-FFF2-40B4-BE49-F238E27FC236}">
+                <a16:creationId xmlns:a16="http://schemas.microsoft.com/office/drawing/2014/main" id="{FB84113C-B321-E711-4C30-BBD13237ABEB}"/>
+              </a:ext>
+            </a:extLst>
+          </p:cNvPr>
+          <p:cNvSpPr txBox="1"/>
+          <p:nvPr/>
+        </p:nvSpPr>
+        <p:spPr>
+          <a:xfrm>
+            <a:off x="5783608" y="3524619"/>
+            <a:ext cx="1422312" cy="584775"/>
+          </a:xfrm>
+          <a:prstGeom prst="rect">
+            <a:avLst/>
+          </a:prstGeom>
+          <a:noFill/>
+        </p:spPr>
+        <p:txBody>
+          <a:bodyPr wrap="none" rtlCol="0">
+            <a:spAutoFit/>
+          </a:bodyPr>
+          <a:lstStyle/>
+          <a:p>
+            <a:pPr algn="ctr"/>
+            <a:r>
+              <a:rPr lang="en-US" sz="1600" dirty="0"/>
+              <a:t>HTTP Requests</a:t>
+            </a:r>
+            <a:br>
+              <a:rPr lang="en-US" sz="1600" dirty="0"/>
+            </a:br>
+            <a:r>
+              <a:rPr lang="en-US" sz="1600" i="1" dirty="0"/>
+              <a:t>(external)</a:t>
+            </a:r>
+          </a:p>
+        </p:txBody>
+      </p:sp>
+      <p:sp>
+        <p:nvSpPr>
+          <p:cNvPr id="44" name="TextBox 43">
+            <a:extLst>
+              <a:ext uri="{FF2B5EF4-FFF2-40B4-BE49-F238E27FC236}">
+                <a16:creationId xmlns:a16="http://schemas.microsoft.com/office/drawing/2014/main" id="{FE5F78D1-B6CD-7F0A-979B-38D4AE56C0A2}"/>
+              </a:ext>
+            </a:extLst>
+          </p:cNvPr>
+          <p:cNvSpPr txBox="1"/>
+          <p:nvPr/>
+        </p:nvSpPr>
+        <p:spPr>
+          <a:xfrm>
+            <a:off x="5827172" y="4718927"/>
+            <a:ext cx="1422312" cy="584775"/>
+          </a:xfrm>
+          <a:prstGeom prst="rect">
+            <a:avLst/>
+          </a:prstGeom>
+          <a:noFill/>
+        </p:spPr>
+        <p:txBody>
+          <a:bodyPr wrap="none" rtlCol="0">
+            <a:spAutoFit/>
+          </a:bodyPr>
+          <a:lstStyle/>
+          <a:p>
+            <a:pPr algn="ctr"/>
+            <a:r>
+              <a:rPr lang="en-US" sz="1600" dirty="0"/>
+              <a:t>HTTP Requests</a:t>
+            </a:r>
+            <a:br>
+              <a:rPr lang="en-US" sz="1600" dirty="0"/>
+            </a:br>
+            <a:r>
+              <a:rPr lang="en-US" sz="1600" i="1" dirty="0"/>
+              <a:t>(external)</a:t>
+            </a:r>
+          </a:p>
+        </p:txBody>
+      </p:sp>
+      <p:sp>
+        <p:nvSpPr>
+          <p:cNvPr id="45" name="TextBox 44">
+            <a:extLst>
+              <a:ext uri="{FF2B5EF4-FFF2-40B4-BE49-F238E27FC236}">
+                <a16:creationId xmlns:a16="http://schemas.microsoft.com/office/drawing/2014/main" id="{89D5FE45-7BC8-2CDC-49E2-5A5E551D2489}"/>
+              </a:ext>
+            </a:extLst>
+          </p:cNvPr>
+          <p:cNvSpPr txBox="1"/>
+          <p:nvPr/>
+        </p:nvSpPr>
+        <p:spPr>
+          <a:xfrm>
+            <a:off x="8592345" y="2755314"/>
+            <a:ext cx="2563860" cy="369332"/>
+          </a:xfrm>
+          <a:prstGeom prst="rect">
+            <a:avLst/>
+          </a:prstGeom>
+          <a:noFill/>
+        </p:spPr>
+        <p:txBody>
+          <a:bodyPr wrap="square" rtlCol="0">
+            <a:spAutoFit/>
+          </a:bodyPr>
+          <a:lstStyle/>
+          <a:p>
+            <a:pPr algn="ctr"/>
+            <a:r>
+              <a:rPr lang="en-US" b="1" dirty="0">
+                <a:solidFill>
+                  <a:schemeClr val="accent6"/>
+                </a:solidFill>
+              </a:rPr>
+              <a:t>HTTP Requests</a:t>
+            </a:r>
+            <a:r>
+              <a:rPr lang="en-US" i="1" dirty="0">
+                <a:solidFill>
+                  <a:schemeClr val="accent6"/>
+                </a:solidFill>
+              </a:rPr>
+              <a:t> (internal)</a:t>
+            </a:r>
+          </a:p>
+        </p:txBody>
+      </p:sp>
+      <p:sp>
+        <p:nvSpPr>
+          <p:cNvPr id="46" name="TextBox 45">
+            <a:extLst>
+              <a:ext uri="{FF2B5EF4-FFF2-40B4-BE49-F238E27FC236}">
+                <a16:creationId xmlns:a16="http://schemas.microsoft.com/office/drawing/2014/main" id="{B9AB34BF-9ADE-87D4-5D60-00947936B7BF}"/>
+              </a:ext>
+            </a:extLst>
+          </p:cNvPr>
+          <p:cNvSpPr txBox="1"/>
+          <p:nvPr/>
+        </p:nvSpPr>
+        <p:spPr>
+          <a:xfrm>
+            <a:off x="8592345" y="3989402"/>
+            <a:ext cx="2563860" cy="369332"/>
+          </a:xfrm>
+          <a:prstGeom prst="rect">
+            <a:avLst/>
+          </a:prstGeom>
+          <a:noFill/>
+        </p:spPr>
+        <p:txBody>
+          <a:bodyPr wrap="square" rtlCol="0">
+            <a:spAutoFit/>
+          </a:bodyPr>
+          <a:lstStyle/>
+          <a:p>
+            <a:pPr algn="ctr"/>
+            <a:r>
+              <a:rPr lang="en-US" b="1" dirty="0">
+                <a:solidFill>
+                  <a:schemeClr val="accent6"/>
+                </a:solidFill>
+              </a:rPr>
+              <a:t>HTTP Requests</a:t>
+            </a:r>
+            <a:r>
+              <a:rPr lang="en-US" i="1" dirty="0">
+                <a:solidFill>
+                  <a:schemeClr val="accent6"/>
+                </a:solidFill>
+              </a:rPr>
+              <a:t> (internal)</a:t>
+            </a:r>
+          </a:p>
+        </p:txBody>
+      </p:sp>
     </p:spTree>
     <p:extLst>
       <p:ext uri="{BB962C8B-B14F-4D97-AF65-F5344CB8AC3E}">

--- a/2022-11-24 ABP Community Talks 2022.9/ABP-7-News.pptx
+++ b/2022-11-24 ABP Community Talks 2022.9/ABP-7-News.pptx
@@ -22,11 +22,14 @@
     <p:sldId id="273" r:id="rId16"/>
     <p:sldId id="274" r:id="rId17"/>
     <p:sldId id="275" r:id="rId18"/>
-    <p:sldId id="276" r:id="rId19"/>
+    <p:sldId id="281" r:id="rId19"/>
     <p:sldId id="277" r:id="rId20"/>
     <p:sldId id="278" r:id="rId21"/>
     <p:sldId id="279" r:id="rId22"/>
     <p:sldId id="280" r:id="rId23"/>
+    <p:sldId id="282" r:id="rId24"/>
+    <p:sldId id="283" r:id="rId25"/>
+    <p:sldId id="284" r:id="rId26"/>
   </p:sldIdLst>
   <p:sldSz cx="12192000" cy="6858000"/>
   <p:notesSz cx="6858000" cy="9144000"/>
@@ -280,7 +283,7 @@
           <a:p>
             <a:fld id="{2A14C9FE-EBC3-45D3-899C-58AAF4F8AF71}" type="datetimeFigureOut">
               <a:rPr lang="en-US" smtClean="0"/>
-              <a:t>20-Nov-22</a:t>
+              <a:t>21-Nov-22</a:t>
             </a:fld>
             <a:endParaRPr lang="en-US"/>
           </a:p>
@@ -478,7 +481,7 @@
           <a:p>
             <a:fld id="{2A14C9FE-EBC3-45D3-899C-58AAF4F8AF71}" type="datetimeFigureOut">
               <a:rPr lang="en-US" smtClean="0"/>
-              <a:t>20-Nov-22</a:t>
+              <a:t>21-Nov-22</a:t>
             </a:fld>
             <a:endParaRPr lang="en-US"/>
           </a:p>
@@ -686,7 +689,7 @@
           <a:p>
             <a:fld id="{2A14C9FE-EBC3-45D3-899C-58AAF4F8AF71}" type="datetimeFigureOut">
               <a:rPr lang="en-US" smtClean="0"/>
-              <a:t>20-Nov-22</a:t>
+              <a:t>21-Nov-22</a:t>
             </a:fld>
             <a:endParaRPr lang="en-US"/>
           </a:p>
@@ -884,7 +887,7 @@
           <a:p>
             <a:fld id="{2A14C9FE-EBC3-45D3-899C-58AAF4F8AF71}" type="datetimeFigureOut">
               <a:rPr lang="en-US" smtClean="0"/>
-              <a:t>20-Nov-22</a:t>
+              <a:t>21-Nov-22</a:t>
             </a:fld>
             <a:endParaRPr lang="en-US"/>
           </a:p>
@@ -1159,7 +1162,7 @@
           <a:p>
             <a:fld id="{2A14C9FE-EBC3-45D3-899C-58AAF4F8AF71}" type="datetimeFigureOut">
               <a:rPr lang="en-US" smtClean="0"/>
-              <a:t>20-Nov-22</a:t>
+              <a:t>21-Nov-22</a:t>
             </a:fld>
             <a:endParaRPr lang="en-US"/>
           </a:p>
@@ -1424,7 +1427,7 @@
           <a:p>
             <a:fld id="{2A14C9FE-EBC3-45D3-899C-58AAF4F8AF71}" type="datetimeFigureOut">
               <a:rPr lang="en-US" smtClean="0"/>
-              <a:t>20-Nov-22</a:t>
+              <a:t>21-Nov-22</a:t>
             </a:fld>
             <a:endParaRPr lang="en-US"/>
           </a:p>
@@ -1836,7 +1839,7 @@
           <a:p>
             <a:fld id="{2A14C9FE-EBC3-45D3-899C-58AAF4F8AF71}" type="datetimeFigureOut">
               <a:rPr lang="en-US" smtClean="0"/>
-              <a:t>20-Nov-22</a:t>
+              <a:t>21-Nov-22</a:t>
             </a:fld>
             <a:endParaRPr lang="en-US"/>
           </a:p>
@@ -1977,7 +1980,7 @@
           <a:p>
             <a:fld id="{2A14C9FE-EBC3-45D3-899C-58AAF4F8AF71}" type="datetimeFigureOut">
               <a:rPr lang="en-US" smtClean="0"/>
-              <a:t>20-Nov-22</a:t>
+              <a:t>21-Nov-22</a:t>
             </a:fld>
             <a:endParaRPr lang="en-US"/>
           </a:p>
@@ -2090,7 +2093,7 @@
           <a:p>
             <a:fld id="{2A14C9FE-EBC3-45D3-899C-58AAF4F8AF71}" type="datetimeFigureOut">
               <a:rPr lang="en-US" smtClean="0"/>
-              <a:t>20-Nov-22</a:t>
+              <a:t>21-Nov-22</a:t>
             </a:fld>
             <a:endParaRPr lang="en-US"/>
           </a:p>
@@ -2401,7 +2404,7 @@
           <a:p>
             <a:fld id="{2A14C9FE-EBC3-45D3-899C-58AAF4F8AF71}" type="datetimeFigureOut">
               <a:rPr lang="en-US" smtClean="0"/>
-              <a:t>20-Nov-22</a:t>
+              <a:t>21-Nov-22</a:t>
             </a:fld>
             <a:endParaRPr lang="en-US"/>
           </a:p>
@@ -2689,7 +2692,7 @@
           <a:p>
             <a:fld id="{2A14C9FE-EBC3-45D3-899C-58AAF4F8AF71}" type="datetimeFigureOut">
               <a:rPr lang="en-US" smtClean="0"/>
-              <a:t>20-Nov-22</a:t>
+              <a:t>21-Nov-22</a:t>
             </a:fld>
             <a:endParaRPr lang="en-US"/>
           </a:p>
@@ -2930,7 +2933,7 @@
           <a:p>
             <a:fld id="{2A14C9FE-EBC3-45D3-899C-58AAF4F8AF71}" type="datetimeFigureOut">
               <a:rPr lang="en-US" smtClean="0"/>
-              <a:t>20-Nov-22</a:t>
+              <a:t>21-Nov-22</a:t>
             </a:fld>
             <a:endParaRPr lang="en-US"/>
           </a:p>
@@ -5807,7 +5810,17 @@
                 <a:latin typeface="Euclid Circular B" panose="020B0504000000000000" pitchFamily="34" charset="0"/>
                 <a:ea typeface="Euclid Circular B" panose="020B0504000000000000" pitchFamily="34" charset="0"/>
               </a:rPr>
-              <a:t>ABP 6.0: 88.4 kB</a:t>
+              <a:t>ABP 6.0: </a:t>
+            </a:r>
+            <a:r>
+              <a:rPr lang="en-US" b="1" dirty="0">
+                <a:solidFill>
+                  <a:srgbClr val="FF0000"/>
+                </a:solidFill>
+                <a:latin typeface="Euclid Circular B" panose="020B0504000000000000" pitchFamily="34" charset="0"/>
+                <a:ea typeface="Euclid Circular B" panose="020B0504000000000000" pitchFamily="34" charset="0"/>
+              </a:rPr>
+              <a:t>88.4 kB</a:t>
             </a:r>
           </a:p>
           <a:p>
@@ -5828,7 +5841,24 @@
                 <a:latin typeface="Euclid Circular B" panose="020B0504000000000000" pitchFamily="34" charset="0"/>
                 <a:ea typeface="Euclid Circular B" panose="020B0504000000000000" pitchFamily="34" charset="0"/>
               </a:rPr>
-              <a:t>ABP 7.0: 42.9 KB (%51.4 shorter)</a:t>
+              <a:t>ABP 7.0: </a:t>
+            </a:r>
+            <a:r>
+              <a:rPr lang="en-US" b="1" dirty="0">
+                <a:solidFill>
+                  <a:srgbClr val="00B050"/>
+                </a:solidFill>
+                <a:latin typeface="Euclid Circular B" panose="020B0504000000000000" pitchFamily="34" charset="0"/>
+                <a:ea typeface="Euclid Circular B" panose="020B0504000000000000" pitchFamily="34" charset="0"/>
+              </a:rPr>
+              <a:t>42.9 KB</a:t>
+            </a:r>
+            <a:r>
+              <a:rPr lang="en-US" b="1" dirty="0">
+                <a:latin typeface="Euclid Circular B" panose="020B0504000000000000" pitchFamily="34" charset="0"/>
+                <a:ea typeface="Euclid Circular B" panose="020B0504000000000000" pitchFamily="34" charset="0"/>
+              </a:rPr>
+              <a:t> (51.4% shorter!)</a:t>
             </a:r>
           </a:p>
           <a:p>
@@ -6223,10 +6253,10 @@
       </p:sp>
       <p:pic>
         <p:nvPicPr>
-          <p:cNvPr id="7" name="Picture 6">
-            <a:extLst>
-              <a:ext uri="{FF2B5EF4-FFF2-40B4-BE49-F238E27FC236}">
-                <a16:creationId xmlns:a16="http://schemas.microsoft.com/office/drawing/2014/main" id="{F795F0F1-475C-A939-94E3-047B87FF4484}"/>
+          <p:cNvPr id="4" name="Picture 3">
+            <a:extLst>
+              <a:ext uri="{FF2B5EF4-FFF2-40B4-BE49-F238E27FC236}">
+                <a16:creationId xmlns:a16="http://schemas.microsoft.com/office/drawing/2014/main" id="{D4C31345-1760-0696-9F67-332316C127B1}"/>
               </a:ext>
             </a:extLst>
           </p:cNvPr>
@@ -6244,7 +6274,7 @@
         <p:spPr>
           <a:xfrm>
             <a:off x="838200" y="1690688"/>
-            <a:ext cx="9496425" cy="4067175"/>
+            <a:ext cx="9385983" cy="4541994"/>
           </a:xfrm>
           <a:prstGeom prst="rect">
             <a:avLst/>
@@ -6331,10 +6361,10 @@
       </p:sp>
       <p:pic>
         <p:nvPicPr>
-          <p:cNvPr id="9" name="Picture 8">
-            <a:extLst>
-              <a:ext uri="{FF2B5EF4-FFF2-40B4-BE49-F238E27FC236}">
-                <a16:creationId xmlns:a16="http://schemas.microsoft.com/office/drawing/2014/main" id="{6D1E76F2-1EC3-A2D7-A02E-E8FD2C9DE4E0}"/>
+          <p:cNvPr id="4" name="Picture 3">
+            <a:extLst>
+              <a:ext uri="{FF2B5EF4-FFF2-40B4-BE49-F238E27FC236}">
+                <a16:creationId xmlns:a16="http://schemas.microsoft.com/office/drawing/2014/main" id="{9CC50CB8-D3F6-CC86-E44B-6954333F748A}"/>
               </a:ext>
             </a:extLst>
           </p:cNvPr>
@@ -6351,8 +6381,8 @@
         </p:blipFill>
         <p:spPr>
           <a:xfrm>
-            <a:off x="838200" y="1774694"/>
-            <a:ext cx="8610600" cy="4552950"/>
+            <a:off x="838200" y="1690688"/>
+            <a:ext cx="8730737" cy="4691142"/>
           </a:xfrm>
           <a:prstGeom prst="rect">
             <a:avLst/>
@@ -6460,10 +6490,10 @@
       </p:sp>
       <p:pic>
         <p:nvPicPr>
-          <p:cNvPr id="9" name="Picture 8">
-            <a:extLst>
-              <a:ext uri="{FF2B5EF4-FFF2-40B4-BE49-F238E27FC236}">
-                <a16:creationId xmlns:a16="http://schemas.microsoft.com/office/drawing/2014/main" id="{0470623D-1019-9309-CB9C-0494B3654ECF}"/>
+          <p:cNvPr id="4" name="Picture 3">
+            <a:extLst>
+              <a:ext uri="{FF2B5EF4-FFF2-40B4-BE49-F238E27FC236}">
+                <a16:creationId xmlns:a16="http://schemas.microsoft.com/office/drawing/2014/main" id="{BA47DA26-71AE-E7A7-4B30-189ECEF516C2}"/>
               </a:ext>
             </a:extLst>
           </p:cNvPr>
@@ -6480,8 +6510,8 @@
         </p:blipFill>
         <p:spPr>
           <a:xfrm>
-            <a:off x="838200" y="1690688"/>
-            <a:ext cx="6200775" cy="1085850"/>
+            <a:off x="838200" y="3429000"/>
+            <a:ext cx="8847059" cy="1517811"/>
           </a:xfrm>
           <a:prstGeom prst="rect">
             <a:avLst/>
@@ -6490,10 +6520,10 @@
       </p:pic>
       <p:pic>
         <p:nvPicPr>
-          <p:cNvPr id="11" name="Picture 10">
-            <a:extLst>
-              <a:ext uri="{FF2B5EF4-FFF2-40B4-BE49-F238E27FC236}">
-                <a16:creationId xmlns:a16="http://schemas.microsoft.com/office/drawing/2014/main" id="{9AE4680A-A687-EBDA-17B2-D292091776C6}"/>
+          <p:cNvPr id="6" name="Picture 5">
+            <a:extLst>
+              <a:ext uri="{FF2B5EF4-FFF2-40B4-BE49-F238E27FC236}">
+                <a16:creationId xmlns:a16="http://schemas.microsoft.com/office/drawing/2014/main" id="{FB6C7E26-DE9E-7608-36F5-A5166F34629F}"/>
               </a:ext>
             </a:extLst>
           </p:cNvPr>
@@ -6510,8 +6540,8 @@
         </p:blipFill>
         <p:spPr>
           <a:xfrm>
-            <a:off x="838200" y="3140076"/>
-            <a:ext cx="10420350" cy="1924050"/>
+            <a:off x="838201" y="2051528"/>
+            <a:ext cx="5556942" cy="884394"/>
           </a:xfrm>
           <a:prstGeom prst="rect">
             <a:avLst/>
@@ -6591,38 +6621,202 @@
                 <a:latin typeface="Euclid Circular B" panose="020B0504000000000000" pitchFamily="34" charset="0"/>
                 <a:ea typeface="Euclid Circular B" panose="020B0504000000000000" pitchFamily="34" charset="0"/>
               </a:rPr>
-              <a:t>TODO</a:t>
-            </a:r>
-          </a:p>
-        </p:txBody>
-      </p:sp>
-      <p:sp>
-        <p:nvSpPr>
-          <p:cNvPr id="3" name="Content Placeholder 2">
-            <a:extLst>
-              <a:ext uri="{FF2B5EF4-FFF2-40B4-BE49-F238E27FC236}">
-                <a16:creationId xmlns:a16="http://schemas.microsoft.com/office/drawing/2014/main" id="{891C7693-D3DF-4635-96F4-97F3B4136FDF}"/>
-              </a:ext>
-            </a:extLst>
-          </p:cNvPr>
-          <p:cNvSpPr>
-            <a:spLocks noGrp="1"/>
-          </p:cNvSpPr>
-          <p:nvPr>
-            <p:ph idx="1"/>
-          </p:nvPr>
-        </p:nvSpPr>
-        <p:spPr/>
-        <p:txBody>
-          <a:bodyPr/>
+              <a:t>Entity Cache Service</a:t>
+            </a:r>
+          </a:p>
+        </p:txBody>
+      </p:sp>
+      <p:pic>
+        <p:nvPicPr>
+          <p:cNvPr id="7" name="Picture 6">
+            <a:extLst>
+              <a:ext uri="{FF2B5EF4-FFF2-40B4-BE49-F238E27FC236}">
+                <a16:creationId xmlns:a16="http://schemas.microsoft.com/office/drawing/2014/main" id="{A5E837CE-73FC-255D-0CC7-42B6898D1705}"/>
+              </a:ext>
+            </a:extLst>
+          </p:cNvPr>
+          <p:cNvPicPr>
+            <a:picLocks noChangeAspect="1"/>
+          </p:cNvPicPr>
+          <p:nvPr/>
+        </p:nvPicPr>
+        <p:blipFill>
+          <a:blip r:embed="rId3"/>
+          <a:stretch>
+            <a:fillRect/>
+          </a:stretch>
+        </p:blipFill>
+        <p:spPr>
+          <a:xfrm>
+            <a:off x="866903" y="2255224"/>
+            <a:ext cx="4598932" cy="2003090"/>
+          </a:xfrm>
+          <a:prstGeom prst="rect">
+            <a:avLst/>
+          </a:prstGeom>
+        </p:spPr>
+      </p:pic>
+      <p:pic>
+        <p:nvPicPr>
+          <p:cNvPr id="9" name="Picture 8">
+            <a:extLst>
+              <a:ext uri="{FF2B5EF4-FFF2-40B4-BE49-F238E27FC236}">
+                <a16:creationId xmlns:a16="http://schemas.microsoft.com/office/drawing/2014/main" id="{80DCDCC3-E773-74DA-2F0E-A898A4FD9640}"/>
+              </a:ext>
+            </a:extLst>
+          </p:cNvPr>
+          <p:cNvPicPr>
+            <a:picLocks noChangeAspect="1"/>
+          </p:cNvPicPr>
+          <p:nvPr/>
+        </p:nvPicPr>
+        <p:blipFill>
+          <a:blip r:embed="rId4"/>
+          <a:stretch>
+            <a:fillRect/>
+          </a:stretch>
+        </p:blipFill>
+        <p:spPr>
+          <a:xfrm>
+            <a:off x="838200" y="5086313"/>
+            <a:ext cx="4598932" cy="352385"/>
+          </a:xfrm>
+          <a:prstGeom prst="rect">
+            <a:avLst/>
+          </a:prstGeom>
+        </p:spPr>
+      </p:pic>
+      <p:pic>
+        <p:nvPicPr>
+          <p:cNvPr id="11" name="Picture 10">
+            <a:extLst>
+              <a:ext uri="{FF2B5EF4-FFF2-40B4-BE49-F238E27FC236}">
+                <a16:creationId xmlns:a16="http://schemas.microsoft.com/office/drawing/2014/main" id="{57FFE644-55C0-BEC9-BEFE-5E325D48691B}"/>
+              </a:ext>
+            </a:extLst>
+          </p:cNvPr>
+          <p:cNvPicPr>
+            <a:picLocks noChangeAspect="1"/>
+          </p:cNvPicPr>
+          <p:nvPr/>
+        </p:nvPicPr>
+        <p:blipFill>
+          <a:blip r:embed="rId5"/>
+          <a:stretch>
+            <a:fillRect/>
+          </a:stretch>
+        </p:blipFill>
+        <p:spPr>
+          <a:xfrm>
+            <a:off x="6096000" y="2255224"/>
+            <a:ext cx="5972001" cy="3368539"/>
+          </a:xfrm>
+          <a:prstGeom prst="rect">
+            <a:avLst/>
+          </a:prstGeom>
+        </p:spPr>
+      </p:pic>
+      <p:sp>
+        <p:nvSpPr>
+          <p:cNvPr id="12" name="TextBox 11">
+            <a:extLst>
+              <a:ext uri="{FF2B5EF4-FFF2-40B4-BE49-F238E27FC236}">
+                <a16:creationId xmlns:a16="http://schemas.microsoft.com/office/drawing/2014/main" id="{64EFB82B-3DFC-B008-6274-A833DEA7B1E1}"/>
+              </a:ext>
+            </a:extLst>
+          </p:cNvPr>
+          <p:cNvSpPr txBox="1"/>
+          <p:nvPr/>
+        </p:nvSpPr>
+        <p:spPr>
+          <a:xfrm>
+            <a:off x="866903" y="1788290"/>
+            <a:ext cx="3047181" cy="369332"/>
+          </a:xfrm>
+          <a:prstGeom prst="rect">
+            <a:avLst/>
+          </a:prstGeom>
+          <a:noFill/>
+        </p:spPr>
+        <p:txBody>
+          <a:bodyPr wrap="none" rtlCol="0">
+            <a:spAutoFit/>
+          </a:bodyPr>
           <a:lstStyle/>
           <a:p>
             <a:r>
-              <a:rPr lang="en-US" dirty="0">
-                <a:latin typeface="Euclid Circular B" panose="020B0504000000000000" pitchFamily="34" charset="0"/>
-                <a:ea typeface="Euclid Circular B" panose="020B0504000000000000" pitchFamily="34" charset="0"/>
-              </a:rPr>
-              <a:t>Content</a:t>
+              <a:rPr lang="en-US" b="1" dirty="0"/>
+              <a:t>///// you have an entity /////</a:t>
+            </a:r>
+          </a:p>
+        </p:txBody>
+      </p:sp>
+      <p:sp>
+        <p:nvSpPr>
+          <p:cNvPr id="13" name="TextBox 12">
+            <a:extLst>
+              <a:ext uri="{FF2B5EF4-FFF2-40B4-BE49-F238E27FC236}">
+                <a16:creationId xmlns:a16="http://schemas.microsoft.com/office/drawing/2014/main" id="{1F7451FA-BF76-7428-EB9D-18F014D1A4C5}"/>
+              </a:ext>
+            </a:extLst>
+          </p:cNvPr>
+          <p:cNvSpPr txBox="1"/>
+          <p:nvPr/>
+        </p:nvSpPr>
+        <p:spPr>
+          <a:xfrm>
+            <a:off x="860958" y="4680303"/>
+            <a:ext cx="3150350" cy="369332"/>
+          </a:xfrm>
+          <a:prstGeom prst="rect">
+            <a:avLst/>
+          </a:prstGeom>
+          <a:noFill/>
+        </p:spPr>
+        <p:txBody>
+          <a:bodyPr wrap="none" rtlCol="0">
+            <a:spAutoFit/>
+          </a:bodyPr>
+          <a:lstStyle/>
+          <a:p>
+            <a:r>
+              <a:rPr lang="en-US" b="1" dirty="0"/>
+              <a:t>///// configure the cache /////</a:t>
+            </a:r>
+          </a:p>
+        </p:txBody>
+      </p:sp>
+      <p:sp>
+        <p:nvSpPr>
+          <p:cNvPr id="14" name="TextBox 13">
+            <a:extLst>
+              <a:ext uri="{FF2B5EF4-FFF2-40B4-BE49-F238E27FC236}">
+                <a16:creationId xmlns:a16="http://schemas.microsoft.com/office/drawing/2014/main" id="{8C0D4A2A-F3BF-59DF-40CC-A82E2A509C73}"/>
+              </a:ext>
+            </a:extLst>
+          </p:cNvPr>
+          <p:cNvSpPr txBox="1"/>
+          <p:nvPr/>
+        </p:nvSpPr>
+        <p:spPr>
+          <a:xfrm>
+            <a:off x="6096000" y="1788290"/>
+            <a:ext cx="3303212" cy="369332"/>
+          </a:xfrm>
+          <a:prstGeom prst="rect">
+            <a:avLst/>
+          </a:prstGeom>
+          <a:noFill/>
+        </p:spPr>
+        <p:txBody>
+          <a:bodyPr wrap="none" rtlCol="0">
+            <a:spAutoFit/>
+          </a:bodyPr>
+          <a:lstStyle/>
+          <a:p>
+            <a:r>
+              <a:rPr lang="en-US" b="1" dirty="0"/>
+              <a:t>///// use the cache service /////</a:t>
             </a:r>
           </a:p>
         </p:txBody>
@@ -6637,97 +6831,6 @@
   <p:clrMapOvr>
     <a:masterClrMapping/>
   </p:clrMapOvr>
-  <p:timing>
-    <p:tnLst>
-      <p:par>
-        <p:cTn id="1" dur="indefinite" restart="never" nodeType="tmRoot">
-          <p:childTnLst>
-            <p:seq concurrent="1" nextAc="seek">
-              <p:cTn id="2" dur="indefinite" nodeType="mainSeq">
-                <p:childTnLst>
-                  <p:par>
-                    <p:cTn id="3" fill="hold">
-                      <p:stCondLst>
-                        <p:cond delay="indefinite"/>
-                      </p:stCondLst>
-                      <p:childTnLst>
-                        <p:par>
-                          <p:cTn id="4" fill="hold">
-                            <p:stCondLst>
-                              <p:cond delay="0"/>
-                            </p:stCondLst>
-                            <p:childTnLst>
-                              <p:par>
-                                <p:cTn id="5" presetID="10" presetClass="entr" presetSubtype="0" fill="hold" nodeType="clickEffect">
-                                  <p:stCondLst>
-                                    <p:cond delay="0"/>
-                                  </p:stCondLst>
-                                  <p:childTnLst>
-                                    <p:set>
-                                      <p:cBhvr>
-                                        <p:cTn id="6" dur="1" fill="hold">
-                                          <p:stCondLst>
-                                            <p:cond delay="0"/>
-                                          </p:stCondLst>
-                                        </p:cTn>
-                                        <p:tgtEl>
-                                          <p:spTgt spid="3">
-                                            <p:txEl>
-                                              <p:pRg st="0" end="0"/>
-                                            </p:txEl>
-                                          </p:spTgt>
-                                        </p:tgtEl>
-                                        <p:attrNameLst>
-                                          <p:attrName>style.visibility</p:attrName>
-                                        </p:attrNameLst>
-                                      </p:cBhvr>
-                                      <p:to>
-                                        <p:strVal val="visible"/>
-                                      </p:to>
-                                    </p:set>
-                                    <p:animEffect transition="in" filter="fade">
-                                      <p:cBhvr>
-                                        <p:cTn id="7" dur="500"/>
-                                        <p:tgtEl>
-                                          <p:spTgt spid="3">
-                                            <p:txEl>
-                                              <p:pRg st="0" end="0"/>
-                                            </p:txEl>
-                                          </p:spTgt>
-                                        </p:tgtEl>
-                                      </p:cBhvr>
-                                    </p:animEffect>
-                                  </p:childTnLst>
-                                </p:cTn>
-                              </p:par>
-                            </p:childTnLst>
-                          </p:cTn>
-                        </p:par>
-                      </p:childTnLst>
-                    </p:cTn>
-                  </p:par>
-                </p:childTnLst>
-              </p:cTn>
-              <p:prevCondLst>
-                <p:cond evt="onPrev" delay="0">
-                  <p:tgtEl>
-                    <p:sldTgt/>
-                  </p:tgtEl>
-                </p:cond>
-              </p:prevCondLst>
-              <p:nextCondLst>
-                <p:cond evt="onNext" delay="0">
-                  <p:tgtEl>
-                    <p:sldTgt/>
-                  </p:tgtEl>
-                </p:cond>
-              </p:nextCondLst>
-            </p:seq>
-          </p:childTnLst>
-        </p:cTn>
-      </p:par>
-    </p:tnLst>
-  </p:timing>
 </p:sld>
 </file>
 
@@ -6791,143 +6894,216 @@
                 <a:latin typeface="Euclid Circular B" panose="020B0504000000000000" pitchFamily="34" charset="0"/>
                 <a:ea typeface="Euclid Circular B" panose="020B0504000000000000" pitchFamily="34" charset="0"/>
               </a:rPr>
-              <a:t>TODO</a:t>
-            </a:r>
-          </a:p>
-        </p:txBody>
-      </p:sp>
-      <p:sp>
-        <p:nvSpPr>
-          <p:cNvPr id="3" name="Content Placeholder 2">
-            <a:extLst>
-              <a:ext uri="{FF2B5EF4-FFF2-40B4-BE49-F238E27FC236}">
-                <a16:creationId xmlns:a16="http://schemas.microsoft.com/office/drawing/2014/main" id="{891C7693-D3DF-4635-96F4-97F3B4136FDF}"/>
-              </a:ext>
-            </a:extLst>
-          </p:cNvPr>
-          <p:cNvSpPr>
-            <a:spLocks noGrp="1"/>
-          </p:cNvSpPr>
-          <p:nvPr>
-            <p:ph idx="1"/>
-          </p:nvPr>
-        </p:nvSpPr>
-        <p:spPr/>
-        <p:txBody>
-          <a:bodyPr/>
+              <a:t>Entity Cache Service</a:t>
+            </a:r>
+          </a:p>
+        </p:txBody>
+      </p:sp>
+      <p:sp>
+        <p:nvSpPr>
+          <p:cNvPr id="12" name="TextBox 11">
+            <a:extLst>
+              <a:ext uri="{FF2B5EF4-FFF2-40B4-BE49-F238E27FC236}">
+                <a16:creationId xmlns:a16="http://schemas.microsoft.com/office/drawing/2014/main" id="{64EFB82B-3DFC-B008-6274-A833DEA7B1E1}"/>
+              </a:ext>
+            </a:extLst>
+          </p:cNvPr>
+          <p:cNvSpPr txBox="1"/>
+          <p:nvPr/>
+        </p:nvSpPr>
+        <p:spPr>
+          <a:xfrm>
+            <a:off x="866903" y="1788290"/>
+            <a:ext cx="3047181" cy="369332"/>
+          </a:xfrm>
+          <a:prstGeom prst="rect">
+            <a:avLst/>
+          </a:prstGeom>
+          <a:noFill/>
+        </p:spPr>
+        <p:txBody>
+          <a:bodyPr wrap="none" rtlCol="0">
+            <a:spAutoFit/>
+          </a:bodyPr>
           <a:lstStyle/>
           <a:p>
             <a:r>
-              <a:rPr lang="en-US" dirty="0">
-                <a:latin typeface="Euclid Circular B" panose="020B0504000000000000" pitchFamily="34" charset="0"/>
-                <a:ea typeface="Euclid Circular B" panose="020B0504000000000000" pitchFamily="34" charset="0"/>
-              </a:rPr>
-              <a:t>Content</a:t>
-            </a:r>
-          </a:p>
-        </p:txBody>
-      </p:sp>
+              <a:rPr lang="en-US" b="1" dirty="0"/>
+              <a:t>///// you have an entity /////</a:t>
+            </a:r>
+          </a:p>
+        </p:txBody>
+      </p:sp>
+      <p:sp>
+        <p:nvSpPr>
+          <p:cNvPr id="13" name="TextBox 12">
+            <a:extLst>
+              <a:ext uri="{FF2B5EF4-FFF2-40B4-BE49-F238E27FC236}">
+                <a16:creationId xmlns:a16="http://schemas.microsoft.com/office/drawing/2014/main" id="{1F7451FA-BF76-7428-EB9D-18F014D1A4C5}"/>
+              </a:ext>
+            </a:extLst>
+          </p:cNvPr>
+          <p:cNvSpPr txBox="1"/>
+          <p:nvPr/>
+        </p:nvSpPr>
+        <p:spPr>
+          <a:xfrm>
+            <a:off x="860958" y="4338859"/>
+            <a:ext cx="3150350" cy="369332"/>
+          </a:xfrm>
+          <a:prstGeom prst="rect">
+            <a:avLst/>
+          </a:prstGeom>
+          <a:noFill/>
+        </p:spPr>
+        <p:txBody>
+          <a:bodyPr wrap="none" rtlCol="0">
+            <a:spAutoFit/>
+          </a:bodyPr>
+          <a:lstStyle/>
+          <a:p>
+            <a:r>
+              <a:rPr lang="en-US" b="1" dirty="0"/>
+              <a:t>///// configure the cache /////</a:t>
+            </a:r>
+          </a:p>
+        </p:txBody>
+      </p:sp>
+      <p:sp>
+        <p:nvSpPr>
+          <p:cNvPr id="14" name="TextBox 13">
+            <a:extLst>
+              <a:ext uri="{FF2B5EF4-FFF2-40B4-BE49-F238E27FC236}">
+                <a16:creationId xmlns:a16="http://schemas.microsoft.com/office/drawing/2014/main" id="{8C0D4A2A-F3BF-59DF-40CC-A82E2A509C73}"/>
+              </a:ext>
+            </a:extLst>
+          </p:cNvPr>
+          <p:cNvSpPr txBox="1"/>
+          <p:nvPr/>
+        </p:nvSpPr>
+        <p:spPr>
+          <a:xfrm>
+            <a:off x="6096000" y="1788290"/>
+            <a:ext cx="3303212" cy="369332"/>
+          </a:xfrm>
+          <a:prstGeom prst="rect">
+            <a:avLst/>
+          </a:prstGeom>
+          <a:noFill/>
+        </p:spPr>
+        <p:txBody>
+          <a:bodyPr wrap="none" rtlCol="0">
+            <a:spAutoFit/>
+          </a:bodyPr>
+          <a:lstStyle/>
+          <a:p>
+            <a:r>
+              <a:rPr lang="en-US" b="1" dirty="0"/>
+              <a:t>///// use the cache service /////</a:t>
+            </a:r>
+          </a:p>
+        </p:txBody>
+      </p:sp>
+      <p:pic>
+        <p:nvPicPr>
+          <p:cNvPr id="3" name="Picture 2">
+            <a:extLst>
+              <a:ext uri="{FF2B5EF4-FFF2-40B4-BE49-F238E27FC236}">
+                <a16:creationId xmlns:a16="http://schemas.microsoft.com/office/drawing/2014/main" id="{A331C151-18EA-0D86-E936-89DFFA7678AC}"/>
+              </a:ext>
+            </a:extLst>
+          </p:cNvPr>
+          <p:cNvPicPr>
+            <a:picLocks noChangeAspect="1"/>
+          </p:cNvPicPr>
+          <p:nvPr/>
+        </p:nvPicPr>
+        <p:blipFill>
+          <a:blip r:embed="rId3"/>
+          <a:stretch>
+            <a:fillRect/>
+          </a:stretch>
+        </p:blipFill>
+        <p:spPr>
+          <a:xfrm>
+            <a:off x="860958" y="2285803"/>
+            <a:ext cx="4333832" cy="1927566"/>
+          </a:xfrm>
+          <a:prstGeom prst="rect">
+            <a:avLst/>
+          </a:prstGeom>
+        </p:spPr>
+      </p:pic>
+      <p:pic>
+        <p:nvPicPr>
+          <p:cNvPr id="8" name="Picture 7">
+            <a:extLst>
+              <a:ext uri="{FF2B5EF4-FFF2-40B4-BE49-F238E27FC236}">
+                <a16:creationId xmlns:a16="http://schemas.microsoft.com/office/drawing/2014/main" id="{49E13EC5-BEA5-21FA-48C0-A549E2D14807}"/>
+              </a:ext>
+            </a:extLst>
+          </p:cNvPr>
+          <p:cNvPicPr>
+            <a:picLocks noChangeAspect="1"/>
+          </p:cNvPicPr>
+          <p:nvPr/>
+        </p:nvPicPr>
+        <p:blipFill>
+          <a:blip r:embed="rId4"/>
+          <a:stretch>
+            <a:fillRect/>
+          </a:stretch>
+        </p:blipFill>
+        <p:spPr>
+          <a:xfrm>
+            <a:off x="860957" y="4808484"/>
+            <a:ext cx="4292293" cy="1684391"/>
+          </a:xfrm>
+          <a:prstGeom prst="rect">
+            <a:avLst/>
+          </a:prstGeom>
+        </p:spPr>
+      </p:pic>
+      <p:pic>
+        <p:nvPicPr>
+          <p:cNvPr id="15" name="Picture 14">
+            <a:extLst>
+              <a:ext uri="{FF2B5EF4-FFF2-40B4-BE49-F238E27FC236}">
+                <a16:creationId xmlns:a16="http://schemas.microsoft.com/office/drawing/2014/main" id="{B49ACD43-1501-FAB2-6ECA-858B50EB566A}"/>
+              </a:ext>
+            </a:extLst>
+          </p:cNvPr>
+          <p:cNvPicPr>
+            <a:picLocks noChangeAspect="1"/>
+          </p:cNvPicPr>
+          <p:nvPr/>
+        </p:nvPicPr>
+        <p:blipFill>
+          <a:blip r:embed="rId5"/>
+          <a:stretch>
+            <a:fillRect/>
+          </a:stretch>
+        </p:blipFill>
+        <p:spPr>
+          <a:xfrm>
+            <a:off x="6096000" y="2255224"/>
+            <a:ext cx="5577485" cy="2874437"/>
+          </a:xfrm>
+          <a:prstGeom prst="rect">
+            <a:avLst/>
+          </a:prstGeom>
+        </p:spPr>
+      </p:pic>
     </p:spTree>
     <p:extLst>
       <p:ext uri="{BB962C8B-B14F-4D97-AF65-F5344CB8AC3E}">
-        <p14:creationId xmlns:p14="http://schemas.microsoft.com/office/powerpoint/2010/main" val="2836568528"/>
+        <p14:creationId xmlns:p14="http://schemas.microsoft.com/office/powerpoint/2010/main" val="3767298479"/>
       </p:ext>
     </p:extLst>
   </p:cSld>
   <p:clrMapOvr>
     <a:masterClrMapping/>
   </p:clrMapOvr>
-  <p:timing>
-    <p:tnLst>
-      <p:par>
-        <p:cTn id="1" dur="indefinite" restart="never" nodeType="tmRoot">
-          <p:childTnLst>
-            <p:seq concurrent="1" nextAc="seek">
-              <p:cTn id="2" dur="indefinite" nodeType="mainSeq">
-                <p:childTnLst>
-                  <p:par>
-                    <p:cTn id="3" fill="hold">
-                      <p:stCondLst>
-                        <p:cond delay="indefinite"/>
-                      </p:stCondLst>
-                      <p:childTnLst>
-                        <p:par>
-                          <p:cTn id="4" fill="hold">
-                            <p:stCondLst>
-                              <p:cond delay="0"/>
-                            </p:stCondLst>
-                            <p:childTnLst>
-                              <p:par>
-                                <p:cTn id="5" presetID="10" presetClass="entr" presetSubtype="0" fill="hold" nodeType="clickEffect">
-                                  <p:stCondLst>
-                                    <p:cond delay="0"/>
-                                  </p:stCondLst>
-                                  <p:childTnLst>
-                                    <p:set>
-                                      <p:cBhvr>
-                                        <p:cTn id="6" dur="1" fill="hold">
-                                          <p:stCondLst>
-                                            <p:cond delay="0"/>
-                                          </p:stCondLst>
-                                        </p:cTn>
-                                        <p:tgtEl>
-                                          <p:spTgt spid="3">
-                                            <p:txEl>
-                                              <p:pRg st="0" end="0"/>
-                                            </p:txEl>
-                                          </p:spTgt>
-                                        </p:tgtEl>
-                                        <p:attrNameLst>
-                                          <p:attrName>style.visibility</p:attrName>
-                                        </p:attrNameLst>
-                                      </p:cBhvr>
-                                      <p:to>
-                                        <p:strVal val="visible"/>
-                                      </p:to>
-                                    </p:set>
-                                    <p:animEffect transition="in" filter="fade">
-                                      <p:cBhvr>
-                                        <p:cTn id="7" dur="500"/>
-                                        <p:tgtEl>
-                                          <p:spTgt spid="3">
-                                            <p:txEl>
-                                              <p:pRg st="0" end="0"/>
-                                            </p:txEl>
-                                          </p:spTgt>
-                                        </p:tgtEl>
-                                      </p:cBhvr>
-                                    </p:animEffect>
-                                  </p:childTnLst>
-                                </p:cTn>
-                              </p:par>
-                            </p:childTnLst>
-                          </p:cTn>
-                        </p:par>
-                      </p:childTnLst>
-                    </p:cTn>
-                  </p:par>
-                </p:childTnLst>
-              </p:cTn>
-              <p:prevCondLst>
-                <p:cond evt="onPrev" delay="0">
-                  <p:tgtEl>
-                    <p:sldTgt/>
-                  </p:tgtEl>
-                </p:cond>
-              </p:prevCondLst>
-              <p:nextCondLst>
-                <p:cond evt="onNext" delay="0">
-                  <p:tgtEl>
-                    <p:sldTgt/>
-                  </p:tgtEl>
-                </p:cond>
-              </p:nextCondLst>
-            </p:seq>
-          </p:childTnLst>
-        </p:cTn>
-      </p:par>
-    </p:tnLst>
-  </p:timing>
 </p:sld>
 </file>
 
@@ -8421,6 +8597,606 @@
     <p:extLst>
       <p:ext uri="{BB962C8B-B14F-4D97-AF65-F5344CB8AC3E}">
         <p14:creationId xmlns:p14="http://schemas.microsoft.com/office/powerpoint/2010/main" val="852508637"/>
+      </p:ext>
+    </p:extLst>
+  </p:cSld>
+  <p:clrMapOvr>
+    <a:masterClrMapping/>
+  </p:clrMapOvr>
+  <p:timing>
+    <p:tnLst>
+      <p:par>
+        <p:cTn id="1" dur="indefinite" restart="never" nodeType="tmRoot">
+          <p:childTnLst>
+            <p:seq concurrent="1" nextAc="seek">
+              <p:cTn id="2" dur="indefinite" nodeType="mainSeq">
+                <p:childTnLst>
+                  <p:par>
+                    <p:cTn id="3" fill="hold">
+                      <p:stCondLst>
+                        <p:cond delay="indefinite"/>
+                      </p:stCondLst>
+                      <p:childTnLst>
+                        <p:par>
+                          <p:cTn id="4" fill="hold">
+                            <p:stCondLst>
+                              <p:cond delay="0"/>
+                            </p:stCondLst>
+                            <p:childTnLst>
+                              <p:par>
+                                <p:cTn id="5" presetID="10" presetClass="entr" presetSubtype="0" fill="hold" nodeType="clickEffect">
+                                  <p:stCondLst>
+                                    <p:cond delay="0"/>
+                                  </p:stCondLst>
+                                  <p:childTnLst>
+                                    <p:set>
+                                      <p:cBhvr>
+                                        <p:cTn id="6" dur="1" fill="hold">
+                                          <p:stCondLst>
+                                            <p:cond delay="0"/>
+                                          </p:stCondLst>
+                                        </p:cTn>
+                                        <p:tgtEl>
+                                          <p:spTgt spid="3">
+                                            <p:txEl>
+                                              <p:pRg st="0" end="0"/>
+                                            </p:txEl>
+                                          </p:spTgt>
+                                        </p:tgtEl>
+                                        <p:attrNameLst>
+                                          <p:attrName>style.visibility</p:attrName>
+                                        </p:attrNameLst>
+                                      </p:cBhvr>
+                                      <p:to>
+                                        <p:strVal val="visible"/>
+                                      </p:to>
+                                    </p:set>
+                                    <p:animEffect transition="in" filter="fade">
+                                      <p:cBhvr>
+                                        <p:cTn id="7" dur="500"/>
+                                        <p:tgtEl>
+                                          <p:spTgt spid="3">
+                                            <p:txEl>
+                                              <p:pRg st="0" end="0"/>
+                                            </p:txEl>
+                                          </p:spTgt>
+                                        </p:tgtEl>
+                                      </p:cBhvr>
+                                    </p:animEffect>
+                                  </p:childTnLst>
+                                </p:cTn>
+                              </p:par>
+                            </p:childTnLst>
+                          </p:cTn>
+                        </p:par>
+                      </p:childTnLst>
+                    </p:cTn>
+                  </p:par>
+                </p:childTnLst>
+              </p:cTn>
+              <p:prevCondLst>
+                <p:cond evt="onPrev" delay="0">
+                  <p:tgtEl>
+                    <p:sldTgt/>
+                  </p:tgtEl>
+                </p:cond>
+              </p:prevCondLst>
+              <p:nextCondLst>
+                <p:cond evt="onNext" delay="0">
+                  <p:tgtEl>
+                    <p:sldTgt/>
+                  </p:tgtEl>
+                </p:cond>
+              </p:nextCondLst>
+            </p:seq>
+          </p:childTnLst>
+        </p:cTn>
+      </p:par>
+    </p:tnLst>
+  </p:timing>
+</p:sld>
+</file>
+
+<file path=ppt/slides/slide23.xml><?xml version="1.0" encoding="utf-8"?>
+<p:sld xmlns:a="http://schemas.openxmlformats.org/drawingml/2006/main" xmlns:r="http://schemas.openxmlformats.org/officeDocument/2006/relationships" xmlns:p="http://schemas.openxmlformats.org/presentationml/2006/main">
+  <p:cSld>
+    <p:bg>
+      <p:bgPr>
+        <a:blipFill dpi="0" rotWithShape="1">
+          <a:blip r:embed="rId2">
+            <a:lum/>
+          </a:blip>
+          <a:srcRect/>
+          <a:stretch>
+            <a:fillRect/>
+          </a:stretch>
+        </a:blipFill>
+        <a:effectLst/>
+      </p:bgPr>
+    </p:bg>
+    <p:spTree>
+      <p:nvGrpSpPr>
+        <p:cNvPr id="1" name=""/>
+        <p:cNvGrpSpPr/>
+        <p:nvPr/>
+      </p:nvGrpSpPr>
+      <p:grpSpPr>
+        <a:xfrm>
+          <a:off x="0" y="0"/>
+          <a:ext cx="0" cy="0"/>
+          <a:chOff x="0" y="0"/>
+          <a:chExt cx="0" cy="0"/>
+        </a:xfrm>
+      </p:grpSpPr>
+      <p:sp>
+        <p:nvSpPr>
+          <p:cNvPr id="2" name="Title 1">
+            <a:extLst>
+              <a:ext uri="{FF2B5EF4-FFF2-40B4-BE49-F238E27FC236}">
+                <a16:creationId xmlns:a16="http://schemas.microsoft.com/office/drawing/2014/main" id="{55E11F08-6CA0-48F1-AD67-97430DDA07F0}"/>
+              </a:ext>
+            </a:extLst>
+          </p:cNvPr>
+          <p:cNvSpPr>
+            <a:spLocks noGrp="1"/>
+          </p:cNvSpPr>
+          <p:nvPr>
+            <p:ph type="title"/>
+          </p:nvPr>
+        </p:nvSpPr>
+        <p:spPr/>
+        <p:txBody>
+          <a:bodyPr/>
+          <a:lstStyle/>
+          <a:p>
+            <a:r>
+              <a:rPr lang="en-US" b="1" dirty="0">
+                <a:solidFill>
+                  <a:srgbClr val="292D33"/>
+                </a:solidFill>
+                <a:latin typeface="Euclid Circular B" panose="020B0504000000000000" pitchFamily="34" charset="0"/>
+                <a:ea typeface="Euclid Circular B" panose="020B0504000000000000" pitchFamily="34" charset="0"/>
+              </a:rPr>
+              <a:t>TODO</a:t>
+            </a:r>
+          </a:p>
+        </p:txBody>
+      </p:sp>
+      <p:sp>
+        <p:nvSpPr>
+          <p:cNvPr id="3" name="Content Placeholder 2">
+            <a:extLst>
+              <a:ext uri="{FF2B5EF4-FFF2-40B4-BE49-F238E27FC236}">
+                <a16:creationId xmlns:a16="http://schemas.microsoft.com/office/drawing/2014/main" id="{891C7693-D3DF-4635-96F4-97F3B4136FDF}"/>
+              </a:ext>
+            </a:extLst>
+          </p:cNvPr>
+          <p:cNvSpPr>
+            <a:spLocks noGrp="1"/>
+          </p:cNvSpPr>
+          <p:nvPr>
+            <p:ph idx="1"/>
+          </p:nvPr>
+        </p:nvSpPr>
+        <p:spPr/>
+        <p:txBody>
+          <a:bodyPr/>
+          <a:lstStyle/>
+          <a:p>
+            <a:r>
+              <a:rPr lang="en-US" dirty="0">
+                <a:latin typeface="Euclid Circular B" panose="020B0504000000000000" pitchFamily="34" charset="0"/>
+                <a:ea typeface="Euclid Circular B" panose="020B0504000000000000" pitchFamily="34" charset="0"/>
+              </a:rPr>
+              <a:t>Content</a:t>
+            </a:r>
+          </a:p>
+        </p:txBody>
+      </p:sp>
+    </p:spTree>
+    <p:extLst>
+      <p:ext uri="{BB962C8B-B14F-4D97-AF65-F5344CB8AC3E}">
+        <p14:creationId xmlns:p14="http://schemas.microsoft.com/office/powerpoint/2010/main" val="1974742614"/>
+      </p:ext>
+    </p:extLst>
+  </p:cSld>
+  <p:clrMapOvr>
+    <a:masterClrMapping/>
+  </p:clrMapOvr>
+  <p:timing>
+    <p:tnLst>
+      <p:par>
+        <p:cTn id="1" dur="indefinite" restart="never" nodeType="tmRoot">
+          <p:childTnLst>
+            <p:seq concurrent="1" nextAc="seek">
+              <p:cTn id="2" dur="indefinite" nodeType="mainSeq">
+                <p:childTnLst>
+                  <p:par>
+                    <p:cTn id="3" fill="hold">
+                      <p:stCondLst>
+                        <p:cond delay="indefinite"/>
+                      </p:stCondLst>
+                      <p:childTnLst>
+                        <p:par>
+                          <p:cTn id="4" fill="hold">
+                            <p:stCondLst>
+                              <p:cond delay="0"/>
+                            </p:stCondLst>
+                            <p:childTnLst>
+                              <p:par>
+                                <p:cTn id="5" presetID="10" presetClass="entr" presetSubtype="0" fill="hold" nodeType="clickEffect">
+                                  <p:stCondLst>
+                                    <p:cond delay="0"/>
+                                  </p:stCondLst>
+                                  <p:childTnLst>
+                                    <p:set>
+                                      <p:cBhvr>
+                                        <p:cTn id="6" dur="1" fill="hold">
+                                          <p:stCondLst>
+                                            <p:cond delay="0"/>
+                                          </p:stCondLst>
+                                        </p:cTn>
+                                        <p:tgtEl>
+                                          <p:spTgt spid="3">
+                                            <p:txEl>
+                                              <p:pRg st="0" end="0"/>
+                                            </p:txEl>
+                                          </p:spTgt>
+                                        </p:tgtEl>
+                                        <p:attrNameLst>
+                                          <p:attrName>style.visibility</p:attrName>
+                                        </p:attrNameLst>
+                                      </p:cBhvr>
+                                      <p:to>
+                                        <p:strVal val="visible"/>
+                                      </p:to>
+                                    </p:set>
+                                    <p:animEffect transition="in" filter="fade">
+                                      <p:cBhvr>
+                                        <p:cTn id="7" dur="500"/>
+                                        <p:tgtEl>
+                                          <p:spTgt spid="3">
+                                            <p:txEl>
+                                              <p:pRg st="0" end="0"/>
+                                            </p:txEl>
+                                          </p:spTgt>
+                                        </p:tgtEl>
+                                      </p:cBhvr>
+                                    </p:animEffect>
+                                  </p:childTnLst>
+                                </p:cTn>
+                              </p:par>
+                            </p:childTnLst>
+                          </p:cTn>
+                        </p:par>
+                      </p:childTnLst>
+                    </p:cTn>
+                  </p:par>
+                </p:childTnLst>
+              </p:cTn>
+              <p:prevCondLst>
+                <p:cond evt="onPrev" delay="0">
+                  <p:tgtEl>
+                    <p:sldTgt/>
+                  </p:tgtEl>
+                </p:cond>
+              </p:prevCondLst>
+              <p:nextCondLst>
+                <p:cond evt="onNext" delay="0">
+                  <p:tgtEl>
+                    <p:sldTgt/>
+                  </p:tgtEl>
+                </p:cond>
+              </p:nextCondLst>
+            </p:seq>
+          </p:childTnLst>
+        </p:cTn>
+      </p:par>
+    </p:tnLst>
+  </p:timing>
+</p:sld>
+</file>
+
+<file path=ppt/slides/slide24.xml><?xml version="1.0" encoding="utf-8"?>
+<p:sld xmlns:a="http://schemas.openxmlformats.org/drawingml/2006/main" xmlns:r="http://schemas.openxmlformats.org/officeDocument/2006/relationships" xmlns:p="http://schemas.openxmlformats.org/presentationml/2006/main">
+  <p:cSld>
+    <p:bg>
+      <p:bgPr>
+        <a:blipFill dpi="0" rotWithShape="1">
+          <a:blip r:embed="rId2">
+            <a:lum/>
+          </a:blip>
+          <a:srcRect/>
+          <a:stretch>
+            <a:fillRect/>
+          </a:stretch>
+        </a:blipFill>
+        <a:effectLst/>
+      </p:bgPr>
+    </p:bg>
+    <p:spTree>
+      <p:nvGrpSpPr>
+        <p:cNvPr id="1" name=""/>
+        <p:cNvGrpSpPr/>
+        <p:nvPr/>
+      </p:nvGrpSpPr>
+      <p:grpSpPr>
+        <a:xfrm>
+          <a:off x="0" y="0"/>
+          <a:ext cx="0" cy="0"/>
+          <a:chOff x="0" y="0"/>
+          <a:chExt cx="0" cy="0"/>
+        </a:xfrm>
+      </p:grpSpPr>
+      <p:sp>
+        <p:nvSpPr>
+          <p:cNvPr id="2" name="Title 1">
+            <a:extLst>
+              <a:ext uri="{FF2B5EF4-FFF2-40B4-BE49-F238E27FC236}">
+                <a16:creationId xmlns:a16="http://schemas.microsoft.com/office/drawing/2014/main" id="{55E11F08-6CA0-48F1-AD67-97430DDA07F0}"/>
+              </a:ext>
+            </a:extLst>
+          </p:cNvPr>
+          <p:cNvSpPr>
+            <a:spLocks noGrp="1"/>
+          </p:cNvSpPr>
+          <p:nvPr>
+            <p:ph type="title"/>
+          </p:nvPr>
+        </p:nvSpPr>
+        <p:spPr/>
+        <p:txBody>
+          <a:bodyPr/>
+          <a:lstStyle/>
+          <a:p>
+            <a:r>
+              <a:rPr lang="en-US" b="1" dirty="0">
+                <a:solidFill>
+                  <a:srgbClr val="292D33"/>
+                </a:solidFill>
+                <a:latin typeface="Euclid Circular B" panose="020B0504000000000000" pitchFamily="34" charset="0"/>
+                <a:ea typeface="Euclid Circular B" panose="020B0504000000000000" pitchFamily="34" charset="0"/>
+              </a:rPr>
+              <a:t>TODO</a:t>
+            </a:r>
+          </a:p>
+        </p:txBody>
+      </p:sp>
+      <p:sp>
+        <p:nvSpPr>
+          <p:cNvPr id="3" name="Content Placeholder 2">
+            <a:extLst>
+              <a:ext uri="{FF2B5EF4-FFF2-40B4-BE49-F238E27FC236}">
+                <a16:creationId xmlns:a16="http://schemas.microsoft.com/office/drawing/2014/main" id="{891C7693-D3DF-4635-96F4-97F3B4136FDF}"/>
+              </a:ext>
+            </a:extLst>
+          </p:cNvPr>
+          <p:cNvSpPr>
+            <a:spLocks noGrp="1"/>
+          </p:cNvSpPr>
+          <p:nvPr>
+            <p:ph idx="1"/>
+          </p:nvPr>
+        </p:nvSpPr>
+        <p:spPr/>
+        <p:txBody>
+          <a:bodyPr/>
+          <a:lstStyle/>
+          <a:p>
+            <a:r>
+              <a:rPr lang="en-US" dirty="0">
+                <a:latin typeface="Euclid Circular B" panose="020B0504000000000000" pitchFamily="34" charset="0"/>
+                <a:ea typeface="Euclid Circular B" panose="020B0504000000000000" pitchFamily="34" charset="0"/>
+              </a:rPr>
+              <a:t>Content</a:t>
+            </a:r>
+          </a:p>
+        </p:txBody>
+      </p:sp>
+    </p:spTree>
+    <p:extLst>
+      <p:ext uri="{BB962C8B-B14F-4D97-AF65-F5344CB8AC3E}">
+        <p14:creationId xmlns:p14="http://schemas.microsoft.com/office/powerpoint/2010/main" val="3969693155"/>
+      </p:ext>
+    </p:extLst>
+  </p:cSld>
+  <p:clrMapOvr>
+    <a:masterClrMapping/>
+  </p:clrMapOvr>
+  <p:timing>
+    <p:tnLst>
+      <p:par>
+        <p:cTn id="1" dur="indefinite" restart="never" nodeType="tmRoot">
+          <p:childTnLst>
+            <p:seq concurrent="1" nextAc="seek">
+              <p:cTn id="2" dur="indefinite" nodeType="mainSeq">
+                <p:childTnLst>
+                  <p:par>
+                    <p:cTn id="3" fill="hold">
+                      <p:stCondLst>
+                        <p:cond delay="indefinite"/>
+                      </p:stCondLst>
+                      <p:childTnLst>
+                        <p:par>
+                          <p:cTn id="4" fill="hold">
+                            <p:stCondLst>
+                              <p:cond delay="0"/>
+                            </p:stCondLst>
+                            <p:childTnLst>
+                              <p:par>
+                                <p:cTn id="5" presetID="10" presetClass="entr" presetSubtype="0" fill="hold" nodeType="clickEffect">
+                                  <p:stCondLst>
+                                    <p:cond delay="0"/>
+                                  </p:stCondLst>
+                                  <p:childTnLst>
+                                    <p:set>
+                                      <p:cBhvr>
+                                        <p:cTn id="6" dur="1" fill="hold">
+                                          <p:stCondLst>
+                                            <p:cond delay="0"/>
+                                          </p:stCondLst>
+                                        </p:cTn>
+                                        <p:tgtEl>
+                                          <p:spTgt spid="3">
+                                            <p:txEl>
+                                              <p:pRg st="0" end="0"/>
+                                            </p:txEl>
+                                          </p:spTgt>
+                                        </p:tgtEl>
+                                        <p:attrNameLst>
+                                          <p:attrName>style.visibility</p:attrName>
+                                        </p:attrNameLst>
+                                      </p:cBhvr>
+                                      <p:to>
+                                        <p:strVal val="visible"/>
+                                      </p:to>
+                                    </p:set>
+                                    <p:animEffect transition="in" filter="fade">
+                                      <p:cBhvr>
+                                        <p:cTn id="7" dur="500"/>
+                                        <p:tgtEl>
+                                          <p:spTgt spid="3">
+                                            <p:txEl>
+                                              <p:pRg st="0" end="0"/>
+                                            </p:txEl>
+                                          </p:spTgt>
+                                        </p:tgtEl>
+                                      </p:cBhvr>
+                                    </p:animEffect>
+                                  </p:childTnLst>
+                                </p:cTn>
+                              </p:par>
+                            </p:childTnLst>
+                          </p:cTn>
+                        </p:par>
+                      </p:childTnLst>
+                    </p:cTn>
+                  </p:par>
+                </p:childTnLst>
+              </p:cTn>
+              <p:prevCondLst>
+                <p:cond evt="onPrev" delay="0">
+                  <p:tgtEl>
+                    <p:sldTgt/>
+                  </p:tgtEl>
+                </p:cond>
+              </p:prevCondLst>
+              <p:nextCondLst>
+                <p:cond evt="onNext" delay="0">
+                  <p:tgtEl>
+                    <p:sldTgt/>
+                  </p:tgtEl>
+                </p:cond>
+              </p:nextCondLst>
+            </p:seq>
+          </p:childTnLst>
+        </p:cTn>
+      </p:par>
+    </p:tnLst>
+  </p:timing>
+</p:sld>
+</file>
+
+<file path=ppt/slides/slide25.xml><?xml version="1.0" encoding="utf-8"?>
+<p:sld xmlns:a="http://schemas.openxmlformats.org/drawingml/2006/main" xmlns:r="http://schemas.openxmlformats.org/officeDocument/2006/relationships" xmlns:p="http://schemas.openxmlformats.org/presentationml/2006/main">
+  <p:cSld>
+    <p:bg>
+      <p:bgPr>
+        <a:blipFill dpi="0" rotWithShape="1">
+          <a:blip r:embed="rId2">
+            <a:lum/>
+          </a:blip>
+          <a:srcRect/>
+          <a:stretch>
+            <a:fillRect/>
+          </a:stretch>
+        </a:blipFill>
+        <a:effectLst/>
+      </p:bgPr>
+    </p:bg>
+    <p:spTree>
+      <p:nvGrpSpPr>
+        <p:cNvPr id="1" name=""/>
+        <p:cNvGrpSpPr/>
+        <p:nvPr/>
+      </p:nvGrpSpPr>
+      <p:grpSpPr>
+        <a:xfrm>
+          <a:off x="0" y="0"/>
+          <a:ext cx="0" cy="0"/>
+          <a:chOff x="0" y="0"/>
+          <a:chExt cx="0" cy="0"/>
+        </a:xfrm>
+      </p:grpSpPr>
+      <p:sp>
+        <p:nvSpPr>
+          <p:cNvPr id="2" name="Title 1">
+            <a:extLst>
+              <a:ext uri="{FF2B5EF4-FFF2-40B4-BE49-F238E27FC236}">
+                <a16:creationId xmlns:a16="http://schemas.microsoft.com/office/drawing/2014/main" id="{55E11F08-6CA0-48F1-AD67-97430DDA07F0}"/>
+              </a:ext>
+            </a:extLst>
+          </p:cNvPr>
+          <p:cNvSpPr>
+            <a:spLocks noGrp="1"/>
+          </p:cNvSpPr>
+          <p:nvPr>
+            <p:ph type="title"/>
+          </p:nvPr>
+        </p:nvSpPr>
+        <p:spPr/>
+        <p:txBody>
+          <a:bodyPr/>
+          <a:lstStyle/>
+          <a:p>
+            <a:r>
+              <a:rPr lang="en-US" b="1" dirty="0">
+                <a:solidFill>
+                  <a:srgbClr val="292D33"/>
+                </a:solidFill>
+                <a:latin typeface="Euclid Circular B" panose="020B0504000000000000" pitchFamily="34" charset="0"/>
+                <a:ea typeface="Euclid Circular B" panose="020B0504000000000000" pitchFamily="34" charset="0"/>
+              </a:rPr>
+              <a:t>TODO</a:t>
+            </a:r>
+          </a:p>
+        </p:txBody>
+      </p:sp>
+      <p:sp>
+        <p:nvSpPr>
+          <p:cNvPr id="3" name="Content Placeholder 2">
+            <a:extLst>
+              <a:ext uri="{FF2B5EF4-FFF2-40B4-BE49-F238E27FC236}">
+                <a16:creationId xmlns:a16="http://schemas.microsoft.com/office/drawing/2014/main" id="{891C7693-D3DF-4635-96F4-97F3B4136FDF}"/>
+              </a:ext>
+            </a:extLst>
+          </p:cNvPr>
+          <p:cNvSpPr>
+            <a:spLocks noGrp="1"/>
+          </p:cNvSpPr>
+          <p:nvPr>
+            <p:ph idx="1"/>
+          </p:nvPr>
+        </p:nvSpPr>
+        <p:spPr/>
+        <p:txBody>
+          <a:bodyPr/>
+          <a:lstStyle/>
+          <a:p>
+            <a:r>
+              <a:rPr lang="en-US" dirty="0">
+                <a:latin typeface="Euclid Circular B" panose="020B0504000000000000" pitchFamily="34" charset="0"/>
+                <a:ea typeface="Euclid Circular B" panose="020B0504000000000000" pitchFamily="34" charset="0"/>
+              </a:rPr>
+              <a:t>Content</a:t>
+            </a:r>
+          </a:p>
+        </p:txBody>
+      </p:sp>
+    </p:spTree>
+    <p:extLst>
+      <p:ext uri="{BB962C8B-B14F-4D97-AF65-F5344CB8AC3E}">
+        <p14:creationId xmlns:p14="http://schemas.microsoft.com/office/powerpoint/2010/main" val="2136157487"/>
       </p:ext>
     </p:extLst>
   </p:cSld>

--- a/2022-11-24 ABP Community Talks 2022.9/ABP-7-News.pptx
+++ b/2022-11-24 ABP Community Talks 2022.9/ABP-7-News.pptx
@@ -283,7 +283,7 @@
           <a:p>
             <a:fld id="{2A14C9FE-EBC3-45D3-899C-58AAF4F8AF71}" type="datetimeFigureOut">
               <a:rPr lang="en-US" smtClean="0"/>
-              <a:t>21-Nov-22</a:t>
+              <a:t>22-Nov-22</a:t>
             </a:fld>
             <a:endParaRPr lang="en-US"/>
           </a:p>
@@ -481,7 +481,7 @@
           <a:p>
             <a:fld id="{2A14C9FE-EBC3-45D3-899C-58AAF4F8AF71}" type="datetimeFigureOut">
               <a:rPr lang="en-US" smtClean="0"/>
-              <a:t>21-Nov-22</a:t>
+              <a:t>22-Nov-22</a:t>
             </a:fld>
             <a:endParaRPr lang="en-US"/>
           </a:p>
@@ -689,7 +689,7 @@
           <a:p>
             <a:fld id="{2A14C9FE-EBC3-45D3-899C-58AAF4F8AF71}" type="datetimeFigureOut">
               <a:rPr lang="en-US" smtClean="0"/>
-              <a:t>21-Nov-22</a:t>
+              <a:t>22-Nov-22</a:t>
             </a:fld>
             <a:endParaRPr lang="en-US"/>
           </a:p>
@@ -887,7 +887,7 @@
           <a:p>
             <a:fld id="{2A14C9FE-EBC3-45D3-899C-58AAF4F8AF71}" type="datetimeFigureOut">
               <a:rPr lang="en-US" smtClean="0"/>
-              <a:t>21-Nov-22</a:t>
+              <a:t>22-Nov-22</a:t>
             </a:fld>
             <a:endParaRPr lang="en-US"/>
           </a:p>
@@ -1162,7 +1162,7 @@
           <a:p>
             <a:fld id="{2A14C9FE-EBC3-45D3-899C-58AAF4F8AF71}" type="datetimeFigureOut">
               <a:rPr lang="en-US" smtClean="0"/>
-              <a:t>21-Nov-22</a:t>
+              <a:t>22-Nov-22</a:t>
             </a:fld>
             <a:endParaRPr lang="en-US"/>
           </a:p>
@@ -1427,7 +1427,7 @@
           <a:p>
             <a:fld id="{2A14C9FE-EBC3-45D3-899C-58AAF4F8AF71}" type="datetimeFigureOut">
               <a:rPr lang="en-US" smtClean="0"/>
-              <a:t>21-Nov-22</a:t>
+              <a:t>22-Nov-22</a:t>
             </a:fld>
             <a:endParaRPr lang="en-US"/>
           </a:p>
@@ -1839,7 +1839,7 @@
           <a:p>
             <a:fld id="{2A14C9FE-EBC3-45D3-899C-58AAF4F8AF71}" type="datetimeFigureOut">
               <a:rPr lang="en-US" smtClean="0"/>
-              <a:t>21-Nov-22</a:t>
+              <a:t>22-Nov-22</a:t>
             </a:fld>
             <a:endParaRPr lang="en-US"/>
           </a:p>
@@ -1980,7 +1980,7 @@
           <a:p>
             <a:fld id="{2A14C9FE-EBC3-45D3-899C-58AAF4F8AF71}" type="datetimeFigureOut">
               <a:rPr lang="en-US" smtClean="0"/>
-              <a:t>21-Nov-22</a:t>
+              <a:t>22-Nov-22</a:t>
             </a:fld>
             <a:endParaRPr lang="en-US"/>
           </a:p>
@@ -2093,7 +2093,7 @@
           <a:p>
             <a:fld id="{2A14C9FE-EBC3-45D3-899C-58AAF4F8AF71}" type="datetimeFigureOut">
               <a:rPr lang="en-US" smtClean="0"/>
-              <a:t>21-Nov-22</a:t>
+              <a:t>22-Nov-22</a:t>
             </a:fld>
             <a:endParaRPr lang="en-US"/>
           </a:p>
@@ -2404,7 +2404,7 @@
           <a:p>
             <a:fld id="{2A14C9FE-EBC3-45D3-899C-58AAF4F8AF71}" type="datetimeFigureOut">
               <a:rPr lang="en-US" smtClean="0"/>
-              <a:t>21-Nov-22</a:t>
+              <a:t>22-Nov-22</a:t>
             </a:fld>
             <a:endParaRPr lang="en-US"/>
           </a:p>
@@ -2692,7 +2692,7 @@
           <a:p>
             <a:fld id="{2A14C9FE-EBC3-45D3-899C-58AAF4F8AF71}" type="datetimeFigureOut">
               <a:rPr lang="en-US" smtClean="0"/>
-              <a:t>21-Nov-22</a:t>
+              <a:t>22-Nov-22</a:t>
             </a:fld>
             <a:endParaRPr lang="en-US"/>
           </a:p>
@@ -2933,7 +2933,7 @@
           <a:p>
             <a:fld id="{2A14C9FE-EBC3-45D3-899C-58AAF4F8AF71}" type="datetimeFigureOut">
               <a:rPr lang="en-US" smtClean="0"/>
-              <a:t>21-Nov-22</a:t>
+              <a:t>22-Nov-22</a:t>
             </a:fld>
             <a:endParaRPr lang="en-US"/>
           </a:p>
@@ -6558,6 +6558,142 @@
   <p:clrMapOvr>
     <a:masterClrMapping/>
   </p:clrMapOvr>
+  <p:timing>
+    <p:tnLst>
+      <p:par>
+        <p:cTn id="1" dur="indefinite" restart="never" nodeType="tmRoot">
+          <p:childTnLst>
+            <p:seq concurrent="1" nextAc="seek">
+              <p:cTn id="2" dur="indefinite" nodeType="mainSeq">
+                <p:childTnLst>
+                  <p:par>
+                    <p:cTn id="3" fill="hold">
+                      <p:stCondLst>
+                        <p:cond delay="indefinite"/>
+                      </p:stCondLst>
+                      <p:childTnLst>
+                        <p:par>
+                          <p:cTn id="4" fill="hold">
+                            <p:stCondLst>
+                              <p:cond delay="0"/>
+                            </p:stCondLst>
+                            <p:childTnLst>
+                              <p:par>
+                                <p:cTn id="5" presetID="10" presetClass="entr" presetSubtype="0" fill="hold" nodeType="clickEffect">
+                                  <p:stCondLst>
+                                    <p:cond delay="0"/>
+                                  </p:stCondLst>
+                                  <p:childTnLst>
+                                    <p:set>
+                                      <p:cBhvr>
+                                        <p:cTn id="6" dur="1" fill="hold">
+                                          <p:stCondLst>
+                                            <p:cond delay="0"/>
+                                          </p:stCondLst>
+                                        </p:cTn>
+                                        <p:tgtEl>
+                                          <p:spTgt spid="6"/>
+                                        </p:tgtEl>
+                                        <p:attrNameLst>
+                                          <p:attrName>style.visibility</p:attrName>
+                                        </p:attrNameLst>
+                                      </p:cBhvr>
+                                      <p:to>
+                                        <p:strVal val="visible"/>
+                                      </p:to>
+                                    </p:set>
+                                    <p:animEffect transition="in" filter="fade">
+                                      <p:cBhvr>
+                                        <p:cTn id="7" dur="500"/>
+                                        <p:tgtEl>
+                                          <p:spTgt spid="6"/>
+                                        </p:tgtEl>
+                                      </p:cBhvr>
+                                    </p:animEffect>
+                                  </p:childTnLst>
+                                </p:cTn>
+                              </p:par>
+                            </p:childTnLst>
+                          </p:cTn>
+                        </p:par>
+                      </p:childTnLst>
+                    </p:cTn>
+                  </p:par>
+                  <p:par>
+                    <p:cTn id="8" fill="hold">
+                      <p:stCondLst>
+                        <p:cond delay="indefinite"/>
+                      </p:stCondLst>
+                      <p:childTnLst>
+                        <p:par>
+                          <p:cTn id="9" fill="hold">
+                            <p:stCondLst>
+                              <p:cond delay="0"/>
+                            </p:stCondLst>
+                            <p:childTnLst>
+                              <p:par>
+                                <p:cTn id="10" presetID="10" presetClass="entr" presetSubtype="0" fill="hold" nodeType="clickEffect">
+                                  <p:stCondLst>
+                                    <p:cond delay="0"/>
+                                  </p:stCondLst>
+                                  <p:childTnLst>
+                                    <p:set>
+                                      <p:cBhvr>
+                                        <p:cTn id="11" dur="1" fill="hold">
+                                          <p:stCondLst>
+                                            <p:cond delay="0"/>
+                                          </p:stCondLst>
+                                        </p:cTn>
+                                        <p:tgtEl>
+                                          <p:spTgt spid="4"/>
+                                        </p:tgtEl>
+                                        <p:attrNameLst>
+                                          <p:attrName>style.visibility</p:attrName>
+                                        </p:attrNameLst>
+                                      </p:cBhvr>
+                                      <p:to>
+                                        <p:strVal val="visible"/>
+                                      </p:to>
+                                    </p:set>
+                                    <p:animEffect transition="in" filter="fade">
+                                      <p:cBhvr>
+                                        <p:cTn id="12" dur="500"/>
+                                        <p:tgtEl>
+                                          <p:spTgt spid="4"/>
+                                        </p:tgtEl>
+                                      </p:cBhvr>
+                                    </p:animEffect>
+                                  </p:childTnLst>
+                                </p:cTn>
+                              </p:par>
+                            </p:childTnLst>
+                          </p:cTn>
+                        </p:par>
+                      </p:childTnLst>
+                    </p:cTn>
+                  </p:par>
+                </p:childTnLst>
+              </p:cTn>
+              <p:prevCondLst>
+                <p:cond evt="onPrev" delay="0">
+                  <p:tgtEl>
+                    <p:sldTgt/>
+                  </p:tgtEl>
+                </p:cond>
+              </p:prevCondLst>
+              <p:nextCondLst>
+                <p:cond evt="onNext" delay="0">
+                  <p:tgtEl>
+                    <p:sldTgt/>
+                  </p:tgtEl>
+                </p:cond>
+              </p:nextCondLst>
+            </p:seq>
+          </p:childTnLst>
+        </p:cTn>
+      </p:par>
+    </p:tnLst>
+  </p:timing>
 </p:sld>
 </file>
 
@@ -6831,6 +6967,305 @@
   <p:clrMapOvr>
     <a:masterClrMapping/>
   </p:clrMapOvr>
+  <p:timing>
+    <p:tnLst>
+      <p:par>
+        <p:cTn id="1" dur="indefinite" restart="never" nodeType="tmRoot">
+          <p:childTnLst>
+            <p:seq concurrent="1" nextAc="seek">
+              <p:cTn id="2" dur="indefinite" nodeType="mainSeq">
+                <p:childTnLst>
+                  <p:par>
+                    <p:cTn id="3" fill="hold">
+                      <p:stCondLst>
+                        <p:cond delay="indefinite"/>
+                      </p:stCondLst>
+                      <p:childTnLst>
+                        <p:par>
+                          <p:cTn id="4" fill="hold">
+                            <p:stCondLst>
+                              <p:cond delay="0"/>
+                            </p:stCondLst>
+                            <p:childTnLst>
+                              <p:par>
+                                <p:cTn id="5" presetID="10" presetClass="entr" presetSubtype="0" fill="hold" nodeType="clickEffect">
+                                  <p:stCondLst>
+                                    <p:cond delay="0"/>
+                                  </p:stCondLst>
+                                  <p:childTnLst>
+                                    <p:set>
+                                      <p:cBhvr>
+                                        <p:cTn id="6" dur="1" fill="hold">
+                                          <p:stCondLst>
+                                            <p:cond delay="0"/>
+                                          </p:stCondLst>
+                                        </p:cTn>
+                                        <p:tgtEl>
+                                          <p:spTgt spid="7"/>
+                                        </p:tgtEl>
+                                        <p:attrNameLst>
+                                          <p:attrName>style.visibility</p:attrName>
+                                        </p:attrNameLst>
+                                      </p:cBhvr>
+                                      <p:to>
+                                        <p:strVal val="visible"/>
+                                      </p:to>
+                                    </p:set>
+                                    <p:animEffect transition="in" filter="fade">
+                                      <p:cBhvr>
+                                        <p:cTn id="7" dur="500"/>
+                                        <p:tgtEl>
+                                          <p:spTgt spid="7"/>
+                                        </p:tgtEl>
+                                      </p:cBhvr>
+                                    </p:animEffect>
+                                  </p:childTnLst>
+                                </p:cTn>
+                              </p:par>
+                              <p:par>
+                                <p:cTn id="8" presetID="10" presetClass="entr" presetSubtype="0" fill="hold" grpId="0" nodeType="withEffect">
+                                  <p:stCondLst>
+                                    <p:cond delay="0"/>
+                                  </p:stCondLst>
+                                  <p:childTnLst>
+                                    <p:set>
+                                      <p:cBhvr>
+                                        <p:cTn id="9" dur="1" fill="hold">
+                                          <p:stCondLst>
+                                            <p:cond delay="0"/>
+                                          </p:stCondLst>
+                                        </p:cTn>
+                                        <p:tgtEl>
+                                          <p:spTgt spid="12"/>
+                                        </p:tgtEl>
+                                        <p:attrNameLst>
+                                          <p:attrName>style.visibility</p:attrName>
+                                        </p:attrNameLst>
+                                      </p:cBhvr>
+                                      <p:to>
+                                        <p:strVal val="visible"/>
+                                      </p:to>
+                                    </p:set>
+                                    <p:animEffect transition="in" filter="fade">
+                                      <p:cBhvr>
+                                        <p:cTn id="10" dur="500"/>
+                                        <p:tgtEl>
+                                          <p:spTgt spid="12"/>
+                                        </p:tgtEl>
+                                      </p:cBhvr>
+                                    </p:animEffect>
+                                  </p:childTnLst>
+                                </p:cTn>
+                              </p:par>
+                            </p:childTnLst>
+                          </p:cTn>
+                        </p:par>
+                      </p:childTnLst>
+                    </p:cTn>
+                  </p:par>
+                  <p:par>
+                    <p:cTn id="11" fill="hold">
+                      <p:stCondLst>
+                        <p:cond delay="indefinite"/>
+                      </p:stCondLst>
+                      <p:childTnLst>
+                        <p:par>
+                          <p:cTn id="12" fill="hold">
+                            <p:stCondLst>
+                              <p:cond delay="0"/>
+                            </p:stCondLst>
+                            <p:childTnLst>
+                              <p:par>
+                                <p:cTn id="13" presetID="10" presetClass="entr" presetSubtype="0" fill="hold" nodeType="clickEffect">
+                                  <p:stCondLst>
+                                    <p:cond delay="0"/>
+                                  </p:stCondLst>
+                                  <p:childTnLst>
+                                    <p:set>
+                                      <p:cBhvr>
+                                        <p:cTn id="14" dur="1" fill="hold">
+                                          <p:stCondLst>
+                                            <p:cond delay="0"/>
+                                          </p:stCondLst>
+                                        </p:cTn>
+                                        <p:tgtEl>
+                                          <p:spTgt spid="9"/>
+                                        </p:tgtEl>
+                                        <p:attrNameLst>
+                                          <p:attrName>style.visibility</p:attrName>
+                                        </p:attrNameLst>
+                                      </p:cBhvr>
+                                      <p:to>
+                                        <p:strVal val="visible"/>
+                                      </p:to>
+                                    </p:set>
+                                    <p:animEffect transition="in" filter="fade">
+                                      <p:cBhvr>
+                                        <p:cTn id="15" dur="500"/>
+                                        <p:tgtEl>
+                                          <p:spTgt spid="9"/>
+                                        </p:tgtEl>
+                                      </p:cBhvr>
+                                    </p:animEffect>
+                                  </p:childTnLst>
+                                </p:cTn>
+                              </p:par>
+                              <p:par>
+                                <p:cTn id="16" presetID="10" presetClass="entr" presetSubtype="0" fill="hold" grpId="0" nodeType="withEffect">
+                                  <p:stCondLst>
+                                    <p:cond delay="0"/>
+                                  </p:stCondLst>
+                                  <p:childTnLst>
+                                    <p:set>
+                                      <p:cBhvr>
+                                        <p:cTn id="17" dur="1" fill="hold">
+                                          <p:stCondLst>
+                                            <p:cond delay="0"/>
+                                          </p:stCondLst>
+                                        </p:cTn>
+                                        <p:tgtEl>
+                                          <p:spTgt spid="13"/>
+                                        </p:tgtEl>
+                                        <p:attrNameLst>
+                                          <p:attrName>style.visibility</p:attrName>
+                                        </p:attrNameLst>
+                                      </p:cBhvr>
+                                      <p:to>
+                                        <p:strVal val="visible"/>
+                                      </p:to>
+                                    </p:set>
+                                    <p:animEffect transition="in" filter="fade">
+                                      <p:cBhvr>
+                                        <p:cTn id="18" dur="500"/>
+                                        <p:tgtEl>
+                                          <p:spTgt spid="13"/>
+                                        </p:tgtEl>
+                                      </p:cBhvr>
+                                    </p:animEffect>
+                                  </p:childTnLst>
+                                </p:cTn>
+                              </p:par>
+                            </p:childTnLst>
+                          </p:cTn>
+                        </p:par>
+                      </p:childTnLst>
+                    </p:cTn>
+                  </p:par>
+                  <p:par>
+                    <p:cTn id="19" fill="hold">
+                      <p:stCondLst>
+                        <p:cond delay="indefinite"/>
+                      </p:stCondLst>
+                      <p:childTnLst>
+                        <p:par>
+                          <p:cTn id="20" fill="hold">
+                            <p:stCondLst>
+                              <p:cond delay="0"/>
+                            </p:stCondLst>
+                            <p:childTnLst>
+                              <p:par>
+                                <p:cTn id="21" presetID="10" presetClass="entr" presetSubtype="0" fill="hold" nodeType="clickEffect">
+                                  <p:stCondLst>
+                                    <p:cond delay="0"/>
+                                  </p:stCondLst>
+                                  <p:childTnLst>
+                                    <p:set>
+                                      <p:cBhvr>
+                                        <p:cTn id="22" dur="1" fill="hold">
+                                          <p:stCondLst>
+                                            <p:cond delay="0"/>
+                                          </p:stCondLst>
+                                        </p:cTn>
+                                        <p:tgtEl>
+                                          <p:spTgt spid="11"/>
+                                        </p:tgtEl>
+                                        <p:attrNameLst>
+                                          <p:attrName>style.visibility</p:attrName>
+                                        </p:attrNameLst>
+                                      </p:cBhvr>
+                                      <p:to>
+                                        <p:strVal val="visible"/>
+                                      </p:to>
+                                    </p:set>
+                                    <p:animEffect transition="in" filter="fade">
+                                      <p:cBhvr>
+                                        <p:cTn id="23" dur="500"/>
+                                        <p:tgtEl>
+                                          <p:spTgt spid="11"/>
+                                        </p:tgtEl>
+                                      </p:cBhvr>
+                                    </p:animEffect>
+                                  </p:childTnLst>
+                                </p:cTn>
+                              </p:par>
+                              <p:par>
+                                <p:cTn id="24" presetID="10" presetClass="entr" presetSubtype="0" fill="hold" grpId="0" nodeType="withEffect">
+                                  <p:stCondLst>
+                                    <p:cond delay="0"/>
+                                  </p:stCondLst>
+                                  <p:childTnLst>
+                                    <p:set>
+                                      <p:cBhvr>
+                                        <p:cTn id="25" dur="1" fill="hold">
+                                          <p:stCondLst>
+                                            <p:cond delay="0"/>
+                                          </p:stCondLst>
+                                        </p:cTn>
+                                        <p:tgtEl>
+                                          <p:spTgt spid="14"/>
+                                        </p:tgtEl>
+                                        <p:attrNameLst>
+                                          <p:attrName>style.visibility</p:attrName>
+                                        </p:attrNameLst>
+                                      </p:cBhvr>
+                                      <p:to>
+                                        <p:strVal val="visible"/>
+                                      </p:to>
+                                    </p:set>
+                                    <p:animEffect transition="in" filter="fade">
+                                      <p:cBhvr>
+                                        <p:cTn id="26" dur="500"/>
+                                        <p:tgtEl>
+                                          <p:spTgt spid="14"/>
+                                        </p:tgtEl>
+                                      </p:cBhvr>
+                                    </p:animEffect>
+                                  </p:childTnLst>
+                                </p:cTn>
+                              </p:par>
+                            </p:childTnLst>
+                          </p:cTn>
+                        </p:par>
+                      </p:childTnLst>
+                    </p:cTn>
+                  </p:par>
+                </p:childTnLst>
+              </p:cTn>
+              <p:prevCondLst>
+                <p:cond evt="onPrev" delay="0">
+                  <p:tgtEl>
+                    <p:sldTgt/>
+                  </p:tgtEl>
+                </p:cond>
+              </p:prevCondLst>
+              <p:nextCondLst>
+                <p:cond evt="onNext" delay="0">
+                  <p:tgtEl>
+                    <p:sldTgt/>
+                  </p:tgtEl>
+                </p:cond>
+              </p:nextCondLst>
+            </p:seq>
+          </p:childTnLst>
+        </p:cTn>
+      </p:par>
+    </p:tnLst>
+    <p:bldLst>
+      <p:bldP spid="12" grpId="0"/>
+      <p:bldP spid="13" grpId="0"/>
+      <p:bldP spid="14" grpId="0"/>
+    </p:bldLst>
+  </p:timing>
 </p:sld>
 </file>
 
@@ -6914,7 +7349,7 @@
         <p:spPr>
           <a:xfrm>
             <a:off x="866903" y="1788290"/>
-            <a:ext cx="3047181" cy="369332"/>
+            <a:ext cx="3273910" cy="369332"/>
           </a:xfrm>
           <a:prstGeom prst="rect">
             <a:avLst/>
@@ -6929,7 +7364,7 @@
           <a:p>
             <a:r>
               <a:rPr lang="en-US" b="1" dirty="0"/>
-              <a:t>///// you have an entity /////</a:t>
+              <a:t>///// you have a DTO class /////</a:t>
             </a:r>
           </a:p>
         </p:txBody>
@@ -7104,6 +7539,305 @@
   <p:clrMapOvr>
     <a:masterClrMapping/>
   </p:clrMapOvr>
+  <p:timing>
+    <p:tnLst>
+      <p:par>
+        <p:cTn id="1" dur="indefinite" restart="never" nodeType="tmRoot">
+          <p:childTnLst>
+            <p:seq concurrent="1" nextAc="seek">
+              <p:cTn id="2" dur="indefinite" nodeType="mainSeq">
+                <p:childTnLst>
+                  <p:par>
+                    <p:cTn id="3" fill="hold">
+                      <p:stCondLst>
+                        <p:cond delay="indefinite"/>
+                      </p:stCondLst>
+                      <p:childTnLst>
+                        <p:par>
+                          <p:cTn id="4" fill="hold">
+                            <p:stCondLst>
+                              <p:cond delay="0"/>
+                            </p:stCondLst>
+                            <p:childTnLst>
+                              <p:par>
+                                <p:cTn id="5" presetID="10" presetClass="entr" presetSubtype="0" fill="hold" grpId="0" nodeType="clickEffect">
+                                  <p:stCondLst>
+                                    <p:cond delay="0"/>
+                                  </p:stCondLst>
+                                  <p:childTnLst>
+                                    <p:set>
+                                      <p:cBhvr>
+                                        <p:cTn id="6" dur="1" fill="hold">
+                                          <p:stCondLst>
+                                            <p:cond delay="0"/>
+                                          </p:stCondLst>
+                                        </p:cTn>
+                                        <p:tgtEl>
+                                          <p:spTgt spid="12"/>
+                                        </p:tgtEl>
+                                        <p:attrNameLst>
+                                          <p:attrName>style.visibility</p:attrName>
+                                        </p:attrNameLst>
+                                      </p:cBhvr>
+                                      <p:to>
+                                        <p:strVal val="visible"/>
+                                      </p:to>
+                                    </p:set>
+                                    <p:animEffect transition="in" filter="fade">
+                                      <p:cBhvr>
+                                        <p:cTn id="7" dur="500"/>
+                                        <p:tgtEl>
+                                          <p:spTgt spid="12"/>
+                                        </p:tgtEl>
+                                      </p:cBhvr>
+                                    </p:animEffect>
+                                  </p:childTnLst>
+                                </p:cTn>
+                              </p:par>
+                              <p:par>
+                                <p:cTn id="8" presetID="10" presetClass="entr" presetSubtype="0" fill="hold" nodeType="withEffect">
+                                  <p:stCondLst>
+                                    <p:cond delay="0"/>
+                                  </p:stCondLst>
+                                  <p:childTnLst>
+                                    <p:set>
+                                      <p:cBhvr>
+                                        <p:cTn id="9" dur="1" fill="hold">
+                                          <p:stCondLst>
+                                            <p:cond delay="0"/>
+                                          </p:stCondLst>
+                                        </p:cTn>
+                                        <p:tgtEl>
+                                          <p:spTgt spid="3"/>
+                                        </p:tgtEl>
+                                        <p:attrNameLst>
+                                          <p:attrName>style.visibility</p:attrName>
+                                        </p:attrNameLst>
+                                      </p:cBhvr>
+                                      <p:to>
+                                        <p:strVal val="visible"/>
+                                      </p:to>
+                                    </p:set>
+                                    <p:animEffect transition="in" filter="fade">
+                                      <p:cBhvr>
+                                        <p:cTn id="10" dur="500"/>
+                                        <p:tgtEl>
+                                          <p:spTgt spid="3"/>
+                                        </p:tgtEl>
+                                      </p:cBhvr>
+                                    </p:animEffect>
+                                  </p:childTnLst>
+                                </p:cTn>
+                              </p:par>
+                            </p:childTnLst>
+                          </p:cTn>
+                        </p:par>
+                      </p:childTnLst>
+                    </p:cTn>
+                  </p:par>
+                  <p:par>
+                    <p:cTn id="11" fill="hold">
+                      <p:stCondLst>
+                        <p:cond delay="indefinite"/>
+                      </p:stCondLst>
+                      <p:childTnLst>
+                        <p:par>
+                          <p:cTn id="12" fill="hold">
+                            <p:stCondLst>
+                              <p:cond delay="0"/>
+                            </p:stCondLst>
+                            <p:childTnLst>
+                              <p:par>
+                                <p:cTn id="13" presetID="10" presetClass="entr" presetSubtype="0" fill="hold" grpId="0" nodeType="clickEffect">
+                                  <p:stCondLst>
+                                    <p:cond delay="0"/>
+                                  </p:stCondLst>
+                                  <p:childTnLst>
+                                    <p:set>
+                                      <p:cBhvr>
+                                        <p:cTn id="14" dur="1" fill="hold">
+                                          <p:stCondLst>
+                                            <p:cond delay="0"/>
+                                          </p:stCondLst>
+                                        </p:cTn>
+                                        <p:tgtEl>
+                                          <p:spTgt spid="13"/>
+                                        </p:tgtEl>
+                                        <p:attrNameLst>
+                                          <p:attrName>style.visibility</p:attrName>
+                                        </p:attrNameLst>
+                                      </p:cBhvr>
+                                      <p:to>
+                                        <p:strVal val="visible"/>
+                                      </p:to>
+                                    </p:set>
+                                    <p:animEffect transition="in" filter="fade">
+                                      <p:cBhvr>
+                                        <p:cTn id="15" dur="500"/>
+                                        <p:tgtEl>
+                                          <p:spTgt spid="13"/>
+                                        </p:tgtEl>
+                                      </p:cBhvr>
+                                    </p:animEffect>
+                                  </p:childTnLst>
+                                </p:cTn>
+                              </p:par>
+                              <p:par>
+                                <p:cTn id="16" presetID="10" presetClass="entr" presetSubtype="0" fill="hold" nodeType="withEffect">
+                                  <p:stCondLst>
+                                    <p:cond delay="0"/>
+                                  </p:stCondLst>
+                                  <p:childTnLst>
+                                    <p:set>
+                                      <p:cBhvr>
+                                        <p:cTn id="17" dur="1" fill="hold">
+                                          <p:stCondLst>
+                                            <p:cond delay="0"/>
+                                          </p:stCondLst>
+                                        </p:cTn>
+                                        <p:tgtEl>
+                                          <p:spTgt spid="8"/>
+                                        </p:tgtEl>
+                                        <p:attrNameLst>
+                                          <p:attrName>style.visibility</p:attrName>
+                                        </p:attrNameLst>
+                                      </p:cBhvr>
+                                      <p:to>
+                                        <p:strVal val="visible"/>
+                                      </p:to>
+                                    </p:set>
+                                    <p:animEffect transition="in" filter="fade">
+                                      <p:cBhvr>
+                                        <p:cTn id="18" dur="500"/>
+                                        <p:tgtEl>
+                                          <p:spTgt spid="8"/>
+                                        </p:tgtEl>
+                                      </p:cBhvr>
+                                    </p:animEffect>
+                                  </p:childTnLst>
+                                </p:cTn>
+                              </p:par>
+                            </p:childTnLst>
+                          </p:cTn>
+                        </p:par>
+                      </p:childTnLst>
+                    </p:cTn>
+                  </p:par>
+                  <p:par>
+                    <p:cTn id="19" fill="hold">
+                      <p:stCondLst>
+                        <p:cond delay="indefinite"/>
+                      </p:stCondLst>
+                      <p:childTnLst>
+                        <p:par>
+                          <p:cTn id="20" fill="hold">
+                            <p:stCondLst>
+                              <p:cond delay="0"/>
+                            </p:stCondLst>
+                            <p:childTnLst>
+                              <p:par>
+                                <p:cTn id="21" presetID="10" presetClass="entr" presetSubtype="0" fill="hold" grpId="0" nodeType="clickEffect">
+                                  <p:stCondLst>
+                                    <p:cond delay="0"/>
+                                  </p:stCondLst>
+                                  <p:childTnLst>
+                                    <p:set>
+                                      <p:cBhvr>
+                                        <p:cTn id="22" dur="1" fill="hold">
+                                          <p:stCondLst>
+                                            <p:cond delay="0"/>
+                                          </p:stCondLst>
+                                        </p:cTn>
+                                        <p:tgtEl>
+                                          <p:spTgt spid="14"/>
+                                        </p:tgtEl>
+                                        <p:attrNameLst>
+                                          <p:attrName>style.visibility</p:attrName>
+                                        </p:attrNameLst>
+                                      </p:cBhvr>
+                                      <p:to>
+                                        <p:strVal val="visible"/>
+                                      </p:to>
+                                    </p:set>
+                                    <p:animEffect transition="in" filter="fade">
+                                      <p:cBhvr>
+                                        <p:cTn id="23" dur="500"/>
+                                        <p:tgtEl>
+                                          <p:spTgt spid="14"/>
+                                        </p:tgtEl>
+                                      </p:cBhvr>
+                                    </p:animEffect>
+                                  </p:childTnLst>
+                                </p:cTn>
+                              </p:par>
+                              <p:par>
+                                <p:cTn id="24" presetID="10" presetClass="entr" presetSubtype="0" fill="hold" nodeType="withEffect">
+                                  <p:stCondLst>
+                                    <p:cond delay="0"/>
+                                  </p:stCondLst>
+                                  <p:childTnLst>
+                                    <p:set>
+                                      <p:cBhvr>
+                                        <p:cTn id="25" dur="1" fill="hold">
+                                          <p:stCondLst>
+                                            <p:cond delay="0"/>
+                                          </p:stCondLst>
+                                        </p:cTn>
+                                        <p:tgtEl>
+                                          <p:spTgt spid="15"/>
+                                        </p:tgtEl>
+                                        <p:attrNameLst>
+                                          <p:attrName>style.visibility</p:attrName>
+                                        </p:attrNameLst>
+                                      </p:cBhvr>
+                                      <p:to>
+                                        <p:strVal val="visible"/>
+                                      </p:to>
+                                    </p:set>
+                                    <p:animEffect transition="in" filter="fade">
+                                      <p:cBhvr>
+                                        <p:cTn id="26" dur="500"/>
+                                        <p:tgtEl>
+                                          <p:spTgt spid="15"/>
+                                        </p:tgtEl>
+                                      </p:cBhvr>
+                                    </p:animEffect>
+                                  </p:childTnLst>
+                                </p:cTn>
+                              </p:par>
+                            </p:childTnLst>
+                          </p:cTn>
+                        </p:par>
+                      </p:childTnLst>
+                    </p:cTn>
+                  </p:par>
+                </p:childTnLst>
+              </p:cTn>
+              <p:prevCondLst>
+                <p:cond evt="onPrev" delay="0">
+                  <p:tgtEl>
+                    <p:sldTgt/>
+                  </p:tgtEl>
+                </p:cond>
+              </p:prevCondLst>
+              <p:nextCondLst>
+                <p:cond evt="onNext" delay="0">
+                  <p:tgtEl>
+                    <p:sldTgt/>
+                  </p:tgtEl>
+                </p:cond>
+              </p:nextCondLst>
+            </p:seq>
+          </p:childTnLst>
+        </p:cTn>
+      </p:par>
+    </p:tnLst>
+    <p:bldLst>
+      <p:bldP spid="12" grpId="0"/>
+      <p:bldP spid="13" grpId="0"/>
+      <p:bldP spid="14" grpId="0"/>
+    </p:bldLst>
+  </p:timing>
 </p:sld>
 </file>
 
@@ -15138,6 +15872,198 @@
   <p:clrMapOvr>
     <a:masterClrMapping/>
   </p:clrMapOvr>
+  <p:timing>
+    <p:tnLst>
+      <p:par>
+        <p:cTn id="1" dur="indefinite" restart="never" nodeType="tmRoot">
+          <p:childTnLst>
+            <p:seq concurrent="1" nextAc="seek">
+              <p:cTn id="2" dur="indefinite" nodeType="mainSeq">
+                <p:childTnLst>
+                  <p:par>
+                    <p:cTn id="3" fill="hold">
+                      <p:stCondLst>
+                        <p:cond delay="indefinite"/>
+                      </p:stCondLst>
+                      <p:childTnLst>
+                        <p:par>
+                          <p:cTn id="4" fill="hold">
+                            <p:stCondLst>
+                              <p:cond delay="0"/>
+                            </p:stCondLst>
+                            <p:childTnLst>
+                              <p:par>
+                                <p:cTn id="5" presetID="10" presetClass="entr" presetSubtype="0" fill="hold" nodeType="clickEffect">
+                                  <p:stCondLst>
+                                    <p:cond delay="0"/>
+                                  </p:stCondLst>
+                                  <p:childTnLst>
+                                    <p:set>
+                                      <p:cBhvr>
+                                        <p:cTn id="6" dur="1" fill="hold">
+                                          <p:stCondLst>
+                                            <p:cond delay="0"/>
+                                          </p:stCondLst>
+                                        </p:cTn>
+                                        <p:tgtEl>
+                                          <p:spTgt spid="36"/>
+                                        </p:tgtEl>
+                                        <p:attrNameLst>
+                                          <p:attrName>style.visibility</p:attrName>
+                                        </p:attrNameLst>
+                                      </p:cBhvr>
+                                      <p:to>
+                                        <p:strVal val="visible"/>
+                                      </p:to>
+                                    </p:set>
+                                    <p:animEffect transition="in" filter="fade">
+                                      <p:cBhvr>
+                                        <p:cTn id="7" dur="500"/>
+                                        <p:tgtEl>
+                                          <p:spTgt spid="36"/>
+                                        </p:tgtEl>
+                                      </p:cBhvr>
+                                    </p:animEffect>
+                                  </p:childTnLst>
+                                </p:cTn>
+                              </p:par>
+                              <p:par>
+                                <p:cTn id="8" presetID="10" presetClass="entr" presetSubtype="0" fill="hold" grpId="0" nodeType="withEffect">
+                                  <p:stCondLst>
+                                    <p:cond delay="0"/>
+                                  </p:stCondLst>
+                                  <p:childTnLst>
+                                    <p:set>
+                                      <p:cBhvr>
+                                        <p:cTn id="9" dur="1" fill="hold">
+                                          <p:stCondLst>
+                                            <p:cond delay="0"/>
+                                          </p:stCondLst>
+                                        </p:cTn>
+                                        <p:tgtEl>
+                                          <p:spTgt spid="46"/>
+                                        </p:tgtEl>
+                                        <p:attrNameLst>
+                                          <p:attrName>style.visibility</p:attrName>
+                                        </p:attrNameLst>
+                                      </p:cBhvr>
+                                      <p:to>
+                                        <p:strVal val="visible"/>
+                                      </p:to>
+                                    </p:set>
+                                    <p:animEffect transition="in" filter="fade">
+                                      <p:cBhvr>
+                                        <p:cTn id="10" dur="500"/>
+                                        <p:tgtEl>
+                                          <p:spTgt spid="46"/>
+                                        </p:tgtEl>
+                                      </p:cBhvr>
+                                    </p:animEffect>
+                                  </p:childTnLst>
+                                </p:cTn>
+                              </p:par>
+                              <p:par>
+                                <p:cTn id="11" presetID="10" presetClass="entr" presetSubtype="0" fill="hold" nodeType="withEffect">
+                                  <p:stCondLst>
+                                    <p:cond delay="0"/>
+                                  </p:stCondLst>
+                                  <p:childTnLst>
+                                    <p:set>
+                                      <p:cBhvr>
+                                        <p:cTn id="12" dur="1" fill="hold">
+                                          <p:stCondLst>
+                                            <p:cond delay="0"/>
+                                          </p:stCondLst>
+                                        </p:cTn>
+                                        <p:tgtEl>
+                                          <p:spTgt spid="33"/>
+                                        </p:tgtEl>
+                                        <p:attrNameLst>
+                                          <p:attrName>style.visibility</p:attrName>
+                                        </p:attrNameLst>
+                                      </p:cBhvr>
+                                      <p:to>
+                                        <p:strVal val="visible"/>
+                                      </p:to>
+                                    </p:set>
+                                    <p:animEffect transition="in" filter="fade">
+                                      <p:cBhvr>
+                                        <p:cTn id="13" dur="500"/>
+                                        <p:tgtEl>
+                                          <p:spTgt spid="33"/>
+                                        </p:tgtEl>
+                                      </p:cBhvr>
+                                    </p:animEffect>
+                                  </p:childTnLst>
+                                </p:cTn>
+                              </p:par>
+                              <p:par>
+                                <p:cTn id="14" presetID="10" presetClass="entr" presetSubtype="0" fill="hold" grpId="0" nodeType="withEffect">
+                                  <p:stCondLst>
+                                    <p:cond delay="0"/>
+                                  </p:stCondLst>
+                                  <p:childTnLst>
+                                    <p:set>
+                                      <p:cBhvr>
+                                        <p:cTn id="15" dur="1" fill="hold">
+                                          <p:stCondLst>
+                                            <p:cond delay="0"/>
+                                          </p:stCondLst>
+                                        </p:cTn>
+                                        <p:tgtEl>
+                                          <p:spTgt spid="45"/>
+                                        </p:tgtEl>
+                                        <p:attrNameLst>
+                                          <p:attrName>style.visibility</p:attrName>
+                                        </p:attrNameLst>
+                                      </p:cBhvr>
+                                      <p:to>
+                                        <p:strVal val="visible"/>
+                                      </p:to>
+                                    </p:set>
+                                    <p:animEffect transition="in" filter="fade">
+                                      <p:cBhvr>
+                                        <p:cTn id="16" dur="500"/>
+                                        <p:tgtEl>
+                                          <p:spTgt spid="45"/>
+                                        </p:tgtEl>
+                                      </p:cBhvr>
+                                    </p:animEffect>
+                                  </p:childTnLst>
+                                </p:cTn>
+                              </p:par>
+                            </p:childTnLst>
+                          </p:cTn>
+                        </p:par>
+                      </p:childTnLst>
+                    </p:cTn>
+                  </p:par>
+                </p:childTnLst>
+              </p:cTn>
+              <p:prevCondLst>
+                <p:cond evt="onPrev" delay="0">
+                  <p:tgtEl>
+                    <p:sldTgt/>
+                  </p:tgtEl>
+                </p:cond>
+              </p:prevCondLst>
+              <p:nextCondLst>
+                <p:cond evt="onNext" delay="0">
+                  <p:tgtEl>
+                    <p:sldTgt/>
+                  </p:tgtEl>
+                </p:cond>
+              </p:nextCondLst>
+            </p:seq>
+          </p:childTnLst>
+        </p:cTn>
+      </p:par>
+    </p:tnLst>
+    <p:bldLst>
+      <p:bldP spid="45" grpId="0"/>
+      <p:bldP spid="46" grpId="0"/>
+    </p:bldLst>
+  </p:timing>
 </p:sld>
 </file>
 

--- a/2022-11-24 ABP Community Talks 2022.9/ABP-7-News.pptx
+++ b/2022-11-24 ABP Community Talks 2022.9/ABP-7-News.pptx
@@ -283,7 +283,7 @@
           <a:p>
             <a:fld id="{2A14C9FE-EBC3-45D3-899C-58AAF4F8AF71}" type="datetimeFigureOut">
               <a:rPr lang="en-US" smtClean="0"/>
-              <a:t>22-Nov-22</a:t>
+              <a:t>24-Nov-22</a:t>
             </a:fld>
             <a:endParaRPr lang="en-US"/>
           </a:p>
@@ -481,7 +481,7 @@
           <a:p>
             <a:fld id="{2A14C9FE-EBC3-45D3-899C-58AAF4F8AF71}" type="datetimeFigureOut">
               <a:rPr lang="en-US" smtClean="0"/>
-              <a:t>22-Nov-22</a:t>
+              <a:t>24-Nov-22</a:t>
             </a:fld>
             <a:endParaRPr lang="en-US"/>
           </a:p>
@@ -689,7 +689,7 @@
           <a:p>
             <a:fld id="{2A14C9FE-EBC3-45D3-899C-58AAF4F8AF71}" type="datetimeFigureOut">
               <a:rPr lang="en-US" smtClean="0"/>
-              <a:t>22-Nov-22</a:t>
+              <a:t>24-Nov-22</a:t>
             </a:fld>
             <a:endParaRPr lang="en-US"/>
           </a:p>
@@ -887,7 +887,7 @@
           <a:p>
             <a:fld id="{2A14C9FE-EBC3-45D3-899C-58AAF4F8AF71}" type="datetimeFigureOut">
               <a:rPr lang="en-US" smtClean="0"/>
-              <a:t>22-Nov-22</a:t>
+              <a:t>24-Nov-22</a:t>
             </a:fld>
             <a:endParaRPr lang="en-US"/>
           </a:p>
@@ -1162,7 +1162,7 @@
           <a:p>
             <a:fld id="{2A14C9FE-EBC3-45D3-899C-58AAF4F8AF71}" type="datetimeFigureOut">
               <a:rPr lang="en-US" smtClean="0"/>
-              <a:t>22-Nov-22</a:t>
+              <a:t>24-Nov-22</a:t>
             </a:fld>
             <a:endParaRPr lang="en-US"/>
           </a:p>
@@ -1427,7 +1427,7 @@
           <a:p>
             <a:fld id="{2A14C9FE-EBC3-45D3-899C-58AAF4F8AF71}" type="datetimeFigureOut">
               <a:rPr lang="en-US" smtClean="0"/>
-              <a:t>22-Nov-22</a:t>
+              <a:t>24-Nov-22</a:t>
             </a:fld>
             <a:endParaRPr lang="en-US"/>
           </a:p>
@@ -1839,7 +1839,7 @@
           <a:p>
             <a:fld id="{2A14C9FE-EBC3-45D3-899C-58AAF4F8AF71}" type="datetimeFigureOut">
               <a:rPr lang="en-US" smtClean="0"/>
-              <a:t>22-Nov-22</a:t>
+              <a:t>24-Nov-22</a:t>
             </a:fld>
             <a:endParaRPr lang="en-US"/>
           </a:p>
@@ -1980,7 +1980,7 @@
           <a:p>
             <a:fld id="{2A14C9FE-EBC3-45D3-899C-58AAF4F8AF71}" type="datetimeFigureOut">
               <a:rPr lang="en-US" smtClean="0"/>
-              <a:t>22-Nov-22</a:t>
+              <a:t>24-Nov-22</a:t>
             </a:fld>
             <a:endParaRPr lang="en-US"/>
           </a:p>
@@ -2093,7 +2093,7 @@
           <a:p>
             <a:fld id="{2A14C9FE-EBC3-45D3-899C-58AAF4F8AF71}" type="datetimeFigureOut">
               <a:rPr lang="en-US" smtClean="0"/>
-              <a:t>22-Nov-22</a:t>
+              <a:t>24-Nov-22</a:t>
             </a:fld>
             <a:endParaRPr lang="en-US"/>
           </a:p>
@@ -2404,7 +2404,7 @@
           <a:p>
             <a:fld id="{2A14C9FE-EBC3-45D3-899C-58AAF4F8AF71}" type="datetimeFigureOut">
               <a:rPr lang="en-US" smtClean="0"/>
-              <a:t>22-Nov-22</a:t>
+              <a:t>24-Nov-22</a:t>
             </a:fld>
             <a:endParaRPr lang="en-US"/>
           </a:p>
@@ -2692,7 +2692,7 @@
           <a:p>
             <a:fld id="{2A14C9FE-EBC3-45D3-899C-58AAF4F8AF71}" type="datetimeFigureOut">
               <a:rPr lang="en-US" smtClean="0"/>
-              <a:t>22-Nov-22</a:t>
+              <a:t>24-Nov-22</a:t>
             </a:fld>
             <a:endParaRPr lang="en-US"/>
           </a:p>
@@ -2933,7 +2933,7 @@
           <a:p>
             <a:fld id="{2A14C9FE-EBC3-45D3-899C-58AAF4F8AF71}" type="datetimeFigureOut">
               <a:rPr lang="en-US" smtClean="0"/>
-              <a:t>22-Nov-22</a:t>
+              <a:t>24-Nov-22</a:t>
             </a:fld>
             <a:endParaRPr lang="en-US"/>
           </a:p>
@@ -7894,6 +7894,16 @@
           <a:lstStyle/>
           <a:p>
             <a:r>
+              <a:rPr lang="en-US" b="1" dirty="0" err="1">
+                <a:solidFill>
+                  <a:srgbClr val="292D33"/>
+                </a:solidFill>
+                <a:latin typeface="Euclid Circular B" panose="020B0504000000000000" pitchFamily="34" charset="0"/>
+                <a:ea typeface="Euclid Circular B" panose="020B0504000000000000" pitchFamily="34" charset="0"/>
+              </a:rPr>
+              <a:t>eShopOnAbp</a:t>
+            </a:r>
+            <a:r>
               <a:rPr lang="en-US" b="1" dirty="0">
                 <a:solidFill>
                   <a:srgbClr val="292D33"/>
@@ -7901,7 +7911,7 @@
                 <a:latin typeface="Euclid Circular B" panose="020B0504000000000000" pitchFamily="34" charset="0"/>
                 <a:ea typeface="Euclid Circular B" panose="020B0504000000000000" pitchFamily="34" charset="0"/>
               </a:rPr>
-              <a:t>TODO</a:t>
+              <a:t> project updates</a:t>
             </a:r>
           </a:p>
         </p:txBody>
@@ -7922,21 +7932,149 @@
             <p:ph idx="1"/>
           </p:nvPr>
         </p:nvSpPr>
-        <p:spPr/>
+        <p:spPr>
+          <a:xfrm>
+            <a:off x="838200" y="1825625"/>
+            <a:ext cx="10515600" cy="1603375"/>
+          </a:xfrm>
+        </p:spPr>
         <p:txBody>
           <a:bodyPr/>
           <a:lstStyle/>
           <a:p>
+            <a:r>
+              <a:rPr lang="en-US" b="1" dirty="0">
+                <a:latin typeface="Euclid Circular B" panose="020B0504000000000000" pitchFamily="34" charset="0"/>
+                <a:ea typeface="Euclid Circular B" panose="020B0504000000000000" pitchFamily="34" charset="0"/>
+              </a:rPr>
+              <a:t>Keycloak </a:t>
+            </a:r>
             <a:r>
               <a:rPr lang="en-US" dirty="0">
                 <a:latin typeface="Euclid Circular B" panose="020B0504000000000000" pitchFamily="34" charset="0"/>
                 <a:ea typeface="Euclid Circular B" panose="020B0504000000000000" pitchFamily="34" charset="0"/>
               </a:rPr>
-              <a:t>Content</a:t>
+              <a:t>Integration for authentication</a:t>
+            </a:r>
+          </a:p>
+          <a:p>
+            <a:r>
+              <a:rPr lang="en-US" b="1" dirty="0">
+                <a:latin typeface="Euclid Circular B" panose="020B0504000000000000" pitchFamily="34" charset="0"/>
+                <a:ea typeface="Euclid Circular B" panose="020B0504000000000000" pitchFamily="34" charset="0"/>
+              </a:rPr>
+              <a:t>CMS Kit </a:t>
+            </a:r>
+            <a:r>
+              <a:rPr lang="en-US" dirty="0">
+                <a:latin typeface="Euclid Circular B" panose="020B0504000000000000" pitchFamily="34" charset="0"/>
+                <a:ea typeface="Euclid Circular B" panose="020B0504000000000000" pitchFamily="34" charset="0"/>
+              </a:rPr>
+              <a:t>integration (product rating &amp; comments)</a:t>
+            </a:r>
+          </a:p>
+          <a:p>
+            <a:r>
+              <a:rPr lang="en-US" dirty="0">
+                <a:latin typeface="Euclid Circular B" panose="020B0504000000000000" pitchFamily="34" charset="0"/>
+                <a:ea typeface="Euclid Circular B" panose="020B0504000000000000" pitchFamily="34" charset="0"/>
+              </a:rPr>
+              <a:t>Ongoing </a:t>
+            </a:r>
+            <a:r>
+              <a:rPr lang="en-US" b="1" dirty="0">
+                <a:latin typeface="Euclid Circular B" panose="020B0504000000000000" pitchFamily="34" charset="0"/>
+                <a:ea typeface="Euclid Circular B" panose="020B0504000000000000" pitchFamily="34" charset="0"/>
+              </a:rPr>
+              <a:t>e-book </a:t>
+            </a:r>
+            <a:r>
+              <a:rPr lang="en-US" dirty="0">
+                <a:latin typeface="Euclid Circular B" panose="020B0504000000000000" pitchFamily="34" charset="0"/>
+                <a:ea typeface="Euclid Circular B" panose="020B0504000000000000" pitchFamily="34" charset="0"/>
+              </a:rPr>
+              <a:t>process…</a:t>
             </a:r>
           </a:p>
         </p:txBody>
       </p:sp>
+      <p:pic>
+        <p:nvPicPr>
+          <p:cNvPr id="5" name="Picture 4">
+            <a:extLst>
+              <a:ext uri="{FF2B5EF4-FFF2-40B4-BE49-F238E27FC236}">
+                <a16:creationId xmlns:a16="http://schemas.microsoft.com/office/drawing/2014/main" id="{7D1B788A-0647-5DD9-0FBC-BF4B8E6B4687}"/>
+              </a:ext>
+            </a:extLst>
+          </p:cNvPr>
+          <p:cNvPicPr>
+            <a:picLocks noChangeAspect="1"/>
+          </p:cNvPicPr>
+          <p:nvPr/>
+        </p:nvPicPr>
+        <p:blipFill>
+          <a:blip r:embed="rId3"/>
+          <a:stretch>
+            <a:fillRect/>
+          </a:stretch>
+        </p:blipFill>
+        <p:spPr>
+          <a:xfrm>
+            <a:off x="838200" y="3428999"/>
+            <a:ext cx="4282906" cy="3063875"/>
+          </a:xfrm>
+          <a:prstGeom prst="rect">
+            <a:avLst/>
+          </a:prstGeom>
+        </p:spPr>
+      </p:pic>
+      <p:pic>
+        <p:nvPicPr>
+          <p:cNvPr id="1026" name="Picture 2" descr="E-Book">
+            <a:extLst>
+              <a:ext uri="{FF2B5EF4-FFF2-40B4-BE49-F238E27FC236}">
+                <a16:creationId xmlns:a16="http://schemas.microsoft.com/office/drawing/2014/main" id="{5AE519A2-713B-FA0C-CED7-BBB885A53A3A}"/>
+              </a:ext>
+            </a:extLst>
+          </p:cNvPr>
+          <p:cNvPicPr>
+            <a:picLocks noChangeAspect="1" noChangeArrowheads="1"/>
+          </p:cNvPicPr>
+          <p:nvPr/>
+        </p:nvPicPr>
+        <p:blipFill>
+          <a:blip r:embed="rId4">
+            <a:extLst>
+              <a:ext uri="{28A0092B-C50C-407E-A947-70E740481C1C}">
+                <a14:useLocalDpi xmlns:a14="http://schemas.microsoft.com/office/drawing/2010/main" val="0"/>
+              </a:ext>
+            </a:extLst>
+          </a:blip>
+          <a:srcRect/>
+          <a:stretch>
+            <a:fillRect/>
+          </a:stretch>
+        </p:blipFill>
+        <p:spPr bwMode="auto">
+          <a:xfrm>
+            <a:off x="5777948" y="3428998"/>
+            <a:ext cx="2930540" cy="3063876"/>
+          </a:xfrm>
+          <a:prstGeom prst="rect">
+            <a:avLst/>
+          </a:prstGeom>
+          <a:noFill/>
+          <a:extLst>
+            <a:ext uri="{909E8E84-426E-40DD-AFC4-6F175D3DCCD1}">
+              <a14:hiddenFill xmlns:a14="http://schemas.microsoft.com/office/drawing/2010/main">
+                <a:solidFill>
+                  <a:srgbClr val="FFFFFF"/>
+                </a:solidFill>
+              </a14:hiddenFill>
+            </a:ext>
+          </a:extLst>
+        </p:spPr>
+      </p:pic>
     </p:spTree>
     <p:extLst>
       <p:ext uri="{BB962C8B-B14F-4D97-AF65-F5344CB8AC3E}">
@@ -8002,6 +8140,128 @@
                                           <p:spTgt spid="3">
                                             <p:txEl>
                                               <p:pRg st="0" end="0"/>
+                                            </p:txEl>
+                                          </p:spTgt>
+                                        </p:tgtEl>
+                                      </p:cBhvr>
+                                    </p:animEffect>
+                                  </p:childTnLst>
+                                </p:cTn>
+                              </p:par>
+                            </p:childTnLst>
+                          </p:cTn>
+                        </p:par>
+                      </p:childTnLst>
+                    </p:cTn>
+                  </p:par>
+                  <p:par>
+                    <p:cTn id="8" fill="hold">
+                      <p:stCondLst>
+                        <p:cond delay="indefinite"/>
+                      </p:stCondLst>
+                      <p:childTnLst>
+                        <p:par>
+                          <p:cTn id="9" fill="hold">
+                            <p:stCondLst>
+                              <p:cond delay="0"/>
+                            </p:stCondLst>
+                            <p:childTnLst>
+                              <p:par>
+                                <p:cTn id="10" presetID="10" presetClass="entr" presetSubtype="0" fill="hold" nodeType="clickEffect">
+                                  <p:stCondLst>
+                                    <p:cond delay="0"/>
+                                  </p:stCondLst>
+                                  <p:childTnLst>
+                                    <p:set>
+                                      <p:cBhvr>
+                                        <p:cTn id="11" dur="1" fill="hold">
+                                          <p:stCondLst>
+                                            <p:cond delay="0"/>
+                                          </p:stCondLst>
+                                        </p:cTn>
+                                        <p:tgtEl>
+                                          <p:spTgt spid="3">
+                                            <p:txEl>
+                                              <p:pRg st="1" end="1"/>
+                                            </p:txEl>
+                                          </p:spTgt>
+                                        </p:tgtEl>
+                                        <p:attrNameLst>
+                                          <p:attrName>style.visibility</p:attrName>
+                                        </p:attrNameLst>
+                                      </p:cBhvr>
+                                      <p:to>
+                                        <p:strVal val="visible"/>
+                                      </p:to>
+                                    </p:set>
+                                    <p:animEffect transition="in" filter="fade">
+                                      <p:cBhvr>
+                                        <p:cTn id="12" dur="500"/>
+                                        <p:tgtEl>
+                                          <p:spTgt spid="3">
+                                            <p:txEl>
+                                              <p:pRg st="1" end="1"/>
+                                            </p:txEl>
+                                          </p:spTgt>
+                                        </p:tgtEl>
+                                      </p:cBhvr>
+                                    </p:animEffect>
+                                  </p:childTnLst>
+                                </p:cTn>
+                              </p:par>
+                            </p:childTnLst>
+                          </p:cTn>
+                        </p:par>
+                      </p:childTnLst>
+                    </p:cTn>
+                  </p:par>
+                  <p:par>
+                    <p:cTn id="13" fill="hold">
+                      <p:stCondLst>
+                        <p:cond delay="indefinite"/>
+                      </p:stCondLst>
+                      <p:childTnLst>
+                        <p:par>
+                          <p:cTn id="14" fill="hold">
+                            <p:stCondLst>
+                              <p:cond delay="0"/>
+                            </p:stCondLst>
+                            <p:childTnLst>
+                              <p:par>
+                                <p:cTn id="15" presetID="10" presetClass="entr" presetSubtype="0" fill="hold" nodeType="clickEffect">
+                                  <p:stCondLst>
+                                    <p:cond delay="0"/>
+                                  </p:stCondLst>
+                                  <p:childTnLst>
+                                    <p:set>
+                                      <p:cBhvr>
+                                        <p:cTn id="16" dur="1" fill="hold">
+                                          <p:stCondLst>
+                                            <p:cond delay="0"/>
+                                          </p:stCondLst>
+                                        </p:cTn>
+                                        <p:tgtEl>
+                                          <p:spTgt spid="3">
+                                            <p:txEl>
+                                              <p:pRg st="2" end="2"/>
+                                            </p:txEl>
+                                          </p:spTgt>
+                                        </p:tgtEl>
+                                        <p:attrNameLst>
+                                          <p:attrName>style.visibility</p:attrName>
+                                        </p:attrNameLst>
+                                      </p:cBhvr>
+                                      <p:to>
+                                        <p:strVal val="visible"/>
+                                      </p:to>
+                                    </p:set>
+                                    <p:animEffect transition="in" filter="fade">
+                                      <p:cBhvr>
+                                        <p:cTn id="17" dur="500"/>
+                                        <p:tgtEl>
+                                          <p:spTgt spid="3">
+                                            <p:txEl>
+                                              <p:pRg st="2" end="2"/>
                                             </p:txEl>
                                           </p:spTgt>
                                         </p:tgtEl>

--- a/2022-11-24 ABP Community Talks 2022.9/ABP-7-News.pptx
+++ b/2022-11-24 ABP Community Talks 2022.9/ABP-7-News.pptx
@@ -8026,6 +8026,35 @@
           <a:prstGeom prst="rect">
             <a:avLst/>
           </a:prstGeom>
+          <a:solidFill>
+            <a:srgbClr val="FFFFFF">
+              <a:shade val="85000"/>
+            </a:srgbClr>
+          </a:solidFill>
+          <a:ln w="190500" cap="rnd">
+            <a:solidFill>
+              <a:srgbClr val="FFFFFF"/>
+            </a:solidFill>
+          </a:ln>
+          <a:effectLst>
+            <a:outerShdw blurRad="50000" algn="tl" rotWithShape="0">
+              <a:srgbClr val="000000">
+                <a:alpha val="41000"/>
+              </a:srgbClr>
+            </a:outerShdw>
+          </a:effectLst>
+          <a:scene3d>
+            <a:camera prst="orthographicFront"/>
+            <a:lightRig rig="twoPt" dir="t">
+              <a:rot lat="0" lon="0" rev="7800000"/>
+            </a:lightRig>
+          </a:scene3d>
+          <a:sp3d contourW="6350">
+            <a:bevelT w="50800" h="16510"/>
+            <a:contourClr>
+              <a:srgbClr val="C0C0C0"/>
+            </a:contourClr>
+          </a:sp3d>
         </p:spPr>
       </p:pic>
       <p:pic>
@@ -8063,7 +8092,35 @@
           <a:prstGeom prst="rect">
             <a:avLst/>
           </a:prstGeom>
-          <a:noFill/>
+          <a:solidFill>
+            <a:srgbClr val="FFFFFF">
+              <a:shade val="85000"/>
+            </a:srgbClr>
+          </a:solidFill>
+          <a:ln w="190500" cap="rnd">
+            <a:solidFill>
+              <a:srgbClr val="FFFFFF"/>
+            </a:solidFill>
+          </a:ln>
+          <a:effectLst>
+            <a:outerShdw blurRad="50000" algn="tl" rotWithShape="0">
+              <a:srgbClr val="000000">
+                <a:alpha val="41000"/>
+              </a:srgbClr>
+            </a:outerShdw>
+          </a:effectLst>
+          <a:scene3d>
+            <a:camera prst="orthographicFront"/>
+            <a:lightRig rig="twoPt" dir="t">
+              <a:rot lat="0" lon="0" rev="7800000"/>
+            </a:lightRig>
+          </a:scene3d>
+          <a:sp3d contourW="6350">
+            <a:bevelT w="50800" h="16510"/>
+            <a:contourClr>
+              <a:srgbClr val="C0C0C0"/>
+            </a:contourClr>
+          </a:sp3d>
           <a:extLst>
             <a:ext uri="{909E8E84-426E-40DD-AFC4-6F175D3DCCD1}">
               <a14:hiddenFill xmlns:a14="http://schemas.microsoft.com/office/drawing/2010/main">
@@ -8209,6 +8266,41 @@
                                   </p:childTnLst>
                                 </p:cTn>
                               </p:par>
+                              <p:par>
+                                <p:cTn id="13" presetID="10" presetClass="entr" presetSubtype="0" fill="hold" nodeType="withEffect">
+                                  <p:stCondLst>
+                                    <p:cond delay="0"/>
+                                  </p:stCondLst>
+                                  <p:childTnLst>
+                                    <p:set>
+                                      <p:cBhvr>
+                                        <p:cTn id="14" dur="1" fill="hold">
+                                          <p:stCondLst>
+                                            <p:cond delay="0"/>
+                                          </p:stCondLst>
+                                        </p:cTn>
+                                        <p:tgtEl>
+                                          <p:spTgt spid="5"/>
+                                        </p:tgtEl>
+                                        <p:attrNameLst>
+                                          <p:attrName>style.visibility</p:attrName>
+                                        </p:attrNameLst>
+                                      </p:cBhvr>
+                                      <p:to>
+                                        <p:strVal val="visible"/>
+                                      </p:to>
+                                    </p:set>
+                                    <p:animEffect transition="in" filter="fade">
+                                      <p:cBhvr>
+                                        <p:cTn id="15" dur="500"/>
+                                        <p:tgtEl>
+                                          <p:spTgt spid="5"/>
+                                        </p:tgtEl>
+                                      </p:cBhvr>
+                                    </p:animEffect>
+                                  </p:childTnLst>
+                                </p:cTn>
+                              </p:par>
                             </p:childTnLst>
                           </p:cTn>
                         </p:par>
@@ -8216,26 +8308,26 @@
                     </p:cTn>
                   </p:par>
                   <p:par>
-                    <p:cTn id="13" fill="hold">
+                    <p:cTn id="16" fill="hold">
                       <p:stCondLst>
                         <p:cond delay="indefinite"/>
                       </p:stCondLst>
                       <p:childTnLst>
                         <p:par>
-                          <p:cTn id="14" fill="hold">
+                          <p:cTn id="17" fill="hold">
                             <p:stCondLst>
                               <p:cond delay="0"/>
                             </p:stCondLst>
                             <p:childTnLst>
                               <p:par>
-                                <p:cTn id="15" presetID="10" presetClass="entr" presetSubtype="0" fill="hold" nodeType="clickEffect">
+                                <p:cTn id="18" presetID="10" presetClass="entr" presetSubtype="0" fill="hold" nodeType="clickEffect">
                                   <p:stCondLst>
                                     <p:cond delay="0"/>
                                   </p:stCondLst>
                                   <p:childTnLst>
                                     <p:set>
                                       <p:cBhvr>
-                                        <p:cTn id="16" dur="1" fill="hold">
+                                        <p:cTn id="19" dur="1" fill="hold">
                                           <p:stCondLst>
                                             <p:cond delay="0"/>
                                           </p:stCondLst>
@@ -8257,13 +8349,48 @@
                                     </p:set>
                                     <p:animEffect transition="in" filter="fade">
                                       <p:cBhvr>
-                                        <p:cTn id="17" dur="500"/>
+                                        <p:cTn id="20" dur="500"/>
                                         <p:tgtEl>
                                           <p:spTgt spid="3">
                                             <p:txEl>
                                               <p:pRg st="2" end="2"/>
                                             </p:txEl>
                                           </p:spTgt>
+                                        </p:tgtEl>
+                                      </p:cBhvr>
+                                    </p:animEffect>
+                                  </p:childTnLst>
+                                </p:cTn>
+                              </p:par>
+                              <p:par>
+                                <p:cTn id="21" presetID="10" presetClass="entr" presetSubtype="0" fill="hold" nodeType="withEffect">
+                                  <p:stCondLst>
+                                    <p:cond delay="0"/>
+                                  </p:stCondLst>
+                                  <p:childTnLst>
+                                    <p:set>
+                                      <p:cBhvr>
+                                        <p:cTn id="22" dur="1" fill="hold">
+                                          <p:stCondLst>
+                                            <p:cond delay="0"/>
+                                          </p:stCondLst>
+                                        </p:cTn>
+                                        <p:tgtEl>
+                                          <p:spTgt spid="1026"/>
+                                        </p:tgtEl>
+                                        <p:attrNameLst>
+                                          <p:attrName>style.visibility</p:attrName>
+                                        </p:attrNameLst>
+                                      </p:cBhvr>
+                                      <p:to>
+                                        <p:strVal val="visible"/>
+                                      </p:to>
+                                    </p:set>
+                                    <p:animEffect transition="in" filter="fade">
+                                      <p:cBhvr>
+                                        <p:cTn id="23" dur="500"/>
+                                        <p:tgtEl>
+                                          <p:spTgt spid="1026"/>
                                         </p:tgtEl>
                                       </p:cBhvr>
                                     </p:animEffect>

--- a/2022-11-24 ABP Community Talks 2022.9/ABP-7-News.pptx
+++ b/2022-11-24 ABP Community Talks 2022.9/ABP-7-News.pptx
@@ -24,12 +24,6 @@
     <p:sldId id="275" r:id="rId18"/>
     <p:sldId id="281" r:id="rId19"/>
     <p:sldId id="277" r:id="rId20"/>
-    <p:sldId id="278" r:id="rId21"/>
-    <p:sldId id="279" r:id="rId22"/>
-    <p:sldId id="280" r:id="rId23"/>
-    <p:sldId id="282" r:id="rId24"/>
-    <p:sldId id="283" r:id="rId25"/>
-    <p:sldId id="284" r:id="rId26"/>
   </p:sldIdLst>
   <p:sldSz cx="12192000" cy="6858000"/>
   <p:notesSz cx="6858000" cy="9144000"/>
@@ -6033,43 +6027,21 @@
                                   </p:childTnLst>
                                 </p:cTn>
                               </p:par>
-                            </p:childTnLst>
-                          </p:cTn>
-                        </p:par>
-                      </p:childTnLst>
-                    </p:cTn>
-                  </p:par>
-                  <p:par>
-                    <p:cTn id="8" fill="hold">
-                      <p:stCondLst>
-                        <p:cond delay="indefinite"/>
-                      </p:stCondLst>
-                      <p:childTnLst>
-                        <p:par>
-                          <p:cTn id="9" fill="hold">
-                            <p:stCondLst>
-                              <p:cond delay="0"/>
-                            </p:stCondLst>
-                            <p:childTnLst>
                               <p:par>
-                                <p:cTn id="10" presetID="10" presetClass="entr" presetSubtype="0" fill="hold" nodeType="clickEffect">
+                                <p:cTn id="8" presetID="10" presetClass="entr" presetSubtype="0" fill="hold" nodeType="withEffect">
                                   <p:stCondLst>
                                     <p:cond delay="0"/>
                                   </p:stCondLst>
                                   <p:childTnLst>
                                     <p:set>
                                       <p:cBhvr>
-                                        <p:cTn id="11" dur="1" fill="hold">
+                                        <p:cTn id="9" dur="1" fill="hold">
                                           <p:stCondLst>
                                             <p:cond delay="0"/>
                                           </p:stCondLst>
                                         </p:cTn>
                                         <p:tgtEl>
-                                          <p:spTgt spid="3">
-                                            <p:txEl>
-                                              <p:pRg st="3" end="3"/>
-                                            </p:txEl>
-                                          </p:spTgt>
+                                          <p:spTgt spid="5"/>
                                         </p:tgtEl>
                                         <p:attrNameLst>
                                           <p:attrName>style.visibility</p:attrName>
@@ -6081,13 +6053,9 @@
                                     </p:set>
                                     <p:animEffect transition="in" filter="fade">
                                       <p:cBhvr>
-                                        <p:cTn id="12" dur="500"/>
-                                        <p:tgtEl>
-                                          <p:spTgt spid="3">
-                                            <p:txEl>
-                                              <p:pRg st="3" end="3"/>
-                                            </p:txEl>
-                                          </p:spTgt>
+                                        <p:cTn id="10" dur="500"/>
+                                        <p:tgtEl>
+                                          <p:spTgt spid="5"/>
                                         </p:tgtEl>
                                       </p:cBhvr>
                                     </p:animEffect>
@@ -6101,26 +6069,122 @@
                     </p:cTn>
                   </p:par>
                   <p:par>
-                    <p:cTn id="13" fill="hold">
+                    <p:cTn id="11" fill="hold">
                       <p:stCondLst>
                         <p:cond delay="indefinite"/>
                       </p:stCondLst>
                       <p:childTnLst>
                         <p:par>
-                          <p:cTn id="14" fill="hold">
+                          <p:cTn id="12" fill="hold">
                             <p:stCondLst>
                               <p:cond delay="0"/>
                             </p:stCondLst>
                             <p:childTnLst>
                               <p:par>
-                                <p:cTn id="15" presetID="10" presetClass="entr" presetSubtype="0" fill="hold" nodeType="clickEffect">
+                                <p:cTn id="13" presetID="10" presetClass="entr" presetSubtype="0" fill="hold" nodeType="clickEffect">
                                   <p:stCondLst>
                                     <p:cond delay="0"/>
                                   </p:stCondLst>
                                   <p:childTnLst>
                                     <p:set>
                                       <p:cBhvr>
-                                        <p:cTn id="16" dur="1" fill="hold">
+                                        <p:cTn id="14" dur="1" fill="hold">
+                                          <p:stCondLst>
+                                            <p:cond delay="0"/>
+                                          </p:stCondLst>
+                                        </p:cTn>
+                                        <p:tgtEl>
+                                          <p:spTgt spid="3">
+                                            <p:txEl>
+                                              <p:pRg st="3" end="3"/>
+                                            </p:txEl>
+                                          </p:spTgt>
+                                        </p:tgtEl>
+                                        <p:attrNameLst>
+                                          <p:attrName>style.visibility</p:attrName>
+                                        </p:attrNameLst>
+                                      </p:cBhvr>
+                                      <p:to>
+                                        <p:strVal val="visible"/>
+                                      </p:to>
+                                    </p:set>
+                                    <p:animEffect transition="in" filter="fade">
+                                      <p:cBhvr>
+                                        <p:cTn id="15" dur="500"/>
+                                        <p:tgtEl>
+                                          <p:spTgt spid="3">
+                                            <p:txEl>
+                                              <p:pRg st="3" end="3"/>
+                                            </p:txEl>
+                                          </p:spTgt>
+                                        </p:tgtEl>
+                                      </p:cBhvr>
+                                    </p:animEffect>
+                                  </p:childTnLst>
+                                </p:cTn>
+                              </p:par>
+                              <p:par>
+                                <p:cTn id="16" presetID="10" presetClass="entr" presetSubtype="0" fill="hold" nodeType="withEffect">
+                                  <p:stCondLst>
+                                    <p:cond delay="0"/>
+                                  </p:stCondLst>
+                                  <p:childTnLst>
+                                    <p:set>
+                                      <p:cBhvr>
+                                        <p:cTn id="17" dur="1" fill="hold">
+                                          <p:stCondLst>
+                                            <p:cond delay="0"/>
+                                          </p:stCondLst>
+                                        </p:cTn>
+                                        <p:tgtEl>
+                                          <p:spTgt spid="7"/>
+                                        </p:tgtEl>
+                                        <p:attrNameLst>
+                                          <p:attrName>style.visibility</p:attrName>
+                                        </p:attrNameLst>
+                                      </p:cBhvr>
+                                      <p:to>
+                                        <p:strVal val="visible"/>
+                                      </p:to>
+                                    </p:set>
+                                    <p:animEffect transition="in" filter="fade">
+                                      <p:cBhvr>
+                                        <p:cTn id="18" dur="500"/>
+                                        <p:tgtEl>
+                                          <p:spTgt spid="7"/>
+                                        </p:tgtEl>
+                                      </p:cBhvr>
+                                    </p:animEffect>
+                                  </p:childTnLst>
+                                </p:cTn>
+                              </p:par>
+                            </p:childTnLst>
+                          </p:cTn>
+                        </p:par>
+                      </p:childTnLst>
+                    </p:cTn>
+                  </p:par>
+                  <p:par>
+                    <p:cTn id="19" fill="hold">
+                      <p:stCondLst>
+                        <p:cond delay="indefinite"/>
+                      </p:stCondLst>
+                      <p:childTnLst>
+                        <p:par>
+                          <p:cTn id="20" fill="hold">
+                            <p:stCondLst>
+                              <p:cond delay="0"/>
+                            </p:stCondLst>
+                            <p:childTnLst>
+                              <p:par>
+                                <p:cTn id="21" presetID="10" presetClass="entr" presetSubtype="0" fill="hold" nodeType="clickEffect">
+                                  <p:stCondLst>
+                                    <p:cond delay="0"/>
+                                  </p:stCondLst>
+                                  <p:childTnLst>
+                                    <p:set>
+                                      <p:cBhvr>
+                                        <p:cTn id="22" dur="1" fill="hold">
                                           <p:stCondLst>
                                             <p:cond delay="0"/>
                                           </p:stCondLst>
@@ -6142,7 +6206,7 @@
                                     </p:set>
                                     <p:animEffect transition="in" filter="fade">
                                       <p:cBhvr>
-                                        <p:cTn id="17" dur="500"/>
+                                        <p:cTn id="23" dur="500"/>
                                         <p:tgtEl>
                                           <p:spTgt spid="3">
                                             <p:txEl>
@@ -9179,1206 +9243,6 @@
                                           <p:spTgt spid="3">
                                             <p:txEl>
                                               <p:pRg st="8" end="8"/>
-                                            </p:txEl>
-                                          </p:spTgt>
-                                        </p:tgtEl>
-                                      </p:cBhvr>
-                                    </p:animEffect>
-                                  </p:childTnLst>
-                                </p:cTn>
-                              </p:par>
-                            </p:childTnLst>
-                          </p:cTn>
-                        </p:par>
-                      </p:childTnLst>
-                    </p:cTn>
-                  </p:par>
-                </p:childTnLst>
-              </p:cTn>
-              <p:prevCondLst>
-                <p:cond evt="onPrev" delay="0">
-                  <p:tgtEl>
-                    <p:sldTgt/>
-                  </p:tgtEl>
-                </p:cond>
-              </p:prevCondLst>
-              <p:nextCondLst>
-                <p:cond evt="onNext" delay="0">
-                  <p:tgtEl>
-                    <p:sldTgt/>
-                  </p:tgtEl>
-                </p:cond>
-              </p:nextCondLst>
-            </p:seq>
-          </p:childTnLst>
-        </p:cTn>
-      </p:par>
-    </p:tnLst>
-  </p:timing>
-</p:sld>
-</file>
-
-<file path=ppt/slides/slide20.xml><?xml version="1.0" encoding="utf-8"?>
-<p:sld xmlns:a="http://schemas.openxmlformats.org/drawingml/2006/main" xmlns:r="http://schemas.openxmlformats.org/officeDocument/2006/relationships" xmlns:p="http://schemas.openxmlformats.org/presentationml/2006/main">
-  <p:cSld>
-    <p:bg>
-      <p:bgPr>
-        <a:blipFill dpi="0" rotWithShape="1">
-          <a:blip r:embed="rId2">
-            <a:lum/>
-          </a:blip>
-          <a:srcRect/>
-          <a:stretch>
-            <a:fillRect/>
-          </a:stretch>
-        </a:blipFill>
-        <a:effectLst/>
-      </p:bgPr>
-    </p:bg>
-    <p:spTree>
-      <p:nvGrpSpPr>
-        <p:cNvPr id="1" name=""/>
-        <p:cNvGrpSpPr/>
-        <p:nvPr/>
-      </p:nvGrpSpPr>
-      <p:grpSpPr>
-        <a:xfrm>
-          <a:off x="0" y="0"/>
-          <a:ext cx="0" cy="0"/>
-          <a:chOff x="0" y="0"/>
-          <a:chExt cx="0" cy="0"/>
-        </a:xfrm>
-      </p:grpSpPr>
-      <p:sp>
-        <p:nvSpPr>
-          <p:cNvPr id="2" name="Title 1">
-            <a:extLst>
-              <a:ext uri="{FF2B5EF4-FFF2-40B4-BE49-F238E27FC236}">
-                <a16:creationId xmlns:a16="http://schemas.microsoft.com/office/drawing/2014/main" id="{55E11F08-6CA0-48F1-AD67-97430DDA07F0}"/>
-              </a:ext>
-            </a:extLst>
-          </p:cNvPr>
-          <p:cNvSpPr>
-            <a:spLocks noGrp="1"/>
-          </p:cNvSpPr>
-          <p:nvPr>
-            <p:ph type="title"/>
-          </p:nvPr>
-        </p:nvSpPr>
-        <p:spPr/>
-        <p:txBody>
-          <a:bodyPr/>
-          <a:lstStyle/>
-          <a:p>
-            <a:r>
-              <a:rPr lang="en-US" b="1" dirty="0">
-                <a:solidFill>
-                  <a:srgbClr val="292D33"/>
-                </a:solidFill>
-                <a:latin typeface="Euclid Circular B" panose="020B0504000000000000" pitchFamily="34" charset="0"/>
-                <a:ea typeface="Euclid Circular B" panose="020B0504000000000000" pitchFamily="34" charset="0"/>
-              </a:rPr>
-              <a:t>TODO</a:t>
-            </a:r>
-          </a:p>
-        </p:txBody>
-      </p:sp>
-      <p:sp>
-        <p:nvSpPr>
-          <p:cNvPr id="3" name="Content Placeholder 2">
-            <a:extLst>
-              <a:ext uri="{FF2B5EF4-FFF2-40B4-BE49-F238E27FC236}">
-                <a16:creationId xmlns:a16="http://schemas.microsoft.com/office/drawing/2014/main" id="{891C7693-D3DF-4635-96F4-97F3B4136FDF}"/>
-              </a:ext>
-            </a:extLst>
-          </p:cNvPr>
-          <p:cNvSpPr>
-            <a:spLocks noGrp="1"/>
-          </p:cNvSpPr>
-          <p:nvPr>
-            <p:ph idx="1"/>
-          </p:nvPr>
-        </p:nvSpPr>
-        <p:spPr/>
-        <p:txBody>
-          <a:bodyPr/>
-          <a:lstStyle/>
-          <a:p>
-            <a:r>
-              <a:rPr lang="en-US" dirty="0">
-                <a:latin typeface="Euclid Circular B" panose="020B0504000000000000" pitchFamily="34" charset="0"/>
-                <a:ea typeface="Euclid Circular B" panose="020B0504000000000000" pitchFamily="34" charset="0"/>
-              </a:rPr>
-              <a:t>Content</a:t>
-            </a:r>
-          </a:p>
-        </p:txBody>
-      </p:sp>
-    </p:spTree>
-    <p:extLst>
-      <p:ext uri="{BB962C8B-B14F-4D97-AF65-F5344CB8AC3E}">
-        <p14:creationId xmlns:p14="http://schemas.microsoft.com/office/powerpoint/2010/main" val="2181995549"/>
-      </p:ext>
-    </p:extLst>
-  </p:cSld>
-  <p:clrMapOvr>
-    <a:masterClrMapping/>
-  </p:clrMapOvr>
-  <p:timing>
-    <p:tnLst>
-      <p:par>
-        <p:cTn id="1" dur="indefinite" restart="never" nodeType="tmRoot">
-          <p:childTnLst>
-            <p:seq concurrent="1" nextAc="seek">
-              <p:cTn id="2" dur="indefinite" nodeType="mainSeq">
-                <p:childTnLst>
-                  <p:par>
-                    <p:cTn id="3" fill="hold">
-                      <p:stCondLst>
-                        <p:cond delay="indefinite"/>
-                      </p:stCondLst>
-                      <p:childTnLst>
-                        <p:par>
-                          <p:cTn id="4" fill="hold">
-                            <p:stCondLst>
-                              <p:cond delay="0"/>
-                            </p:stCondLst>
-                            <p:childTnLst>
-                              <p:par>
-                                <p:cTn id="5" presetID="10" presetClass="entr" presetSubtype="0" fill="hold" nodeType="clickEffect">
-                                  <p:stCondLst>
-                                    <p:cond delay="0"/>
-                                  </p:stCondLst>
-                                  <p:childTnLst>
-                                    <p:set>
-                                      <p:cBhvr>
-                                        <p:cTn id="6" dur="1" fill="hold">
-                                          <p:stCondLst>
-                                            <p:cond delay="0"/>
-                                          </p:stCondLst>
-                                        </p:cTn>
-                                        <p:tgtEl>
-                                          <p:spTgt spid="3">
-                                            <p:txEl>
-                                              <p:pRg st="0" end="0"/>
-                                            </p:txEl>
-                                          </p:spTgt>
-                                        </p:tgtEl>
-                                        <p:attrNameLst>
-                                          <p:attrName>style.visibility</p:attrName>
-                                        </p:attrNameLst>
-                                      </p:cBhvr>
-                                      <p:to>
-                                        <p:strVal val="visible"/>
-                                      </p:to>
-                                    </p:set>
-                                    <p:animEffect transition="in" filter="fade">
-                                      <p:cBhvr>
-                                        <p:cTn id="7" dur="500"/>
-                                        <p:tgtEl>
-                                          <p:spTgt spid="3">
-                                            <p:txEl>
-                                              <p:pRg st="0" end="0"/>
-                                            </p:txEl>
-                                          </p:spTgt>
-                                        </p:tgtEl>
-                                      </p:cBhvr>
-                                    </p:animEffect>
-                                  </p:childTnLst>
-                                </p:cTn>
-                              </p:par>
-                            </p:childTnLst>
-                          </p:cTn>
-                        </p:par>
-                      </p:childTnLst>
-                    </p:cTn>
-                  </p:par>
-                </p:childTnLst>
-              </p:cTn>
-              <p:prevCondLst>
-                <p:cond evt="onPrev" delay="0">
-                  <p:tgtEl>
-                    <p:sldTgt/>
-                  </p:tgtEl>
-                </p:cond>
-              </p:prevCondLst>
-              <p:nextCondLst>
-                <p:cond evt="onNext" delay="0">
-                  <p:tgtEl>
-                    <p:sldTgt/>
-                  </p:tgtEl>
-                </p:cond>
-              </p:nextCondLst>
-            </p:seq>
-          </p:childTnLst>
-        </p:cTn>
-      </p:par>
-    </p:tnLst>
-  </p:timing>
-</p:sld>
-</file>
-
-<file path=ppt/slides/slide21.xml><?xml version="1.0" encoding="utf-8"?>
-<p:sld xmlns:a="http://schemas.openxmlformats.org/drawingml/2006/main" xmlns:r="http://schemas.openxmlformats.org/officeDocument/2006/relationships" xmlns:p="http://schemas.openxmlformats.org/presentationml/2006/main">
-  <p:cSld>
-    <p:bg>
-      <p:bgPr>
-        <a:blipFill dpi="0" rotWithShape="1">
-          <a:blip r:embed="rId2">
-            <a:lum/>
-          </a:blip>
-          <a:srcRect/>
-          <a:stretch>
-            <a:fillRect/>
-          </a:stretch>
-        </a:blipFill>
-        <a:effectLst/>
-      </p:bgPr>
-    </p:bg>
-    <p:spTree>
-      <p:nvGrpSpPr>
-        <p:cNvPr id="1" name=""/>
-        <p:cNvGrpSpPr/>
-        <p:nvPr/>
-      </p:nvGrpSpPr>
-      <p:grpSpPr>
-        <a:xfrm>
-          <a:off x="0" y="0"/>
-          <a:ext cx="0" cy="0"/>
-          <a:chOff x="0" y="0"/>
-          <a:chExt cx="0" cy="0"/>
-        </a:xfrm>
-      </p:grpSpPr>
-      <p:sp>
-        <p:nvSpPr>
-          <p:cNvPr id="2" name="Title 1">
-            <a:extLst>
-              <a:ext uri="{FF2B5EF4-FFF2-40B4-BE49-F238E27FC236}">
-                <a16:creationId xmlns:a16="http://schemas.microsoft.com/office/drawing/2014/main" id="{55E11F08-6CA0-48F1-AD67-97430DDA07F0}"/>
-              </a:ext>
-            </a:extLst>
-          </p:cNvPr>
-          <p:cNvSpPr>
-            <a:spLocks noGrp="1"/>
-          </p:cNvSpPr>
-          <p:nvPr>
-            <p:ph type="title"/>
-          </p:nvPr>
-        </p:nvSpPr>
-        <p:spPr/>
-        <p:txBody>
-          <a:bodyPr/>
-          <a:lstStyle/>
-          <a:p>
-            <a:r>
-              <a:rPr lang="en-US" b="1" dirty="0">
-                <a:solidFill>
-                  <a:srgbClr val="292D33"/>
-                </a:solidFill>
-                <a:latin typeface="Euclid Circular B" panose="020B0504000000000000" pitchFamily="34" charset="0"/>
-                <a:ea typeface="Euclid Circular B" panose="020B0504000000000000" pitchFamily="34" charset="0"/>
-              </a:rPr>
-              <a:t>TODO</a:t>
-            </a:r>
-          </a:p>
-        </p:txBody>
-      </p:sp>
-      <p:sp>
-        <p:nvSpPr>
-          <p:cNvPr id="3" name="Content Placeholder 2">
-            <a:extLst>
-              <a:ext uri="{FF2B5EF4-FFF2-40B4-BE49-F238E27FC236}">
-                <a16:creationId xmlns:a16="http://schemas.microsoft.com/office/drawing/2014/main" id="{891C7693-D3DF-4635-96F4-97F3B4136FDF}"/>
-              </a:ext>
-            </a:extLst>
-          </p:cNvPr>
-          <p:cNvSpPr>
-            <a:spLocks noGrp="1"/>
-          </p:cNvSpPr>
-          <p:nvPr>
-            <p:ph idx="1"/>
-          </p:nvPr>
-        </p:nvSpPr>
-        <p:spPr/>
-        <p:txBody>
-          <a:bodyPr/>
-          <a:lstStyle/>
-          <a:p>
-            <a:r>
-              <a:rPr lang="en-US" dirty="0">
-                <a:latin typeface="Euclid Circular B" panose="020B0504000000000000" pitchFamily="34" charset="0"/>
-                <a:ea typeface="Euclid Circular B" panose="020B0504000000000000" pitchFamily="34" charset="0"/>
-              </a:rPr>
-              <a:t>Content</a:t>
-            </a:r>
-          </a:p>
-        </p:txBody>
-      </p:sp>
-    </p:spTree>
-    <p:extLst>
-      <p:ext uri="{BB962C8B-B14F-4D97-AF65-F5344CB8AC3E}">
-        <p14:creationId xmlns:p14="http://schemas.microsoft.com/office/powerpoint/2010/main" val="1419449436"/>
-      </p:ext>
-    </p:extLst>
-  </p:cSld>
-  <p:clrMapOvr>
-    <a:masterClrMapping/>
-  </p:clrMapOvr>
-  <p:timing>
-    <p:tnLst>
-      <p:par>
-        <p:cTn id="1" dur="indefinite" restart="never" nodeType="tmRoot">
-          <p:childTnLst>
-            <p:seq concurrent="1" nextAc="seek">
-              <p:cTn id="2" dur="indefinite" nodeType="mainSeq">
-                <p:childTnLst>
-                  <p:par>
-                    <p:cTn id="3" fill="hold">
-                      <p:stCondLst>
-                        <p:cond delay="indefinite"/>
-                      </p:stCondLst>
-                      <p:childTnLst>
-                        <p:par>
-                          <p:cTn id="4" fill="hold">
-                            <p:stCondLst>
-                              <p:cond delay="0"/>
-                            </p:stCondLst>
-                            <p:childTnLst>
-                              <p:par>
-                                <p:cTn id="5" presetID="10" presetClass="entr" presetSubtype="0" fill="hold" nodeType="clickEffect">
-                                  <p:stCondLst>
-                                    <p:cond delay="0"/>
-                                  </p:stCondLst>
-                                  <p:childTnLst>
-                                    <p:set>
-                                      <p:cBhvr>
-                                        <p:cTn id="6" dur="1" fill="hold">
-                                          <p:stCondLst>
-                                            <p:cond delay="0"/>
-                                          </p:stCondLst>
-                                        </p:cTn>
-                                        <p:tgtEl>
-                                          <p:spTgt spid="3">
-                                            <p:txEl>
-                                              <p:pRg st="0" end="0"/>
-                                            </p:txEl>
-                                          </p:spTgt>
-                                        </p:tgtEl>
-                                        <p:attrNameLst>
-                                          <p:attrName>style.visibility</p:attrName>
-                                        </p:attrNameLst>
-                                      </p:cBhvr>
-                                      <p:to>
-                                        <p:strVal val="visible"/>
-                                      </p:to>
-                                    </p:set>
-                                    <p:animEffect transition="in" filter="fade">
-                                      <p:cBhvr>
-                                        <p:cTn id="7" dur="500"/>
-                                        <p:tgtEl>
-                                          <p:spTgt spid="3">
-                                            <p:txEl>
-                                              <p:pRg st="0" end="0"/>
-                                            </p:txEl>
-                                          </p:spTgt>
-                                        </p:tgtEl>
-                                      </p:cBhvr>
-                                    </p:animEffect>
-                                  </p:childTnLst>
-                                </p:cTn>
-                              </p:par>
-                            </p:childTnLst>
-                          </p:cTn>
-                        </p:par>
-                      </p:childTnLst>
-                    </p:cTn>
-                  </p:par>
-                </p:childTnLst>
-              </p:cTn>
-              <p:prevCondLst>
-                <p:cond evt="onPrev" delay="0">
-                  <p:tgtEl>
-                    <p:sldTgt/>
-                  </p:tgtEl>
-                </p:cond>
-              </p:prevCondLst>
-              <p:nextCondLst>
-                <p:cond evt="onNext" delay="0">
-                  <p:tgtEl>
-                    <p:sldTgt/>
-                  </p:tgtEl>
-                </p:cond>
-              </p:nextCondLst>
-            </p:seq>
-          </p:childTnLst>
-        </p:cTn>
-      </p:par>
-    </p:tnLst>
-  </p:timing>
-</p:sld>
-</file>
-
-<file path=ppt/slides/slide22.xml><?xml version="1.0" encoding="utf-8"?>
-<p:sld xmlns:a="http://schemas.openxmlformats.org/drawingml/2006/main" xmlns:r="http://schemas.openxmlformats.org/officeDocument/2006/relationships" xmlns:p="http://schemas.openxmlformats.org/presentationml/2006/main">
-  <p:cSld>
-    <p:bg>
-      <p:bgPr>
-        <a:blipFill dpi="0" rotWithShape="1">
-          <a:blip r:embed="rId2">
-            <a:lum/>
-          </a:blip>
-          <a:srcRect/>
-          <a:stretch>
-            <a:fillRect/>
-          </a:stretch>
-        </a:blipFill>
-        <a:effectLst/>
-      </p:bgPr>
-    </p:bg>
-    <p:spTree>
-      <p:nvGrpSpPr>
-        <p:cNvPr id="1" name=""/>
-        <p:cNvGrpSpPr/>
-        <p:nvPr/>
-      </p:nvGrpSpPr>
-      <p:grpSpPr>
-        <a:xfrm>
-          <a:off x="0" y="0"/>
-          <a:ext cx="0" cy="0"/>
-          <a:chOff x="0" y="0"/>
-          <a:chExt cx="0" cy="0"/>
-        </a:xfrm>
-      </p:grpSpPr>
-      <p:sp>
-        <p:nvSpPr>
-          <p:cNvPr id="2" name="Title 1">
-            <a:extLst>
-              <a:ext uri="{FF2B5EF4-FFF2-40B4-BE49-F238E27FC236}">
-                <a16:creationId xmlns:a16="http://schemas.microsoft.com/office/drawing/2014/main" id="{55E11F08-6CA0-48F1-AD67-97430DDA07F0}"/>
-              </a:ext>
-            </a:extLst>
-          </p:cNvPr>
-          <p:cNvSpPr>
-            <a:spLocks noGrp="1"/>
-          </p:cNvSpPr>
-          <p:nvPr>
-            <p:ph type="title"/>
-          </p:nvPr>
-        </p:nvSpPr>
-        <p:spPr/>
-        <p:txBody>
-          <a:bodyPr/>
-          <a:lstStyle/>
-          <a:p>
-            <a:r>
-              <a:rPr lang="en-US" b="1" dirty="0">
-                <a:solidFill>
-                  <a:srgbClr val="292D33"/>
-                </a:solidFill>
-                <a:latin typeface="Euclid Circular B" panose="020B0504000000000000" pitchFamily="34" charset="0"/>
-                <a:ea typeface="Euclid Circular B" panose="020B0504000000000000" pitchFamily="34" charset="0"/>
-              </a:rPr>
-              <a:t>TODO</a:t>
-            </a:r>
-          </a:p>
-        </p:txBody>
-      </p:sp>
-      <p:sp>
-        <p:nvSpPr>
-          <p:cNvPr id="3" name="Content Placeholder 2">
-            <a:extLst>
-              <a:ext uri="{FF2B5EF4-FFF2-40B4-BE49-F238E27FC236}">
-                <a16:creationId xmlns:a16="http://schemas.microsoft.com/office/drawing/2014/main" id="{891C7693-D3DF-4635-96F4-97F3B4136FDF}"/>
-              </a:ext>
-            </a:extLst>
-          </p:cNvPr>
-          <p:cNvSpPr>
-            <a:spLocks noGrp="1"/>
-          </p:cNvSpPr>
-          <p:nvPr>
-            <p:ph idx="1"/>
-          </p:nvPr>
-        </p:nvSpPr>
-        <p:spPr/>
-        <p:txBody>
-          <a:bodyPr/>
-          <a:lstStyle/>
-          <a:p>
-            <a:r>
-              <a:rPr lang="en-US" dirty="0">
-                <a:latin typeface="Euclid Circular B" panose="020B0504000000000000" pitchFamily="34" charset="0"/>
-                <a:ea typeface="Euclid Circular B" panose="020B0504000000000000" pitchFamily="34" charset="0"/>
-              </a:rPr>
-              <a:t>Content</a:t>
-            </a:r>
-          </a:p>
-        </p:txBody>
-      </p:sp>
-    </p:spTree>
-    <p:extLst>
-      <p:ext uri="{BB962C8B-B14F-4D97-AF65-F5344CB8AC3E}">
-        <p14:creationId xmlns:p14="http://schemas.microsoft.com/office/powerpoint/2010/main" val="852508637"/>
-      </p:ext>
-    </p:extLst>
-  </p:cSld>
-  <p:clrMapOvr>
-    <a:masterClrMapping/>
-  </p:clrMapOvr>
-  <p:timing>
-    <p:tnLst>
-      <p:par>
-        <p:cTn id="1" dur="indefinite" restart="never" nodeType="tmRoot">
-          <p:childTnLst>
-            <p:seq concurrent="1" nextAc="seek">
-              <p:cTn id="2" dur="indefinite" nodeType="mainSeq">
-                <p:childTnLst>
-                  <p:par>
-                    <p:cTn id="3" fill="hold">
-                      <p:stCondLst>
-                        <p:cond delay="indefinite"/>
-                      </p:stCondLst>
-                      <p:childTnLst>
-                        <p:par>
-                          <p:cTn id="4" fill="hold">
-                            <p:stCondLst>
-                              <p:cond delay="0"/>
-                            </p:stCondLst>
-                            <p:childTnLst>
-                              <p:par>
-                                <p:cTn id="5" presetID="10" presetClass="entr" presetSubtype="0" fill="hold" nodeType="clickEffect">
-                                  <p:stCondLst>
-                                    <p:cond delay="0"/>
-                                  </p:stCondLst>
-                                  <p:childTnLst>
-                                    <p:set>
-                                      <p:cBhvr>
-                                        <p:cTn id="6" dur="1" fill="hold">
-                                          <p:stCondLst>
-                                            <p:cond delay="0"/>
-                                          </p:stCondLst>
-                                        </p:cTn>
-                                        <p:tgtEl>
-                                          <p:spTgt spid="3">
-                                            <p:txEl>
-                                              <p:pRg st="0" end="0"/>
-                                            </p:txEl>
-                                          </p:spTgt>
-                                        </p:tgtEl>
-                                        <p:attrNameLst>
-                                          <p:attrName>style.visibility</p:attrName>
-                                        </p:attrNameLst>
-                                      </p:cBhvr>
-                                      <p:to>
-                                        <p:strVal val="visible"/>
-                                      </p:to>
-                                    </p:set>
-                                    <p:animEffect transition="in" filter="fade">
-                                      <p:cBhvr>
-                                        <p:cTn id="7" dur="500"/>
-                                        <p:tgtEl>
-                                          <p:spTgt spid="3">
-                                            <p:txEl>
-                                              <p:pRg st="0" end="0"/>
-                                            </p:txEl>
-                                          </p:spTgt>
-                                        </p:tgtEl>
-                                      </p:cBhvr>
-                                    </p:animEffect>
-                                  </p:childTnLst>
-                                </p:cTn>
-                              </p:par>
-                            </p:childTnLst>
-                          </p:cTn>
-                        </p:par>
-                      </p:childTnLst>
-                    </p:cTn>
-                  </p:par>
-                </p:childTnLst>
-              </p:cTn>
-              <p:prevCondLst>
-                <p:cond evt="onPrev" delay="0">
-                  <p:tgtEl>
-                    <p:sldTgt/>
-                  </p:tgtEl>
-                </p:cond>
-              </p:prevCondLst>
-              <p:nextCondLst>
-                <p:cond evt="onNext" delay="0">
-                  <p:tgtEl>
-                    <p:sldTgt/>
-                  </p:tgtEl>
-                </p:cond>
-              </p:nextCondLst>
-            </p:seq>
-          </p:childTnLst>
-        </p:cTn>
-      </p:par>
-    </p:tnLst>
-  </p:timing>
-</p:sld>
-</file>
-
-<file path=ppt/slides/slide23.xml><?xml version="1.0" encoding="utf-8"?>
-<p:sld xmlns:a="http://schemas.openxmlformats.org/drawingml/2006/main" xmlns:r="http://schemas.openxmlformats.org/officeDocument/2006/relationships" xmlns:p="http://schemas.openxmlformats.org/presentationml/2006/main">
-  <p:cSld>
-    <p:bg>
-      <p:bgPr>
-        <a:blipFill dpi="0" rotWithShape="1">
-          <a:blip r:embed="rId2">
-            <a:lum/>
-          </a:blip>
-          <a:srcRect/>
-          <a:stretch>
-            <a:fillRect/>
-          </a:stretch>
-        </a:blipFill>
-        <a:effectLst/>
-      </p:bgPr>
-    </p:bg>
-    <p:spTree>
-      <p:nvGrpSpPr>
-        <p:cNvPr id="1" name=""/>
-        <p:cNvGrpSpPr/>
-        <p:nvPr/>
-      </p:nvGrpSpPr>
-      <p:grpSpPr>
-        <a:xfrm>
-          <a:off x="0" y="0"/>
-          <a:ext cx="0" cy="0"/>
-          <a:chOff x="0" y="0"/>
-          <a:chExt cx="0" cy="0"/>
-        </a:xfrm>
-      </p:grpSpPr>
-      <p:sp>
-        <p:nvSpPr>
-          <p:cNvPr id="2" name="Title 1">
-            <a:extLst>
-              <a:ext uri="{FF2B5EF4-FFF2-40B4-BE49-F238E27FC236}">
-                <a16:creationId xmlns:a16="http://schemas.microsoft.com/office/drawing/2014/main" id="{55E11F08-6CA0-48F1-AD67-97430DDA07F0}"/>
-              </a:ext>
-            </a:extLst>
-          </p:cNvPr>
-          <p:cNvSpPr>
-            <a:spLocks noGrp="1"/>
-          </p:cNvSpPr>
-          <p:nvPr>
-            <p:ph type="title"/>
-          </p:nvPr>
-        </p:nvSpPr>
-        <p:spPr/>
-        <p:txBody>
-          <a:bodyPr/>
-          <a:lstStyle/>
-          <a:p>
-            <a:r>
-              <a:rPr lang="en-US" b="1" dirty="0">
-                <a:solidFill>
-                  <a:srgbClr val="292D33"/>
-                </a:solidFill>
-                <a:latin typeface="Euclid Circular B" panose="020B0504000000000000" pitchFamily="34" charset="0"/>
-                <a:ea typeface="Euclid Circular B" panose="020B0504000000000000" pitchFamily="34" charset="0"/>
-              </a:rPr>
-              <a:t>TODO</a:t>
-            </a:r>
-          </a:p>
-        </p:txBody>
-      </p:sp>
-      <p:sp>
-        <p:nvSpPr>
-          <p:cNvPr id="3" name="Content Placeholder 2">
-            <a:extLst>
-              <a:ext uri="{FF2B5EF4-FFF2-40B4-BE49-F238E27FC236}">
-                <a16:creationId xmlns:a16="http://schemas.microsoft.com/office/drawing/2014/main" id="{891C7693-D3DF-4635-96F4-97F3B4136FDF}"/>
-              </a:ext>
-            </a:extLst>
-          </p:cNvPr>
-          <p:cNvSpPr>
-            <a:spLocks noGrp="1"/>
-          </p:cNvSpPr>
-          <p:nvPr>
-            <p:ph idx="1"/>
-          </p:nvPr>
-        </p:nvSpPr>
-        <p:spPr/>
-        <p:txBody>
-          <a:bodyPr/>
-          <a:lstStyle/>
-          <a:p>
-            <a:r>
-              <a:rPr lang="en-US" dirty="0">
-                <a:latin typeface="Euclid Circular B" panose="020B0504000000000000" pitchFamily="34" charset="0"/>
-                <a:ea typeface="Euclid Circular B" panose="020B0504000000000000" pitchFamily="34" charset="0"/>
-              </a:rPr>
-              <a:t>Content</a:t>
-            </a:r>
-          </a:p>
-        </p:txBody>
-      </p:sp>
-    </p:spTree>
-    <p:extLst>
-      <p:ext uri="{BB962C8B-B14F-4D97-AF65-F5344CB8AC3E}">
-        <p14:creationId xmlns:p14="http://schemas.microsoft.com/office/powerpoint/2010/main" val="1974742614"/>
-      </p:ext>
-    </p:extLst>
-  </p:cSld>
-  <p:clrMapOvr>
-    <a:masterClrMapping/>
-  </p:clrMapOvr>
-  <p:timing>
-    <p:tnLst>
-      <p:par>
-        <p:cTn id="1" dur="indefinite" restart="never" nodeType="tmRoot">
-          <p:childTnLst>
-            <p:seq concurrent="1" nextAc="seek">
-              <p:cTn id="2" dur="indefinite" nodeType="mainSeq">
-                <p:childTnLst>
-                  <p:par>
-                    <p:cTn id="3" fill="hold">
-                      <p:stCondLst>
-                        <p:cond delay="indefinite"/>
-                      </p:stCondLst>
-                      <p:childTnLst>
-                        <p:par>
-                          <p:cTn id="4" fill="hold">
-                            <p:stCondLst>
-                              <p:cond delay="0"/>
-                            </p:stCondLst>
-                            <p:childTnLst>
-                              <p:par>
-                                <p:cTn id="5" presetID="10" presetClass="entr" presetSubtype="0" fill="hold" nodeType="clickEffect">
-                                  <p:stCondLst>
-                                    <p:cond delay="0"/>
-                                  </p:stCondLst>
-                                  <p:childTnLst>
-                                    <p:set>
-                                      <p:cBhvr>
-                                        <p:cTn id="6" dur="1" fill="hold">
-                                          <p:stCondLst>
-                                            <p:cond delay="0"/>
-                                          </p:stCondLst>
-                                        </p:cTn>
-                                        <p:tgtEl>
-                                          <p:spTgt spid="3">
-                                            <p:txEl>
-                                              <p:pRg st="0" end="0"/>
-                                            </p:txEl>
-                                          </p:spTgt>
-                                        </p:tgtEl>
-                                        <p:attrNameLst>
-                                          <p:attrName>style.visibility</p:attrName>
-                                        </p:attrNameLst>
-                                      </p:cBhvr>
-                                      <p:to>
-                                        <p:strVal val="visible"/>
-                                      </p:to>
-                                    </p:set>
-                                    <p:animEffect transition="in" filter="fade">
-                                      <p:cBhvr>
-                                        <p:cTn id="7" dur="500"/>
-                                        <p:tgtEl>
-                                          <p:spTgt spid="3">
-                                            <p:txEl>
-                                              <p:pRg st="0" end="0"/>
-                                            </p:txEl>
-                                          </p:spTgt>
-                                        </p:tgtEl>
-                                      </p:cBhvr>
-                                    </p:animEffect>
-                                  </p:childTnLst>
-                                </p:cTn>
-                              </p:par>
-                            </p:childTnLst>
-                          </p:cTn>
-                        </p:par>
-                      </p:childTnLst>
-                    </p:cTn>
-                  </p:par>
-                </p:childTnLst>
-              </p:cTn>
-              <p:prevCondLst>
-                <p:cond evt="onPrev" delay="0">
-                  <p:tgtEl>
-                    <p:sldTgt/>
-                  </p:tgtEl>
-                </p:cond>
-              </p:prevCondLst>
-              <p:nextCondLst>
-                <p:cond evt="onNext" delay="0">
-                  <p:tgtEl>
-                    <p:sldTgt/>
-                  </p:tgtEl>
-                </p:cond>
-              </p:nextCondLst>
-            </p:seq>
-          </p:childTnLst>
-        </p:cTn>
-      </p:par>
-    </p:tnLst>
-  </p:timing>
-</p:sld>
-</file>
-
-<file path=ppt/slides/slide24.xml><?xml version="1.0" encoding="utf-8"?>
-<p:sld xmlns:a="http://schemas.openxmlformats.org/drawingml/2006/main" xmlns:r="http://schemas.openxmlformats.org/officeDocument/2006/relationships" xmlns:p="http://schemas.openxmlformats.org/presentationml/2006/main">
-  <p:cSld>
-    <p:bg>
-      <p:bgPr>
-        <a:blipFill dpi="0" rotWithShape="1">
-          <a:blip r:embed="rId2">
-            <a:lum/>
-          </a:blip>
-          <a:srcRect/>
-          <a:stretch>
-            <a:fillRect/>
-          </a:stretch>
-        </a:blipFill>
-        <a:effectLst/>
-      </p:bgPr>
-    </p:bg>
-    <p:spTree>
-      <p:nvGrpSpPr>
-        <p:cNvPr id="1" name=""/>
-        <p:cNvGrpSpPr/>
-        <p:nvPr/>
-      </p:nvGrpSpPr>
-      <p:grpSpPr>
-        <a:xfrm>
-          <a:off x="0" y="0"/>
-          <a:ext cx="0" cy="0"/>
-          <a:chOff x="0" y="0"/>
-          <a:chExt cx="0" cy="0"/>
-        </a:xfrm>
-      </p:grpSpPr>
-      <p:sp>
-        <p:nvSpPr>
-          <p:cNvPr id="2" name="Title 1">
-            <a:extLst>
-              <a:ext uri="{FF2B5EF4-FFF2-40B4-BE49-F238E27FC236}">
-                <a16:creationId xmlns:a16="http://schemas.microsoft.com/office/drawing/2014/main" id="{55E11F08-6CA0-48F1-AD67-97430DDA07F0}"/>
-              </a:ext>
-            </a:extLst>
-          </p:cNvPr>
-          <p:cNvSpPr>
-            <a:spLocks noGrp="1"/>
-          </p:cNvSpPr>
-          <p:nvPr>
-            <p:ph type="title"/>
-          </p:nvPr>
-        </p:nvSpPr>
-        <p:spPr/>
-        <p:txBody>
-          <a:bodyPr/>
-          <a:lstStyle/>
-          <a:p>
-            <a:r>
-              <a:rPr lang="en-US" b="1" dirty="0">
-                <a:solidFill>
-                  <a:srgbClr val="292D33"/>
-                </a:solidFill>
-                <a:latin typeface="Euclid Circular B" panose="020B0504000000000000" pitchFamily="34" charset="0"/>
-                <a:ea typeface="Euclid Circular B" panose="020B0504000000000000" pitchFamily="34" charset="0"/>
-              </a:rPr>
-              <a:t>TODO</a:t>
-            </a:r>
-          </a:p>
-        </p:txBody>
-      </p:sp>
-      <p:sp>
-        <p:nvSpPr>
-          <p:cNvPr id="3" name="Content Placeholder 2">
-            <a:extLst>
-              <a:ext uri="{FF2B5EF4-FFF2-40B4-BE49-F238E27FC236}">
-                <a16:creationId xmlns:a16="http://schemas.microsoft.com/office/drawing/2014/main" id="{891C7693-D3DF-4635-96F4-97F3B4136FDF}"/>
-              </a:ext>
-            </a:extLst>
-          </p:cNvPr>
-          <p:cNvSpPr>
-            <a:spLocks noGrp="1"/>
-          </p:cNvSpPr>
-          <p:nvPr>
-            <p:ph idx="1"/>
-          </p:nvPr>
-        </p:nvSpPr>
-        <p:spPr/>
-        <p:txBody>
-          <a:bodyPr/>
-          <a:lstStyle/>
-          <a:p>
-            <a:r>
-              <a:rPr lang="en-US" dirty="0">
-                <a:latin typeface="Euclid Circular B" panose="020B0504000000000000" pitchFamily="34" charset="0"/>
-                <a:ea typeface="Euclid Circular B" panose="020B0504000000000000" pitchFamily="34" charset="0"/>
-              </a:rPr>
-              <a:t>Content</a:t>
-            </a:r>
-          </a:p>
-        </p:txBody>
-      </p:sp>
-    </p:spTree>
-    <p:extLst>
-      <p:ext uri="{BB962C8B-B14F-4D97-AF65-F5344CB8AC3E}">
-        <p14:creationId xmlns:p14="http://schemas.microsoft.com/office/powerpoint/2010/main" val="3969693155"/>
-      </p:ext>
-    </p:extLst>
-  </p:cSld>
-  <p:clrMapOvr>
-    <a:masterClrMapping/>
-  </p:clrMapOvr>
-  <p:timing>
-    <p:tnLst>
-      <p:par>
-        <p:cTn id="1" dur="indefinite" restart="never" nodeType="tmRoot">
-          <p:childTnLst>
-            <p:seq concurrent="1" nextAc="seek">
-              <p:cTn id="2" dur="indefinite" nodeType="mainSeq">
-                <p:childTnLst>
-                  <p:par>
-                    <p:cTn id="3" fill="hold">
-                      <p:stCondLst>
-                        <p:cond delay="indefinite"/>
-                      </p:stCondLst>
-                      <p:childTnLst>
-                        <p:par>
-                          <p:cTn id="4" fill="hold">
-                            <p:stCondLst>
-                              <p:cond delay="0"/>
-                            </p:stCondLst>
-                            <p:childTnLst>
-                              <p:par>
-                                <p:cTn id="5" presetID="10" presetClass="entr" presetSubtype="0" fill="hold" nodeType="clickEffect">
-                                  <p:stCondLst>
-                                    <p:cond delay="0"/>
-                                  </p:stCondLst>
-                                  <p:childTnLst>
-                                    <p:set>
-                                      <p:cBhvr>
-                                        <p:cTn id="6" dur="1" fill="hold">
-                                          <p:stCondLst>
-                                            <p:cond delay="0"/>
-                                          </p:stCondLst>
-                                        </p:cTn>
-                                        <p:tgtEl>
-                                          <p:spTgt spid="3">
-                                            <p:txEl>
-                                              <p:pRg st="0" end="0"/>
-                                            </p:txEl>
-                                          </p:spTgt>
-                                        </p:tgtEl>
-                                        <p:attrNameLst>
-                                          <p:attrName>style.visibility</p:attrName>
-                                        </p:attrNameLst>
-                                      </p:cBhvr>
-                                      <p:to>
-                                        <p:strVal val="visible"/>
-                                      </p:to>
-                                    </p:set>
-                                    <p:animEffect transition="in" filter="fade">
-                                      <p:cBhvr>
-                                        <p:cTn id="7" dur="500"/>
-                                        <p:tgtEl>
-                                          <p:spTgt spid="3">
-                                            <p:txEl>
-                                              <p:pRg st="0" end="0"/>
-                                            </p:txEl>
-                                          </p:spTgt>
-                                        </p:tgtEl>
-                                      </p:cBhvr>
-                                    </p:animEffect>
-                                  </p:childTnLst>
-                                </p:cTn>
-                              </p:par>
-                            </p:childTnLst>
-                          </p:cTn>
-                        </p:par>
-                      </p:childTnLst>
-                    </p:cTn>
-                  </p:par>
-                </p:childTnLst>
-              </p:cTn>
-              <p:prevCondLst>
-                <p:cond evt="onPrev" delay="0">
-                  <p:tgtEl>
-                    <p:sldTgt/>
-                  </p:tgtEl>
-                </p:cond>
-              </p:prevCondLst>
-              <p:nextCondLst>
-                <p:cond evt="onNext" delay="0">
-                  <p:tgtEl>
-                    <p:sldTgt/>
-                  </p:tgtEl>
-                </p:cond>
-              </p:nextCondLst>
-            </p:seq>
-          </p:childTnLst>
-        </p:cTn>
-      </p:par>
-    </p:tnLst>
-  </p:timing>
-</p:sld>
-</file>
-
-<file path=ppt/slides/slide25.xml><?xml version="1.0" encoding="utf-8"?>
-<p:sld xmlns:a="http://schemas.openxmlformats.org/drawingml/2006/main" xmlns:r="http://schemas.openxmlformats.org/officeDocument/2006/relationships" xmlns:p="http://schemas.openxmlformats.org/presentationml/2006/main">
-  <p:cSld>
-    <p:bg>
-      <p:bgPr>
-        <a:blipFill dpi="0" rotWithShape="1">
-          <a:blip r:embed="rId2">
-            <a:lum/>
-          </a:blip>
-          <a:srcRect/>
-          <a:stretch>
-            <a:fillRect/>
-          </a:stretch>
-        </a:blipFill>
-        <a:effectLst/>
-      </p:bgPr>
-    </p:bg>
-    <p:spTree>
-      <p:nvGrpSpPr>
-        <p:cNvPr id="1" name=""/>
-        <p:cNvGrpSpPr/>
-        <p:nvPr/>
-      </p:nvGrpSpPr>
-      <p:grpSpPr>
-        <a:xfrm>
-          <a:off x="0" y="0"/>
-          <a:ext cx="0" cy="0"/>
-          <a:chOff x="0" y="0"/>
-          <a:chExt cx="0" cy="0"/>
-        </a:xfrm>
-      </p:grpSpPr>
-      <p:sp>
-        <p:nvSpPr>
-          <p:cNvPr id="2" name="Title 1">
-            <a:extLst>
-              <a:ext uri="{FF2B5EF4-FFF2-40B4-BE49-F238E27FC236}">
-                <a16:creationId xmlns:a16="http://schemas.microsoft.com/office/drawing/2014/main" id="{55E11F08-6CA0-48F1-AD67-97430DDA07F0}"/>
-              </a:ext>
-            </a:extLst>
-          </p:cNvPr>
-          <p:cNvSpPr>
-            <a:spLocks noGrp="1"/>
-          </p:cNvSpPr>
-          <p:nvPr>
-            <p:ph type="title"/>
-          </p:nvPr>
-        </p:nvSpPr>
-        <p:spPr/>
-        <p:txBody>
-          <a:bodyPr/>
-          <a:lstStyle/>
-          <a:p>
-            <a:r>
-              <a:rPr lang="en-US" b="1" dirty="0">
-                <a:solidFill>
-                  <a:srgbClr val="292D33"/>
-                </a:solidFill>
-                <a:latin typeface="Euclid Circular B" panose="020B0504000000000000" pitchFamily="34" charset="0"/>
-                <a:ea typeface="Euclid Circular B" panose="020B0504000000000000" pitchFamily="34" charset="0"/>
-              </a:rPr>
-              <a:t>TODO</a:t>
-            </a:r>
-          </a:p>
-        </p:txBody>
-      </p:sp>
-      <p:sp>
-        <p:nvSpPr>
-          <p:cNvPr id="3" name="Content Placeholder 2">
-            <a:extLst>
-              <a:ext uri="{FF2B5EF4-FFF2-40B4-BE49-F238E27FC236}">
-                <a16:creationId xmlns:a16="http://schemas.microsoft.com/office/drawing/2014/main" id="{891C7693-D3DF-4635-96F4-97F3B4136FDF}"/>
-              </a:ext>
-            </a:extLst>
-          </p:cNvPr>
-          <p:cNvSpPr>
-            <a:spLocks noGrp="1"/>
-          </p:cNvSpPr>
-          <p:nvPr>
-            <p:ph idx="1"/>
-          </p:nvPr>
-        </p:nvSpPr>
-        <p:spPr/>
-        <p:txBody>
-          <a:bodyPr/>
-          <a:lstStyle/>
-          <a:p>
-            <a:r>
-              <a:rPr lang="en-US" dirty="0">
-                <a:latin typeface="Euclid Circular B" panose="020B0504000000000000" pitchFamily="34" charset="0"/>
-                <a:ea typeface="Euclid Circular B" panose="020B0504000000000000" pitchFamily="34" charset="0"/>
-              </a:rPr>
-              <a:t>Content</a:t>
-            </a:r>
-          </a:p>
-        </p:txBody>
-      </p:sp>
-    </p:spTree>
-    <p:extLst>
-      <p:ext uri="{BB962C8B-B14F-4D97-AF65-F5344CB8AC3E}">
-        <p14:creationId xmlns:p14="http://schemas.microsoft.com/office/powerpoint/2010/main" val="2136157487"/>
-      </p:ext>
-    </p:extLst>
-  </p:cSld>
-  <p:clrMapOvr>
-    <a:masterClrMapping/>
-  </p:clrMapOvr>
-  <p:timing>
-    <p:tnLst>
-      <p:par>
-        <p:cTn id="1" dur="indefinite" restart="never" nodeType="tmRoot">
-          <p:childTnLst>
-            <p:seq concurrent="1" nextAc="seek">
-              <p:cTn id="2" dur="indefinite" nodeType="mainSeq">
-                <p:childTnLst>
-                  <p:par>
-                    <p:cTn id="3" fill="hold">
-                      <p:stCondLst>
-                        <p:cond delay="indefinite"/>
-                      </p:stCondLst>
-                      <p:childTnLst>
-                        <p:par>
-                          <p:cTn id="4" fill="hold">
-                            <p:stCondLst>
-                              <p:cond delay="0"/>
-                            </p:stCondLst>
-                            <p:childTnLst>
-                              <p:par>
-                                <p:cTn id="5" presetID="10" presetClass="entr" presetSubtype="0" fill="hold" nodeType="clickEffect">
-                                  <p:stCondLst>
-                                    <p:cond delay="0"/>
-                                  </p:stCondLst>
-                                  <p:childTnLst>
-                                    <p:set>
-                                      <p:cBhvr>
-                                        <p:cTn id="6" dur="1" fill="hold">
-                                          <p:stCondLst>
-                                            <p:cond delay="0"/>
-                                          </p:stCondLst>
-                                        </p:cTn>
-                                        <p:tgtEl>
-                                          <p:spTgt spid="3">
-                                            <p:txEl>
-                                              <p:pRg st="0" end="0"/>
-                                            </p:txEl>
-                                          </p:spTgt>
-                                        </p:tgtEl>
-                                        <p:attrNameLst>
-                                          <p:attrName>style.visibility</p:attrName>
-                                        </p:attrNameLst>
-                                      </p:cBhvr>
-                                      <p:to>
-                                        <p:strVal val="visible"/>
-                                      </p:to>
-                                    </p:set>
-                                    <p:animEffect transition="in" filter="fade">
-                                      <p:cBhvr>
-                                        <p:cTn id="7" dur="500"/>
-                                        <p:tgtEl>
-                                          <p:spTgt spid="3">
-                                            <p:txEl>
-                                              <p:pRg st="0" end="0"/>
                                             </p:txEl>
                                           </p:spTgt>
                                         </p:tgtEl>
